--- a/ACI庫存操作.pptx
+++ b/ACI庫存操作.pptx
@@ -11,29 +11,29 @@
     <p:sldId id="282" r:id="rId5"/>
     <p:sldId id="283" r:id="rId6"/>
     <p:sldId id="284" r:id="rId7"/>
-    <p:sldId id="257" r:id="rId8"/>
-    <p:sldId id="258" r:id="rId9"/>
-    <p:sldId id="259" r:id="rId10"/>
-    <p:sldId id="260" r:id="rId11"/>
-    <p:sldId id="261" r:id="rId12"/>
-    <p:sldId id="262" r:id="rId13"/>
-    <p:sldId id="263" r:id="rId14"/>
-    <p:sldId id="265" r:id="rId15"/>
-    <p:sldId id="268" r:id="rId16"/>
-    <p:sldId id="269" r:id="rId17"/>
-    <p:sldId id="272" r:id="rId18"/>
-    <p:sldId id="273" r:id="rId19"/>
-    <p:sldId id="264" r:id="rId20"/>
-    <p:sldId id="266" r:id="rId21"/>
-    <p:sldId id="270" r:id="rId22"/>
-    <p:sldId id="267" r:id="rId23"/>
-    <p:sldId id="271" r:id="rId24"/>
-    <p:sldId id="274" r:id="rId25"/>
-    <p:sldId id="275" r:id="rId26"/>
-    <p:sldId id="276" r:id="rId27"/>
-    <p:sldId id="277" r:id="rId28"/>
+    <p:sldId id="275" r:id="rId8"/>
+    <p:sldId id="276" r:id="rId9"/>
+    <p:sldId id="277" r:id="rId10"/>
+    <p:sldId id="257" r:id="rId11"/>
+    <p:sldId id="258" r:id="rId12"/>
+    <p:sldId id="259" r:id="rId13"/>
+    <p:sldId id="260" r:id="rId14"/>
+    <p:sldId id="261" r:id="rId15"/>
+    <p:sldId id="262" r:id="rId16"/>
+    <p:sldId id="263" r:id="rId17"/>
+    <p:sldId id="265" r:id="rId18"/>
+    <p:sldId id="272" r:id="rId19"/>
+    <p:sldId id="273" r:id="rId20"/>
+    <p:sldId id="264" r:id="rId21"/>
+    <p:sldId id="266" r:id="rId22"/>
+    <p:sldId id="271" r:id="rId23"/>
+    <p:sldId id="274" r:id="rId24"/>
+    <p:sldId id="287" r:id="rId25"/>
+    <p:sldId id="288" r:id="rId26"/>
+    <p:sldId id="270" r:id="rId27"/>
+    <p:sldId id="286" r:id="rId28"/>
     <p:sldId id="278" r:id="rId29"/>
-    <p:sldId id="279" r:id="rId30"/>
+    <p:sldId id="285" r:id="rId30"/>
   </p:sldIdLst>
   <p:sldSz cx="12192000" cy="6858000"/>
   <p:notesSz cx="6858000" cy="9144000"/>
@@ -132,6 +132,11 @@
       </a:defRPr>
     </a:lvl9pPr>
   </p:defaultTextStyle>
+  <p:extLst>
+    <p:ext uri="{EFAFB233-063F-42B5-8137-9DF3F51BA10A}">
+      <p15:sldGuideLst xmlns:p15="http://schemas.microsoft.com/office/powerpoint/2012/main"/>
+    </p:ext>
+  </p:extLst>
 </p:presentation>
 </file>
 
@@ -266,7 +271,7 @@
           <a:p>
             <a:fld id="{0BF83F52-7D59-45B5-B017-ABEB8042948F}" type="datetimeFigureOut">
               <a:rPr lang="zh-TW" altLang="en-US" smtClean="0"/>
-              <a:t>2025/3/31</a:t>
+              <a:t>2025/4/11</a:t>
             </a:fld>
             <a:endParaRPr lang="zh-TW" altLang="en-US"/>
           </a:p>
@@ -324,6 +329,13 @@
   <p:clrMapOvr>
     <a:masterClrMapping/>
   </p:clrMapOvr>
+  <p:timing>
+    <p:tnLst>
+      <p:par>
+        <p:cTn id="1" dur="indefinite" restart="never" nodeType="tmRoot"/>
+      </p:par>
+    </p:tnLst>
+  </p:timing>
 </p:sldLayout>
 </file>
 
@@ -436,7 +448,7 @@
           <a:p>
             <a:fld id="{0BF83F52-7D59-45B5-B017-ABEB8042948F}" type="datetimeFigureOut">
               <a:rPr lang="zh-TW" altLang="en-US" smtClean="0"/>
-              <a:t>2025/3/31</a:t>
+              <a:t>2025/4/11</a:t>
             </a:fld>
             <a:endParaRPr lang="zh-TW" altLang="en-US"/>
           </a:p>
@@ -616,7 +628,7 @@
           <a:p>
             <a:fld id="{0BF83F52-7D59-45B5-B017-ABEB8042948F}" type="datetimeFigureOut">
               <a:rPr lang="zh-TW" altLang="en-US" smtClean="0"/>
-              <a:t>2025/3/31</a:t>
+              <a:t>2025/4/11</a:t>
             </a:fld>
             <a:endParaRPr lang="zh-TW" altLang="en-US"/>
           </a:p>
@@ -786,7 +798,7 @@
           <a:p>
             <a:fld id="{0BF83F52-7D59-45B5-B017-ABEB8042948F}" type="datetimeFigureOut">
               <a:rPr lang="zh-TW" altLang="en-US" smtClean="0"/>
-              <a:t>2025/3/31</a:t>
+              <a:t>2025/4/11</a:t>
             </a:fld>
             <a:endParaRPr lang="zh-TW" altLang="en-US"/>
           </a:p>
@@ -844,6 +856,13 @@
   <p:clrMapOvr>
     <a:masterClrMapping/>
   </p:clrMapOvr>
+  <p:timing>
+    <p:tnLst>
+      <p:par>
+        <p:cTn id="1" dur="indefinite" restart="never" nodeType="tmRoot"/>
+      </p:par>
+    </p:tnLst>
+  </p:timing>
 </p:sldLayout>
 </file>
 
@@ -1032,7 +1051,7 @@
           <a:p>
             <a:fld id="{0BF83F52-7D59-45B5-B017-ABEB8042948F}" type="datetimeFigureOut">
               <a:rPr lang="zh-TW" altLang="en-US" smtClean="0"/>
-              <a:t>2025/3/31</a:t>
+              <a:t>2025/4/11</a:t>
             </a:fld>
             <a:endParaRPr lang="zh-TW" altLang="en-US"/>
           </a:p>
@@ -1090,6 +1109,13 @@
   <p:clrMapOvr>
     <a:masterClrMapping/>
   </p:clrMapOvr>
+  <p:timing>
+    <p:tnLst>
+      <p:par>
+        <p:cTn id="1" dur="indefinite" restart="never" nodeType="tmRoot"/>
+      </p:par>
+    </p:tnLst>
+  </p:timing>
 </p:sldLayout>
 </file>
 
@@ -1264,7 +1290,7 @@
           <a:p>
             <a:fld id="{0BF83F52-7D59-45B5-B017-ABEB8042948F}" type="datetimeFigureOut">
               <a:rPr lang="zh-TW" altLang="en-US" smtClean="0"/>
-              <a:t>2025/3/31</a:t>
+              <a:t>2025/4/11</a:t>
             </a:fld>
             <a:endParaRPr lang="zh-TW" altLang="en-US"/>
           </a:p>
@@ -1322,6 +1348,13 @@
   <p:clrMapOvr>
     <a:masterClrMapping/>
   </p:clrMapOvr>
+  <p:timing>
+    <p:tnLst>
+      <p:par>
+        <p:cTn id="1" dur="indefinite" restart="never" nodeType="tmRoot"/>
+      </p:par>
+    </p:tnLst>
+  </p:timing>
 </p:sldLayout>
 </file>
 
@@ -1631,7 +1664,7 @@
           <a:p>
             <a:fld id="{0BF83F52-7D59-45B5-B017-ABEB8042948F}" type="datetimeFigureOut">
               <a:rPr lang="zh-TW" altLang="en-US" smtClean="0"/>
-              <a:t>2025/3/31</a:t>
+              <a:t>2025/4/11</a:t>
             </a:fld>
             <a:endParaRPr lang="zh-TW" altLang="en-US"/>
           </a:p>
@@ -1689,6 +1722,13 @@
   <p:clrMapOvr>
     <a:masterClrMapping/>
   </p:clrMapOvr>
+  <p:timing>
+    <p:tnLst>
+      <p:par>
+        <p:cTn id="1" dur="indefinite" restart="never" nodeType="tmRoot"/>
+      </p:par>
+    </p:tnLst>
+  </p:timing>
 </p:sldLayout>
 </file>
 
@@ -1749,7 +1789,7 @@
           <a:p>
             <a:fld id="{0BF83F52-7D59-45B5-B017-ABEB8042948F}" type="datetimeFigureOut">
               <a:rPr lang="zh-TW" altLang="en-US" smtClean="0"/>
-              <a:t>2025/3/31</a:t>
+              <a:t>2025/4/11</a:t>
             </a:fld>
             <a:endParaRPr lang="zh-TW" altLang="en-US"/>
           </a:p>
@@ -1807,6 +1847,13 @@
   <p:clrMapOvr>
     <a:masterClrMapping/>
   </p:clrMapOvr>
+  <p:timing>
+    <p:tnLst>
+      <p:par>
+        <p:cTn id="1" dur="indefinite" restart="never" nodeType="tmRoot"/>
+      </p:par>
+    </p:tnLst>
+  </p:timing>
 </p:sldLayout>
 </file>
 
@@ -1844,7 +1891,7 @@
           <a:p>
             <a:fld id="{0BF83F52-7D59-45B5-B017-ABEB8042948F}" type="datetimeFigureOut">
               <a:rPr lang="zh-TW" altLang="en-US" smtClean="0"/>
-              <a:t>2025/3/31</a:t>
+              <a:t>2025/4/11</a:t>
             </a:fld>
             <a:endParaRPr lang="zh-TW" altLang="en-US"/>
           </a:p>
@@ -1902,6 +1949,13 @@
   <p:clrMapOvr>
     <a:masterClrMapping/>
   </p:clrMapOvr>
+  <p:timing>
+    <p:tnLst>
+      <p:par>
+        <p:cTn id="1" dur="indefinite" restart="never" nodeType="tmRoot"/>
+      </p:par>
+    </p:tnLst>
+  </p:timing>
 </p:sldLayout>
 </file>
 
@@ -2121,7 +2175,7 @@
           <a:p>
             <a:fld id="{0BF83F52-7D59-45B5-B017-ABEB8042948F}" type="datetimeFigureOut">
               <a:rPr lang="zh-TW" altLang="en-US" smtClean="0"/>
-              <a:t>2025/3/31</a:t>
+              <a:t>2025/4/11</a:t>
             </a:fld>
             <a:endParaRPr lang="zh-TW" altLang="en-US"/>
           </a:p>
@@ -2179,6 +2233,13 @@
   <p:clrMapOvr>
     <a:masterClrMapping/>
   </p:clrMapOvr>
+  <p:timing>
+    <p:tnLst>
+      <p:par>
+        <p:cTn id="1" dur="indefinite" restart="never" nodeType="tmRoot"/>
+      </p:par>
+    </p:tnLst>
+  </p:timing>
 </p:sldLayout>
 </file>
 
@@ -2374,7 +2435,7 @@
           <a:p>
             <a:fld id="{0BF83F52-7D59-45B5-B017-ABEB8042948F}" type="datetimeFigureOut">
               <a:rPr lang="zh-TW" altLang="en-US" smtClean="0"/>
-              <a:t>2025/3/31</a:t>
+              <a:t>2025/4/11</a:t>
             </a:fld>
             <a:endParaRPr lang="zh-TW" altLang="en-US"/>
           </a:p>
@@ -2432,6 +2493,13 @@
   <p:clrMapOvr>
     <a:masterClrMapping/>
   </p:clrMapOvr>
+  <p:timing>
+    <p:tnLst>
+      <p:par>
+        <p:cTn id="1" dur="indefinite" restart="never" nodeType="tmRoot"/>
+      </p:par>
+    </p:tnLst>
+  </p:timing>
 </p:sldLayout>
 </file>
 
@@ -2587,7 +2655,7 @@
           <a:p>
             <a:fld id="{0BF83F52-7D59-45B5-B017-ABEB8042948F}" type="datetimeFigureOut">
               <a:rPr lang="zh-TW" altLang="en-US" smtClean="0"/>
-              <a:t>2025/3/31</a:t>
+              <a:t>2025/4/11</a:t>
             </a:fld>
             <a:endParaRPr lang="zh-TW" altLang="en-US"/>
           </a:p>
@@ -2667,6 +2735,48 @@
               <a:rPr lang="zh-TW" altLang="en-US" smtClean="0"/>
               <a:t>‹#›</a:t>
             </a:fld>
+            <a:endParaRPr lang="zh-TW" altLang="en-US"/>
+          </a:p>
+        </p:txBody>
+      </p:sp>
+      <p:sp>
+        <p:nvSpPr>
+          <p:cNvPr id="9" name="動作按鈕: 首頁 8">
+            <a:hlinkClick r:id="" action="ppaction://hlinkshowjump?jump=firstslide" highlightClick="1"/>
+          </p:cNvPr>
+          <p:cNvSpPr/>
+          <p:nvPr userDrawn="1"/>
+        </p:nvSpPr>
+        <p:spPr>
+          <a:xfrm>
+            <a:off x="10117666" y="4986867"/>
+            <a:ext cx="1042416" cy="1042416"/>
+          </a:xfrm>
+          <a:prstGeom prst="actionButtonHome">
+            <a:avLst/>
+          </a:prstGeom>
+        </p:spPr>
+        <p:style>
+          <a:lnRef idx="2">
+            <a:schemeClr val="accent1">
+              <a:shade val="50000"/>
+            </a:schemeClr>
+          </a:lnRef>
+          <a:fillRef idx="1">
+            <a:schemeClr val="accent1"/>
+          </a:fillRef>
+          <a:effectRef idx="0">
+            <a:schemeClr val="accent1"/>
+          </a:effectRef>
+          <a:fontRef idx="minor">
+            <a:schemeClr val="lt1"/>
+          </a:fontRef>
+        </p:style>
+        <p:txBody>
+          <a:bodyPr rtlCol="0" anchor="ctr"/>
+          <a:lstStyle/>
+          <a:p>
+            <a:pPr algn="ctr"/>
             <a:endParaRPr lang="zh-TW" altLang="en-US"/>
           </a:p>
         </p:txBody>
@@ -2692,6 +2802,13 @@
     <p:sldLayoutId id="2147483658" r:id="rId10"/>
     <p:sldLayoutId id="2147483659" r:id="rId11"/>
   </p:sldLayoutIdLst>
+  <p:timing>
+    <p:tnLst>
+      <p:par>
+        <p:cTn id="1" dur="indefinite" restart="never" nodeType="tmRoot"/>
+      </p:par>
+    </p:tnLst>
+  </p:timing>
   <p:txStyles>
     <p:titleStyle>
       <a:lvl1pPr algn="l" defTabSz="914400" rtl="0" eaLnBrk="1" latinLnBrk="0" hangingPunct="1">
@@ -3045,7 +3162,7 @@
         </p:spPr>
         <p:txBody>
           <a:bodyPr vert="horz" lIns="91440" tIns="45720" rIns="91440" bIns="45720" rtlCol="0">
-            <a:normAutofit fontScale="85000" lnSpcReduction="20000"/>
+            <a:normAutofit fontScale="92500" lnSpcReduction="10000"/>
           </a:bodyPr>
           <a:lstStyle>
             <a:lvl1pPr marL="0" indent="0" algn="ctr" defTabSz="914400" rtl="0" eaLnBrk="1" latinLnBrk="0" hangingPunct="1">
@@ -3348,7 +3465,7 @@
               <a:rPr lang="zh-TW" altLang="en-US" dirty="0" smtClean="0">
                 <a:hlinkClick r:id="rId8" action="ppaction://hlinksldjump"/>
               </a:rPr>
-              <a:t>出貨 </a:t>
+              <a:t>設備轉移 </a:t>
             </a:r>
             <a:r>
               <a:rPr lang="en-US" altLang="zh-TW" dirty="0" smtClean="0">
@@ -3373,6 +3490,27 @@
           <a:p>
             <a:r>
               <a:rPr lang="en-US" altLang="zh-TW" dirty="0" smtClean="0">
+                <a:hlinkClick r:id="rId7" action="ppaction://hlinksldjump"/>
+              </a:rPr>
+              <a:t>ACI-</a:t>
+            </a:r>
+            <a:r>
+              <a:rPr lang="zh-TW" altLang="en-US" dirty="0" smtClean="0">
+                <a:hlinkClick r:id="rId7" action="ppaction://hlinksldjump"/>
+              </a:rPr>
+              <a:t>棧板管理頁面</a:t>
+            </a:r>
+            <a:r>
+              <a:rPr lang="en-US" altLang="zh-TW" dirty="0" smtClean="0">
+                <a:hlinkClick r:id="rId7" action="ppaction://hlinksldjump"/>
+              </a:rPr>
+              <a:t>…</a:t>
+            </a:r>
+            <a:endParaRPr lang="en-US" altLang="zh-TW" dirty="0" smtClean="0"/>
+          </a:p>
+          <a:p>
+            <a:r>
+              <a:rPr lang="en-US" altLang="zh-TW" dirty="0" smtClean="0">
                 <a:hlinkClick r:id="rId9" action="ppaction://hlinksldjump"/>
               </a:rPr>
               <a:t>ACI</a:t>
@@ -3381,19 +3519,19 @@
               <a:rPr lang="zh-TW" altLang="en-US" dirty="0" smtClean="0">
                 <a:hlinkClick r:id="rId9" action="ppaction://hlinksldjump"/>
               </a:rPr>
-              <a:t>設備轉移 </a:t>
+              <a:t>設備轉移</a:t>
             </a:r>
             <a:r>
               <a:rPr lang="en-US" altLang="zh-TW" dirty="0" smtClean="0">
                 <a:hlinkClick r:id="rId9" action="ppaction://hlinksldjump"/>
               </a:rPr>
-              <a:t>-</a:t>
+              <a:t>– </a:t>
             </a:r>
             <a:r>
               <a:rPr lang="zh-TW" altLang="en-US" dirty="0" smtClean="0">
                 <a:hlinkClick r:id="rId9" action="ppaction://hlinksldjump"/>
               </a:rPr>
-              <a:t> 整個棧板</a:t>
+              <a:t>個別紙箱</a:t>
             </a:r>
             <a:r>
               <a:rPr lang="en-US" altLang="zh-TW" dirty="0" smtClean="0">
@@ -3414,13 +3552,13 @@
               <a:rPr lang="zh-TW" altLang="en-US" dirty="0" smtClean="0">
                 <a:hlinkClick r:id="rId10" action="ppaction://hlinksldjump"/>
               </a:rPr>
-              <a:t>棧板管理頁面</a:t>
+              <a:t>加入待出貨清單</a:t>
             </a:r>
             <a:r>
               <a:rPr lang="en-US" altLang="zh-TW" dirty="0" smtClean="0">
                 <a:hlinkClick r:id="rId10" action="ppaction://hlinksldjump"/>
               </a:rPr>
-              <a:t>…</a:t>
+              <a:t>..</a:t>
             </a:r>
             <a:endParaRPr lang="en-US" altLang="zh-TW" dirty="0" smtClean="0"/>
           </a:p>
@@ -3429,83 +3567,17 @@
               <a:rPr lang="en-US" altLang="zh-TW" dirty="0" smtClean="0">
                 <a:hlinkClick r:id="rId11" action="ppaction://hlinksldjump"/>
               </a:rPr>
-              <a:t>ACI</a:t>
+              <a:t>ACI-</a:t>
             </a:r>
             <a:r>
               <a:rPr lang="zh-TW" altLang="en-US" dirty="0" smtClean="0">
                 <a:hlinkClick r:id="rId11" action="ppaction://hlinksldjump"/>
               </a:rPr>
-              <a:t>出貨 </a:t>
+              <a:t>已出貨清單</a:t>
             </a:r>
             <a:r>
               <a:rPr lang="en-US" altLang="zh-TW" dirty="0" smtClean="0">
                 <a:hlinkClick r:id="rId11" action="ppaction://hlinksldjump"/>
-              </a:rPr>
-              <a:t>– </a:t>
-            </a:r>
-            <a:r>
-              <a:rPr lang="zh-TW" altLang="en-US" dirty="0" smtClean="0">
-                <a:hlinkClick r:id="rId11" action="ppaction://hlinksldjump"/>
-              </a:rPr>
-              <a:t>個別紙箱</a:t>
-            </a:r>
-            <a:r>
-              <a:rPr lang="en-US" altLang="zh-TW" dirty="0" smtClean="0">
-                <a:hlinkClick r:id="rId11" action="ppaction://hlinksldjump"/>
-              </a:rPr>
-              <a:t>…</a:t>
-            </a:r>
-            <a:endParaRPr lang="en-US" altLang="zh-TW" dirty="0" smtClean="0"/>
-          </a:p>
-          <a:p>
-            <a:r>
-              <a:rPr lang="en-US" altLang="zh-TW" dirty="0" smtClean="0">
-                <a:hlinkClick r:id="rId12" action="ppaction://hlinksldjump"/>
-              </a:rPr>
-              <a:t>ACI</a:t>
-            </a:r>
-            <a:r>
-              <a:rPr lang="zh-TW" altLang="en-US" dirty="0" smtClean="0">
-                <a:hlinkClick r:id="rId12" action="ppaction://hlinksldjump"/>
-              </a:rPr>
-              <a:t>設備轉移</a:t>
-            </a:r>
-            <a:r>
-              <a:rPr lang="en-US" altLang="zh-TW" dirty="0" smtClean="0">
-                <a:hlinkClick r:id="rId12" action="ppaction://hlinksldjump"/>
-              </a:rPr>
-              <a:t>– </a:t>
-            </a:r>
-            <a:r>
-              <a:rPr lang="zh-TW" altLang="en-US" dirty="0" smtClean="0">
-                <a:hlinkClick r:id="rId12" action="ppaction://hlinksldjump"/>
-              </a:rPr>
-              <a:t>個別紙箱</a:t>
-            </a:r>
-            <a:r>
-              <a:rPr lang="en-US" altLang="zh-TW" dirty="0" smtClean="0">
-                <a:hlinkClick r:id="rId12" action="ppaction://hlinksldjump"/>
-              </a:rPr>
-              <a:t>…</a:t>
-            </a:r>
-            <a:endParaRPr lang="en-US" altLang="zh-TW" dirty="0" smtClean="0"/>
-          </a:p>
-          <a:p>
-            <a:r>
-              <a:rPr lang="en-US" altLang="zh-TW" dirty="0" smtClean="0">
-                <a:hlinkClick r:id="rId13" action="ppaction://hlinksldjump"/>
-              </a:rPr>
-              <a:t>ACI-</a:t>
-            </a:r>
-            <a:r>
-              <a:rPr lang="zh-TW" altLang="en-US" dirty="0" smtClean="0">
-                <a:hlinkClick r:id="rId13" action="ppaction://hlinksldjump"/>
-              </a:rPr>
-              <a:t>已出貨清單</a:t>
-            </a:r>
-            <a:r>
-              <a:rPr lang="en-US" altLang="zh-TW" dirty="0" smtClean="0">
-                <a:hlinkClick r:id="rId13" action="ppaction://hlinksldjump"/>
               </a:rPr>
               <a:t>…</a:t>
             </a:r>
@@ -3558,79 +3630,32 @@
       </p:grpSpPr>
       <p:sp>
         <p:nvSpPr>
-          <p:cNvPr id="2" name="標題 1"/>
-          <p:cNvSpPr>
-            <a:spLocks noGrp="1"/>
-          </p:cNvSpPr>
-          <p:nvPr>
-            <p:ph type="title"/>
-          </p:nvPr>
-        </p:nvSpPr>
-        <p:spPr/>
+          <p:cNvPr id="3" name="內容版面配置區 2"/>
+          <p:cNvSpPr>
+            <a:spLocks noGrp="1"/>
+          </p:cNvSpPr>
+          <p:nvPr>
+            <p:ph idx="1"/>
+          </p:nvPr>
+        </p:nvSpPr>
+        <p:spPr>
+          <a:xfrm>
+            <a:off x="691896" y="2200529"/>
+            <a:ext cx="10515600" cy="4351338"/>
+          </a:xfrm>
+        </p:spPr>
         <p:txBody>
           <a:bodyPr/>
           <a:lstStyle/>
-          <a:p>
-            <a:r>
-              <a:rPr lang="en-US" altLang="zh-TW" dirty="0" smtClean="0"/>
-              <a:t>ACI</a:t>
-            </a:r>
-            <a:r>
-              <a:rPr lang="zh-TW" altLang="en-US" dirty="0" smtClean="0"/>
-              <a:t> </a:t>
-            </a:r>
-            <a:r>
-              <a:rPr lang="en-US" altLang="zh-TW" dirty="0" smtClean="0"/>
-              <a:t>–</a:t>
-            </a:r>
-            <a:r>
-              <a:rPr lang="zh-TW" altLang="en-US" dirty="0" smtClean="0"/>
-              <a:t> 入庫</a:t>
-            </a:r>
-            <a:endParaRPr lang="zh-TW" altLang="en-US" dirty="0"/>
-          </a:p>
-        </p:txBody>
-      </p:sp>
-      <p:sp>
-        <p:nvSpPr>
-          <p:cNvPr id="3" name="內容版面配置區 2"/>
-          <p:cNvSpPr>
-            <a:spLocks noGrp="1"/>
-          </p:cNvSpPr>
-          <p:nvPr>
-            <p:ph idx="1"/>
-          </p:nvPr>
-        </p:nvSpPr>
-        <p:spPr/>
-        <p:txBody>
-          <a:bodyPr>
-            <a:normAutofit fontScale="85000" lnSpcReduction="20000"/>
-          </a:bodyPr>
-          <a:lstStyle/>
-          <a:p>
-            <a:r>
-              <a:rPr lang="en-US" altLang="zh-TW" dirty="0" smtClean="0"/>
-              <a:t>ACI</a:t>
-            </a:r>
-            <a:r>
-              <a:rPr lang="zh-TW" altLang="en-US" dirty="0"/>
-              <a:t> </a:t>
-            </a:r>
-            <a:r>
-              <a:rPr lang="en-US" altLang="zh-TW" dirty="0" smtClean="0"/>
-              <a:t>:</a:t>
-            </a:r>
-            <a:r>
-              <a:rPr lang="zh-TW" altLang="en-US" dirty="0" smtClean="0"/>
-              <a:t> 將達運出貨的棧板做入庫的動作</a:t>
-            </a:r>
-            <a:endParaRPr lang="en-US" altLang="zh-TW" dirty="0" smtClean="0"/>
-          </a:p>
           <a:p>
             <a:pPr marL="0" indent="0">
               <a:buNone/>
             </a:pPr>
-            <a:endParaRPr lang="en-US" altLang="zh-TW" dirty="0"/>
+            <a:r>
+              <a:rPr lang="zh-TW" altLang="en-US" dirty="0" smtClean="0"/>
+              <a:t>達運出貨  </a:t>
+            </a:r>
+            <a:endParaRPr lang="en-US" altLang="zh-TW" dirty="0" smtClean="0"/>
           </a:p>
           <a:p>
             <a:pPr marL="0" indent="0">
@@ -3638,27 +3663,23 @@
             </a:pPr>
             <a:r>
               <a:rPr lang="en-US" altLang="zh-TW" dirty="0" smtClean="0"/>
-              <a:t>-&gt;</a:t>
-            </a:r>
-            <a:r>
-              <a:rPr lang="zh-TW" altLang="en-US" dirty="0" smtClean="0"/>
-              <a:t> 點擊左側的 </a:t>
-            </a:r>
-            <a:r>
-              <a:rPr lang="en-US" altLang="zh-TW" dirty="0" smtClean="0"/>
-              <a:t>“ACI-</a:t>
-            </a:r>
-            <a:r>
-              <a:rPr lang="zh-TW" altLang="en-US" dirty="0" smtClean="0"/>
-              <a:t>入庫</a:t>
-            </a:r>
-            <a:r>
-              <a:rPr lang="en-US" altLang="zh-TW" dirty="0" smtClean="0"/>
-              <a:t>”</a:t>
-            </a:r>
-            <a:r>
-              <a:rPr lang="zh-TW" altLang="en-US" dirty="0" smtClean="0"/>
-              <a:t> 選單</a:t>
+              <a:t>-</a:t>
+            </a:r>
+            <a:r>
+              <a:rPr lang="zh-TW" altLang="en-US" dirty="0" smtClean="0"/>
+              <a:t> 可產生貼在棧板上的條碼</a:t>
+            </a:r>
+            <a:r>
+              <a:rPr lang="en-US" altLang="zh-TW" dirty="0" smtClean="0"/>
+              <a:t>.</a:t>
+            </a:r>
+            <a:r>
+              <a:rPr lang="en-US" altLang="zh-TW" dirty="0" err="1" smtClean="0"/>
+              <a:t>png</a:t>
+            </a:r>
+            <a:r>
+              <a:rPr lang="zh-TW" altLang="en-US" dirty="0" smtClean="0"/>
+              <a:t>檔</a:t>
             </a:r>
             <a:endParaRPr lang="en-US" altLang="zh-TW" dirty="0" smtClean="0"/>
           </a:p>
@@ -3667,12 +3688,8 @@
               <a:buNone/>
             </a:pPr>
             <a:r>
-              <a:rPr lang="en-US" altLang="zh-TW" dirty="0" smtClean="0"/>
-              <a:t>-&gt;</a:t>
-            </a:r>
-            <a:r>
-              <a:rPr lang="zh-TW" altLang="en-US" dirty="0" smtClean="0"/>
-              <a:t> 使用條碼機掃描棧板上的條碼 </a:t>
+              <a:rPr lang="zh-TW" altLang="en-US" dirty="0" smtClean="0"/>
+              <a:t> </a:t>
             </a:r>
             <a:r>
               <a:rPr lang="en-US" altLang="zh-TW" dirty="0" smtClean="0"/>
@@ -3680,129 +3697,78 @@
             </a:r>
             <a:r>
               <a:rPr lang="zh-TW" altLang="en-US" dirty="0" smtClean="0"/>
-              <a:t>或手</a:t>
-            </a:r>
-            <a:r>
-              <a:rPr lang="en-US" altLang="zh-TW" dirty="0" smtClean="0"/>
-              <a:t>key</a:t>
-            </a:r>
-            <a:r>
-              <a:rPr lang="zh-TW" altLang="en-US" dirty="0" smtClean="0"/>
-              <a:t>後按</a:t>
-            </a:r>
-            <a:r>
-              <a:rPr lang="en-US" altLang="zh-TW" dirty="0" smtClean="0"/>
-              <a:t>Enter)</a:t>
-            </a:r>
-          </a:p>
-          <a:p>
-            <a:pPr marL="0" indent="0">
-              <a:buNone/>
-            </a:pPr>
-            <a:r>
-              <a:rPr lang="en-US" altLang="zh-TW" dirty="0" smtClean="0"/>
-              <a:t>-&gt; </a:t>
-            </a:r>
-            <a:r>
-              <a:rPr lang="zh-TW" altLang="en-US" dirty="0" smtClean="0"/>
-              <a:t>入庫成功提示後會跳出一個可輸入的欄位 </a:t>
-            </a:r>
-            <a:r>
-              <a:rPr lang="en-US" altLang="zh-TW" dirty="0" smtClean="0"/>
-              <a:t>, </a:t>
-            </a:r>
-            <a:r>
-              <a:rPr lang="zh-TW" altLang="en-US" dirty="0" smtClean="0"/>
-              <a:t>此為設定棧板儲位 </a:t>
-            </a:r>
-            <a:r>
-              <a:rPr lang="en-US" altLang="zh-TW" dirty="0" smtClean="0"/>
-              <a:t>, </a:t>
-            </a:r>
-            <a:r>
-              <a:rPr lang="zh-TW" altLang="en-US" dirty="0" smtClean="0"/>
-              <a:t>可在入庫時直接設定存放位置 </a:t>
-            </a:r>
-            <a:r>
-              <a:rPr lang="en-US" altLang="zh-TW" dirty="0" smtClean="0"/>
-              <a:t>(</a:t>
-            </a:r>
-            <a:r>
-              <a:rPr lang="zh-TW" altLang="en-US" dirty="0" smtClean="0"/>
-              <a:t>也可以隨時更改</a:t>
+              <a:t> 棧板條碼編碼方式目前是使用</a:t>
+            </a:r>
+            <a:r>
+              <a:rPr lang="en-US" altLang="zh-TW" dirty="0" smtClean="0"/>
+              <a:t>“</a:t>
+            </a:r>
+            <a:r>
+              <a:rPr lang="zh-TW" altLang="en-US" dirty="0" smtClean="0"/>
+              <a:t>達運料號</a:t>
+            </a:r>
+            <a:r>
+              <a:rPr lang="en-US" altLang="zh-TW" dirty="0" smtClean="0"/>
+              <a:t>”+”</a:t>
+            </a:r>
+            <a:r>
+              <a:rPr lang="zh-TW" altLang="en-US" dirty="0" smtClean="0"/>
+              <a:t>當</a:t>
+            </a:r>
+            <a:r>
+              <a:rPr lang="zh-TW" altLang="en-US" dirty="0"/>
+              <a:t>時的</a:t>
+            </a:r>
+            <a:r>
+              <a:rPr lang="zh-TW" altLang="en-US" dirty="0" smtClean="0"/>
+              <a:t>日期時間</a:t>
+            </a:r>
+            <a:r>
+              <a:rPr lang="en-US" altLang="zh-TW" dirty="0" smtClean="0"/>
+              <a:t>“</a:t>
+            </a:r>
+            <a:r>
+              <a:rPr lang="zh-TW" altLang="en-US" dirty="0" smtClean="0"/>
+              <a:t>的唯一值 </a:t>
             </a:r>
             <a:r>
               <a:rPr lang="en-US" altLang="zh-TW" dirty="0" smtClean="0"/>
               <a:t>)</a:t>
             </a:r>
-            <a:r>
-              <a:rPr lang="zh-TW" altLang="en-US" dirty="0" smtClean="0"/>
-              <a:t> </a:t>
-            </a:r>
-            <a:r>
-              <a:rPr lang="en-US" altLang="zh-TW" dirty="0" smtClean="0"/>
-              <a:t>, </a:t>
-            </a:r>
-            <a:r>
-              <a:rPr lang="zh-TW" altLang="en-US" dirty="0" smtClean="0"/>
-              <a:t>如無設定則初始為值為 </a:t>
-            </a:r>
-            <a:r>
-              <a:rPr lang="en-US" altLang="zh-TW" dirty="0" smtClean="0"/>
-              <a:t>“INSP”</a:t>
-            </a:r>
-          </a:p>
-          <a:p>
-            <a:pPr marL="0" indent="0">
-              <a:buNone/>
-            </a:pPr>
-            <a:r>
-              <a:rPr lang="en-US" altLang="zh-TW" dirty="0" smtClean="0"/>
-              <a:t>-&gt;</a:t>
-            </a:r>
-            <a:r>
-              <a:rPr lang="zh-TW" altLang="en-US" dirty="0" smtClean="0"/>
-              <a:t>完成入庫</a:t>
-            </a:r>
-            <a:endParaRPr lang="en-US" altLang="zh-TW" dirty="0" smtClean="0"/>
-          </a:p>
-          <a:p>
-            <a:pPr marL="0" indent="0">
-              <a:buNone/>
-            </a:pPr>
-            <a:endParaRPr lang="en-US" altLang="zh-TW" dirty="0"/>
-          </a:p>
-          <a:p>
-            <a:pPr marL="0" indent="0">
-              <a:buNone/>
-            </a:pPr>
-            <a:r>
-              <a:rPr lang="zh-TW" altLang="en-US" dirty="0" smtClean="0"/>
-              <a:t>頁面將顯示該棧板</a:t>
-            </a:r>
-            <a:endParaRPr lang="en-US" altLang="zh-TW" dirty="0" smtClean="0"/>
-          </a:p>
-          <a:p>
-            <a:pPr marL="0" indent="0">
-              <a:buNone/>
-            </a:pPr>
-            <a:r>
-              <a:rPr lang="zh-TW" altLang="en-US" dirty="0" smtClean="0"/>
-              <a:t>入庫資訊</a:t>
-            </a:r>
-            <a:endParaRPr lang="en-US" altLang="zh-TW" dirty="0" smtClean="0"/>
-          </a:p>
-          <a:p>
-            <a:pPr marL="0" indent="0">
-              <a:buNone/>
-            </a:pPr>
-            <a:r>
-              <a:rPr lang="zh-TW" altLang="en-US" dirty="0"/>
-              <a:t>棧</a:t>
-            </a:r>
-            <a:r>
-              <a:rPr lang="zh-TW" altLang="en-US" dirty="0" smtClean="0"/>
-              <a:t>板資訊</a:t>
+          </a:p>
+        </p:txBody>
+      </p:sp>
+      <p:sp>
+        <p:nvSpPr>
+          <p:cNvPr id="4" name="標題 1"/>
+          <p:cNvSpPr>
+            <a:spLocks noGrp="1"/>
+          </p:cNvSpPr>
+          <p:nvPr>
+            <p:ph type="title"/>
+          </p:nvPr>
+        </p:nvSpPr>
+        <p:spPr>
+          <a:xfrm>
+            <a:off x="627888" y="291973"/>
+            <a:ext cx="10515600" cy="1325563"/>
+          </a:xfrm>
+        </p:spPr>
+        <p:txBody>
+          <a:bodyPr/>
+          <a:lstStyle/>
+          <a:p>
+            <a:r>
+              <a:rPr lang="zh-TW" altLang="en-US" dirty="0" smtClean="0"/>
+              <a:t>達運 </a:t>
+            </a:r>
+            <a:r>
+              <a:rPr lang="en-US" altLang="zh-TW" dirty="0" smtClean="0"/>
+              <a:t>–</a:t>
+            </a:r>
+            <a:r>
+              <a:rPr lang="zh-TW" altLang="en-US" dirty="0" smtClean="0"/>
+              <a:t> 出貨</a:t>
             </a:r>
             <a:endParaRPr lang="zh-TW" altLang="en-US" dirty="0"/>
           </a:p>
@@ -3811,7 +3777,7 @@
     </p:spTree>
     <p:extLst>
       <p:ext uri="{BB962C8B-B14F-4D97-AF65-F5344CB8AC3E}">
-        <p14:creationId xmlns:p14="http://schemas.microsoft.com/office/powerpoint/2010/main" val="2886604523"/>
+        <p14:creationId xmlns:p14="http://schemas.microsoft.com/office/powerpoint/2010/main" val="2017612432"/>
       </p:ext>
     </p:extLst>
   </p:cSld>
@@ -3861,8 +3827,8 @@
         </p:blipFill>
         <p:spPr>
           <a:xfrm>
-            <a:off x="0" y="1271016"/>
-            <a:ext cx="4464089" cy="3904488"/>
+            <a:off x="110369" y="1234440"/>
+            <a:ext cx="4892760" cy="4243996"/>
           </a:xfrm>
           <a:prstGeom prst="rect">
             <a:avLst/>
@@ -3885,51 +3851,27 @@
         </p:blipFill>
         <p:spPr>
           <a:xfrm>
-            <a:off x="4937117" y="1380409"/>
-            <a:ext cx="5022878" cy="1600535"/>
+            <a:off x="5661379" y="2368296"/>
+            <a:ext cx="6530621" cy="4590288"/>
           </a:xfrm>
           <a:prstGeom prst="rect">
             <a:avLst/>
           </a:prstGeom>
         </p:spPr>
       </p:pic>
-      <p:pic>
-        <p:nvPicPr>
-          <p:cNvPr id="7" name="圖片 6"/>
-          <p:cNvPicPr>
-            <a:picLocks noChangeAspect="1"/>
-          </p:cNvPicPr>
-          <p:nvPr/>
-        </p:nvPicPr>
-        <p:blipFill>
-          <a:blip r:embed="rId4"/>
-          <a:stretch>
-            <a:fillRect/>
-          </a:stretch>
-        </p:blipFill>
+      <p:sp>
+        <p:nvSpPr>
+          <p:cNvPr id="8" name="標題 1"/>
+          <p:cNvSpPr>
+            <a:spLocks noGrp="1"/>
+          </p:cNvSpPr>
+          <p:nvPr>
+            <p:ph type="title"/>
+          </p:nvPr>
+        </p:nvSpPr>
         <p:spPr>
           <a:xfrm>
-            <a:off x="4834330" y="3685032"/>
-            <a:ext cx="7357670" cy="3172968"/>
-          </a:xfrm>
-          <a:prstGeom prst="rect">
-            <a:avLst/>
-          </a:prstGeom>
-        </p:spPr>
-      </p:pic>
-      <p:sp>
-        <p:nvSpPr>
-          <p:cNvPr id="8" name="標題 1"/>
-          <p:cNvSpPr>
-            <a:spLocks noGrp="1"/>
-          </p:cNvSpPr>
-          <p:nvPr>
-            <p:ph type="title"/>
-          </p:nvPr>
-        </p:nvSpPr>
-        <p:spPr>
-          <a:xfrm>
-            <a:off x="792480" y="54846"/>
+            <a:off x="838200" y="81661"/>
             <a:ext cx="10515600" cy="1325563"/>
           </a:xfrm>
         </p:spPr>
@@ -3938,12 +3880,8 @@
           <a:lstStyle/>
           <a:p>
             <a:r>
-              <a:rPr lang="en-US" altLang="zh-TW" dirty="0" smtClean="0"/>
-              <a:t>ACI</a:t>
-            </a:r>
-            <a:r>
-              <a:rPr lang="zh-TW" altLang="en-US" dirty="0" smtClean="0"/>
-              <a:t> </a:t>
+              <a:rPr lang="zh-TW" altLang="en-US" dirty="0" smtClean="0"/>
+              <a:t>達運 </a:t>
             </a:r>
             <a:r>
               <a:rPr lang="en-US" altLang="zh-TW" dirty="0" smtClean="0"/>
@@ -3951,7 +3889,7 @@
             </a:r>
             <a:r>
               <a:rPr lang="zh-TW" altLang="en-US" dirty="0" smtClean="0"/>
-              <a:t> 入庫</a:t>
+              <a:t> 出貨</a:t>
             </a:r>
             <a:endParaRPr lang="zh-TW" altLang="en-US" dirty="0"/>
           </a:p>
@@ -3965,8 +3903,8 @@
         </p:nvCxnSpPr>
         <p:spPr>
           <a:xfrm>
-            <a:off x="4464089" y="1865376"/>
-            <a:ext cx="473028" cy="0"/>
+            <a:off x="5084064" y="2889504"/>
+            <a:ext cx="365760" cy="9144"/>
           </a:xfrm>
           <a:prstGeom prst="straightConnector1">
             <a:avLst/>
@@ -3993,52 +3931,16 @@
           </a:fontRef>
         </p:style>
       </p:cxnSp>
-      <p:cxnSp>
-        <p:nvCxnSpPr>
-          <p:cNvPr id="12" name="直線單箭頭接點 11"/>
-          <p:cNvCxnSpPr/>
-          <p:nvPr/>
-        </p:nvCxnSpPr>
-        <p:spPr>
-          <a:xfrm>
-            <a:off x="7296912" y="2980944"/>
-            <a:ext cx="402336" cy="649224"/>
-          </a:xfrm>
-          <a:prstGeom prst="straightConnector1">
-            <a:avLst/>
-          </a:prstGeom>
-          <a:ln>
-            <a:solidFill>
-              <a:srgbClr val="FF0000"/>
-            </a:solidFill>
-            <a:tailEnd type="triangle"/>
-          </a:ln>
-        </p:spPr>
-        <p:style>
-          <a:lnRef idx="1">
-            <a:schemeClr val="accent1"/>
-          </a:lnRef>
-          <a:fillRef idx="0">
-            <a:schemeClr val="accent1"/>
-          </a:fillRef>
-          <a:effectRef idx="0">
-            <a:schemeClr val="accent1"/>
-          </a:effectRef>
-          <a:fontRef idx="minor">
-            <a:schemeClr val="tx1"/>
-          </a:fontRef>
-        </p:style>
-      </p:cxnSp>
-      <p:sp>
-        <p:nvSpPr>
-          <p:cNvPr id="13" name="矩形 12"/>
+      <p:sp>
+        <p:nvSpPr>
+          <p:cNvPr id="11" name="矩形 10"/>
           <p:cNvSpPr/>
           <p:nvPr/>
         </p:nvSpPr>
         <p:spPr>
           <a:xfrm>
-            <a:off x="0" y="1298448"/>
-            <a:ext cx="4464089" cy="3840480"/>
+            <a:off x="110369" y="1234440"/>
+            <a:ext cx="4892760" cy="4105656"/>
           </a:xfrm>
           <a:prstGeom prst="rect">
             <a:avLst/>
@@ -4070,48 +3972,10 @@
           </a:p>
         </p:txBody>
       </p:sp>
-      <p:sp>
-        <p:nvSpPr>
-          <p:cNvPr id="14" name="文字方塊 13"/>
-          <p:cNvSpPr txBox="1"/>
-          <p:nvPr/>
-        </p:nvSpPr>
-        <p:spPr>
-          <a:xfrm flipH="1">
-            <a:off x="6281929" y="5100901"/>
-            <a:ext cx="3678066" cy="369332"/>
-          </a:xfrm>
-          <a:prstGeom prst="rect">
-            <a:avLst/>
-          </a:prstGeom>
-          <a:noFill/>
-        </p:spPr>
-        <p:txBody>
-          <a:bodyPr wrap="square" rtlCol="0">
-            <a:spAutoFit/>
-          </a:bodyPr>
-          <a:lstStyle/>
-          <a:p>
-            <a:r>
-              <a:rPr lang="zh-TW" altLang="en-US" dirty="0" smtClean="0">
-                <a:solidFill>
-                  <a:srgbClr val="FF0000"/>
-                </a:solidFill>
-              </a:rPr>
-              <a:t>可進行儲位編輯</a:t>
-            </a:r>
-            <a:endParaRPr lang="zh-TW" altLang="en-US" dirty="0">
-              <a:solidFill>
-                <a:srgbClr val="FF0000"/>
-              </a:solidFill>
-            </a:endParaRPr>
-          </a:p>
-        </p:txBody>
-      </p:sp>
     </p:spTree>
     <p:extLst>
       <p:ext uri="{BB962C8B-B14F-4D97-AF65-F5344CB8AC3E}">
-        <p14:creationId xmlns:p14="http://schemas.microsoft.com/office/powerpoint/2010/main" val="3405285936"/>
+        <p14:creationId xmlns:p14="http://schemas.microsoft.com/office/powerpoint/2010/main" val="2484429422"/>
       </p:ext>
     </p:extLst>
   </p:cSld>
@@ -4161,17 +4025,65 @@
         </p:blipFill>
         <p:spPr>
           <a:xfrm>
-            <a:off x="-264216" y="1794130"/>
-            <a:ext cx="12675672" cy="4912230"/>
+            <a:off x="0" y="1133857"/>
+            <a:ext cx="6896831" cy="5212080"/>
           </a:xfrm>
           <a:prstGeom prst="rect">
             <a:avLst/>
           </a:prstGeom>
         </p:spPr>
       </p:pic>
-      <p:sp>
-        <p:nvSpPr>
-          <p:cNvPr id="5" name="標題 1"/>
+      <p:pic>
+        <p:nvPicPr>
+          <p:cNvPr id="7" name="圖片 6"/>
+          <p:cNvPicPr>
+            <a:picLocks noChangeAspect="1"/>
+          </p:cNvPicPr>
+          <p:nvPr/>
+        </p:nvPicPr>
+        <p:blipFill>
+          <a:blip r:embed="rId3"/>
+          <a:stretch>
+            <a:fillRect/>
+          </a:stretch>
+        </p:blipFill>
+        <p:spPr>
+          <a:xfrm>
+            <a:off x="7657893" y="1069848"/>
+            <a:ext cx="4232355" cy="1737360"/>
+          </a:xfrm>
+          <a:prstGeom prst="rect">
+            <a:avLst/>
+          </a:prstGeom>
+        </p:spPr>
+      </p:pic>
+      <p:pic>
+        <p:nvPicPr>
+          <p:cNvPr id="8" name="圖片 7"/>
+          <p:cNvPicPr>
+            <a:picLocks noChangeAspect="1"/>
+          </p:cNvPicPr>
+          <p:nvPr/>
+        </p:nvPicPr>
+        <p:blipFill>
+          <a:blip r:embed="rId4"/>
+          <a:stretch>
+            <a:fillRect/>
+          </a:stretch>
+        </p:blipFill>
+        <p:spPr>
+          <a:xfrm>
+            <a:off x="7384438" y="4361688"/>
+            <a:ext cx="4779264" cy="855601"/>
+          </a:xfrm>
+          <a:prstGeom prst="rect">
+            <a:avLst/>
+          </a:prstGeom>
+        </p:spPr>
+      </p:pic>
+      <p:sp>
+        <p:nvSpPr>
+          <p:cNvPr id="9" name="標題 1"/>
           <p:cNvSpPr>
             <a:spLocks noGrp="1"/>
           </p:cNvSpPr>
@@ -4181,7 +4093,7 @@
         </p:nvSpPr>
         <p:spPr>
           <a:xfrm>
-            <a:off x="815820" y="200533"/>
+            <a:off x="838200" y="81661"/>
             <a:ext cx="10515600" cy="1325563"/>
           </a:xfrm>
         </p:spPr>
@@ -4190,12 +4102,8 @@
           <a:lstStyle/>
           <a:p>
             <a:r>
-              <a:rPr lang="en-US" altLang="zh-TW" dirty="0" smtClean="0"/>
-              <a:t>ACI</a:t>
-            </a:r>
-            <a:r>
-              <a:rPr lang="zh-TW" altLang="en-US" dirty="0" smtClean="0"/>
-              <a:t> </a:t>
+              <a:rPr lang="zh-TW" altLang="en-US" dirty="0" smtClean="0"/>
+              <a:t>達運 </a:t>
             </a:r>
             <a:r>
               <a:rPr lang="en-US" altLang="zh-TW" dirty="0" smtClean="0"/>
@@ -4203,7 +4111,121 @@
             </a:r>
             <a:r>
               <a:rPr lang="zh-TW" altLang="en-US" dirty="0" smtClean="0"/>
-              <a:t> 入庫</a:t>
+              <a:t> 出貨</a:t>
+            </a:r>
+            <a:endParaRPr lang="zh-TW" altLang="en-US" dirty="0"/>
+          </a:p>
+        </p:txBody>
+      </p:sp>
+      <p:cxnSp>
+        <p:nvCxnSpPr>
+          <p:cNvPr id="11" name="直線單箭頭接點 10"/>
+          <p:cNvCxnSpPr/>
+          <p:nvPr/>
+        </p:nvCxnSpPr>
+        <p:spPr>
+          <a:xfrm flipV="1">
+            <a:off x="6896831" y="2130552"/>
+            <a:ext cx="761062" cy="9144"/>
+          </a:xfrm>
+          <a:prstGeom prst="straightConnector1">
+            <a:avLst/>
+          </a:prstGeom>
+          <a:ln>
+            <a:solidFill>
+              <a:srgbClr val="FF0000"/>
+            </a:solidFill>
+            <a:tailEnd type="triangle"/>
+          </a:ln>
+        </p:spPr>
+        <p:style>
+          <a:lnRef idx="1">
+            <a:schemeClr val="accent1"/>
+          </a:lnRef>
+          <a:fillRef idx="0">
+            <a:schemeClr val="accent1"/>
+          </a:fillRef>
+          <a:effectRef idx="0">
+            <a:schemeClr val="accent1"/>
+          </a:effectRef>
+          <a:fontRef idx="minor">
+            <a:schemeClr val="tx1"/>
+          </a:fontRef>
+        </p:style>
+      </p:cxnSp>
+      <p:cxnSp>
+        <p:nvCxnSpPr>
+          <p:cNvPr id="13" name="直線單箭頭接點 12"/>
+          <p:cNvCxnSpPr/>
+          <p:nvPr/>
+        </p:nvCxnSpPr>
+        <p:spPr>
+          <a:xfrm>
+            <a:off x="6896831" y="3236976"/>
+            <a:ext cx="848137" cy="1051560"/>
+          </a:xfrm>
+          <a:prstGeom prst="straightConnector1">
+            <a:avLst/>
+          </a:prstGeom>
+          <a:ln>
+            <a:solidFill>
+              <a:srgbClr val="FF0000"/>
+            </a:solidFill>
+            <a:tailEnd type="triangle"/>
+          </a:ln>
+        </p:spPr>
+        <p:style>
+          <a:lnRef idx="1">
+            <a:schemeClr val="accent1"/>
+          </a:lnRef>
+          <a:fillRef idx="0">
+            <a:schemeClr val="accent1"/>
+          </a:fillRef>
+          <a:effectRef idx="0">
+            <a:schemeClr val="accent1"/>
+          </a:effectRef>
+          <a:fontRef idx="minor">
+            <a:schemeClr val="tx1"/>
+          </a:fontRef>
+        </p:style>
+      </p:cxnSp>
+      <p:sp>
+        <p:nvSpPr>
+          <p:cNvPr id="14" name="文字方塊 13"/>
+          <p:cNvSpPr txBox="1"/>
+          <p:nvPr/>
+        </p:nvSpPr>
+        <p:spPr>
+          <a:xfrm>
+            <a:off x="8165592" y="5733288"/>
+            <a:ext cx="3602736" cy="369332"/>
+          </a:xfrm>
+          <a:prstGeom prst="rect">
+            <a:avLst/>
+          </a:prstGeom>
+          <a:noFill/>
+        </p:spPr>
+        <p:txBody>
+          <a:bodyPr wrap="square" rtlCol="0">
+            <a:spAutoFit/>
+          </a:bodyPr>
+          <a:lstStyle/>
+          <a:p>
+            <a:r>
+              <a:rPr lang="zh-TW" altLang="en-US" dirty="0" smtClean="0"/>
+              <a:t>產生</a:t>
+            </a:r>
+            <a:r>
+              <a:rPr lang="en-US" altLang="zh-TW" dirty="0" smtClean="0"/>
+              <a:t>.</a:t>
+            </a:r>
+            <a:r>
+              <a:rPr lang="en-US" altLang="zh-TW" dirty="0" err="1" smtClean="0"/>
+              <a:t>png</a:t>
+            </a:r>
+            <a:r>
+              <a:rPr lang="zh-TW" altLang="en-US" dirty="0" smtClean="0"/>
+              <a:t>檔 以及得知 棧板條碼</a:t>
             </a:r>
             <a:endParaRPr lang="zh-TW" altLang="en-US" dirty="0"/>
           </a:p>
@@ -4212,7 +4234,7 @@
     </p:spTree>
     <p:extLst>
       <p:ext uri="{BB962C8B-B14F-4D97-AF65-F5344CB8AC3E}">
-        <p14:creationId xmlns:p14="http://schemas.microsoft.com/office/powerpoint/2010/main" val="3252139614"/>
+        <p14:creationId xmlns:p14="http://schemas.microsoft.com/office/powerpoint/2010/main" val="984780520"/>
       </p:ext>
     </p:extLst>
   </p:cSld>
@@ -4263,11 +4285,19 @@
           <a:p>
             <a:r>
               <a:rPr lang="en-US" altLang="zh-TW" dirty="0" smtClean="0"/>
-              <a:t>ACI – </a:t>
-            </a:r>
-            <a:r>
-              <a:rPr lang="zh-TW" altLang="en-US" dirty="0" smtClean="0"/>
-              <a:t>棧板管理頁面</a:t>
+              <a:t>ACI</a:t>
+            </a:r>
+            <a:r>
+              <a:rPr lang="zh-TW" altLang="en-US" dirty="0" smtClean="0"/>
+              <a:t> </a:t>
+            </a:r>
+            <a:r>
+              <a:rPr lang="en-US" altLang="zh-TW" dirty="0" smtClean="0"/>
+              <a:t>–</a:t>
+            </a:r>
+            <a:r>
+              <a:rPr lang="zh-TW" altLang="en-US" dirty="0" smtClean="0"/>
+              <a:t> 入庫</a:t>
             </a:r>
             <a:endParaRPr lang="zh-TW" altLang="en-US" dirty="0"/>
           </a:p>
@@ -4283,66 +4313,111 @@
             <p:ph idx="1"/>
           </p:nvPr>
         </p:nvSpPr>
-        <p:spPr>
-          <a:xfrm>
-            <a:off x="838200" y="1825624"/>
-            <a:ext cx="10515600" cy="4785487"/>
-          </a:xfrm>
-        </p:spPr>
-        <p:txBody>
-          <a:bodyPr/>
-          <a:lstStyle/>
-          <a:p>
-            <a:r>
-              <a:rPr lang="zh-TW" altLang="en-US" dirty="0" smtClean="0"/>
-              <a:t>管理分成</a:t>
-            </a:r>
-            <a:r>
-              <a:rPr lang="zh-TW" altLang="en-US" dirty="0" smtClean="0">
-                <a:solidFill>
-                  <a:srgbClr val="FF0000"/>
-                </a:solidFill>
-              </a:rPr>
-              <a:t>倉庫管理  </a:t>
-            </a:r>
-            <a:r>
-              <a:rPr lang="zh-TW" altLang="en-US" dirty="0" smtClean="0"/>
-              <a:t>以及  </a:t>
-            </a:r>
-            <a:r>
-              <a:rPr lang="zh-TW" altLang="en-US" dirty="0" smtClean="0">
-                <a:solidFill>
-                  <a:srgbClr val="92D050"/>
-                </a:solidFill>
-              </a:rPr>
-              <a:t>棧板管理 </a:t>
-            </a:r>
-            <a:r>
-              <a:rPr lang="zh-TW" altLang="en-US" dirty="0" smtClean="0"/>
-              <a:t>兩部分</a:t>
+        <p:spPr/>
+        <p:txBody>
+          <a:bodyPr>
+            <a:normAutofit fontScale="85000" lnSpcReduction="20000"/>
+          </a:bodyPr>
+          <a:lstStyle/>
+          <a:p>
+            <a:r>
+              <a:rPr lang="en-US" altLang="zh-TW" dirty="0" smtClean="0"/>
+              <a:t>ACI</a:t>
+            </a:r>
+            <a:r>
+              <a:rPr lang="zh-TW" altLang="en-US" dirty="0"/>
+              <a:t> </a:t>
+            </a:r>
+            <a:r>
+              <a:rPr lang="en-US" altLang="zh-TW" dirty="0" smtClean="0"/>
+              <a:t>:</a:t>
+            </a:r>
+            <a:r>
+              <a:rPr lang="zh-TW" altLang="en-US" dirty="0" smtClean="0"/>
+              <a:t> 將達運出貨的棧板做入庫的動作</a:t>
             </a:r>
             <a:endParaRPr lang="en-US" altLang="zh-TW" dirty="0" smtClean="0"/>
           </a:p>
           <a:p>
-            <a:r>
-              <a:rPr lang="zh-TW" altLang="en-US" dirty="0" smtClean="0">
-                <a:solidFill>
-                  <a:srgbClr val="FF0000"/>
-                </a:solidFill>
-              </a:rPr>
-              <a:t>倉庫管理</a:t>
-            </a:r>
-            <a:endParaRPr lang="en-US" altLang="zh-TW" dirty="0" smtClean="0">
-              <a:solidFill>
-                <a:srgbClr val="FF0000"/>
-              </a:solidFill>
-            </a:endParaRPr>
-          </a:p>
-          <a:p>
-            <a:pPr lvl="1"/>
-            <a:r>
-              <a:rPr lang="zh-TW" altLang="en-US" dirty="0" smtClean="0"/>
-              <a:t>使用條碼機掃描棧板條碼 </a:t>
+            <a:pPr marL="0" indent="0">
+              <a:buNone/>
+            </a:pPr>
+            <a:endParaRPr lang="en-US" altLang="zh-TW" dirty="0"/>
+          </a:p>
+          <a:p>
+            <a:pPr marL="0" indent="0">
+              <a:buNone/>
+            </a:pPr>
+            <a:r>
+              <a:rPr lang="en-US" altLang="zh-TW" dirty="0" smtClean="0"/>
+              <a:t>-&gt;</a:t>
+            </a:r>
+            <a:r>
+              <a:rPr lang="zh-TW" altLang="en-US" dirty="0" smtClean="0"/>
+              <a:t> 點擊左側的 </a:t>
+            </a:r>
+            <a:r>
+              <a:rPr lang="en-US" altLang="zh-TW" dirty="0" smtClean="0"/>
+              <a:t>“ACI-</a:t>
+            </a:r>
+            <a:r>
+              <a:rPr lang="zh-TW" altLang="en-US" dirty="0" smtClean="0"/>
+              <a:t>入庫</a:t>
+            </a:r>
+            <a:r>
+              <a:rPr lang="en-US" altLang="zh-TW" dirty="0" smtClean="0"/>
+              <a:t>”</a:t>
+            </a:r>
+            <a:r>
+              <a:rPr lang="zh-TW" altLang="en-US" dirty="0" smtClean="0"/>
+              <a:t> 選單</a:t>
+            </a:r>
+            <a:endParaRPr lang="en-US" altLang="zh-TW" dirty="0" smtClean="0"/>
+          </a:p>
+          <a:p>
+            <a:pPr marL="0" indent="0">
+              <a:buNone/>
+            </a:pPr>
+            <a:r>
+              <a:rPr lang="en-US" altLang="zh-TW" dirty="0" smtClean="0"/>
+              <a:t>-&gt;</a:t>
+            </a:r>
+            <a:r>
+              <a:rPr lang="zh-TW" altLang="en-US" dirty="0" smtClean="0"/>
+              <a:t> 使用條碼機掃描棧板上的條碼 </a:t>
+            </a:r>
+            <a:r>
+              <a:rPr lang="en-US" altLang="zh-TW" dirty="0" smtClean="0"/>
+              <a:t>(</a:t>
+            </a:r>
+            <a:r>
+              <a:rPr lang="zh-TW" altLang="en-US" dirty="0" smtClean="0"/>
+              <a:t>或手</a:t>
+            </a:r>
+            <a:r>
+              <a:rPr lang="en-US" altLang="zh-TW" dirty="0" smtClean="0"/>
+              <a:t>key</a:t>
+            </a:r>
+            <a:r>
+              <a:rPr lang="zh-TW" altLang="en-US" dirty="0" smtClean="0"/>
+              <a:t>後按</a:t>
+            </a:r>
+            <a:r>
+              <a:rPr lang="en-US" altLang="zh-TW" dirty="0" smtClean="0"/>
+              <a:t>Enter)</a:t>
+            </a:r>
+          </a:p>
+          <a:p>
+            <a:pPr marL="0" indent="0">
+              <a:buNone/>
+            </a:pPr>
+            <a:r>
+              <a:rPr lang="en-US" altLang="zh-TW" dirty="0" smtClean="0"/>
+              <a:t>-&gt; </a:t>
+            </a:r>
+            <a:r>
+              <a:rPr lang="zh-TW" altLang="en-US" dirty="0" smtClean="0"/>
+              <a:t>入庫成功提示後會跳出一個可輸入的欄位 </a:t>
             </a:r>
             <a:r>
               <a:rPr lang="en-US" altLang="zh-TW" dirty="0" smtClean="0"/>
@@ -4350,113 +4425,96 @@
             </a:r>
             <a:r>
               <a:rPr lang="zh-TW" altLang="en-US" dirty="0" smtClean="0"/>
-              <a:t>可快速找到要進行操作的棧板</a:t>
+              <a:t>此為設定棧板儲位 </a:t>
+            </a:r>
+            <a:r>
+              <a:rPr lang="en-US" altLang="zh-TW" dirty="0" smtClean="0"/>
+              <a:t>, </a:t>
+            </a:r>
+            <a:r>
+              <a:rPr lang="zh-TW" altLang="en-US" dirty="0" smtClean="0"/>
+              <a:t>可在入庫時直接設定存放位置 </a:t>
+            </a:r>
+            <a:r>
+              <a:rPr lang="en-US" altLang="zh-TW" dirty="0" smtClean="0"/>
+              <a:t>(</a:t>
+            </a:r>
+            <a:r>
+              <a:rPr lang="zh-TW" altLang="en-US" dirty="0" smtClean="0"/>
+              <a:t>也可以隨時更改</a:t>
+            </a:r>
+            <a:r>
+              <a:rPr lang="en-US" altLang="zh-TW" dirty="0" smtClean="0"/>
+              <a:t>)</a:t>
+            </a:r>
+            <a:r>
+              <a:rPr lang="zh-TW" altLang="en-US" dirty="0" smtClean="0"/>
+              <a:t> </a:t>
+            </a:r>
+            <a:r>
+              <a:rPr lang="en-US" altLang="zh-TW" dirty="0" smtClean="0"/>
+              <a:t>, </a:t>
+            </a:r>
+            <a:r>
+              <a:rPr lang="zh-TW" altLang="en-US" dirty="0" smtClean="0"/>
+              <a:t>如無設定則初始為值為 </a:t>
+            </a:r>
+            <a:r>
+              <a:rPr lang="en-US" altLang="zh-TW" dirty="0" smtClean="0"/>
+              <a:t>“INSP”</a:t>
+            </a:r>
+          </a:p>
+          <a:p>
+            <a:pPr marL="0" indent="0">
+              <a:buNone/>
+            </a:pPr>
+            <a:r>
+              <a:rPr lang="en-US" altLang="zh-TW" dirty="0" smtClean="0"/>
+              <a:t>-&gt;</a:t>
+            </a:r>
+            <a:r>
+              <a:rPr lang="zh-TW" altLang="en-US" dirty="0" smtClean="0"/>
+              <a:t>完成入庫</a:t>
             </a:r>
             <a:endParaRPr lang="en-US" altLang="zh-TW" dirty="0" smtClean="0"/>
           </a:p>
           <a:p>
-            <a:pPr lvl="1"/>
+            <a:pPr marL="0" indent="0">
+              <a:buNone/>
+            </a:pPr>
+            <a:endParaRPr lang="en-US" altLang="zh-TW" dirty="0"/>
+          </a:p>
+          <a:p>
+            <a:pPr marL="0" indent="0">
+              <a:buNone/>
+            </a:pPr>
+            <a:r>
+              <a:rPr lang="zh-TW" altLang="en-US" dirty="0" smtClean="0"/>
+              <a:t>頁面將顯示該棧板</a:t>
+            </a:r>
+            <a:endParaRPr lang="en-US" altLang="zh-TW" dirty="0" smtClean="0"/>
+          </a:p>
+          <a:p>
+            <a:pPr marL="0" indent="0">
+              <a:buNone/>
+            </a:pPr>
+            <a:r>
+              <a:rPr lang="zh-TW" altLang="en-US" dirty="0" smtClean="0"/>
+              <a:t>入庫資訊</a:t>
+            </a:r>
+            <a:endParaRPr lang="en-US" altLang="zh-TW" dirty="0" smtClean="0"/>
+          </a:p>
+          <a:p>
+            <a:pPr marL="0" indent="0">
+              <a:buNone/>
+            </a:pPr>
             <a:r>
               <a:rPr lang="zh-TW" altLang="en-US" dirty="0"/>
-              <a:t>可</a:t>
-            </a:r>
-            <a:r>
-              <a:rPr lang="zh-TW" altLang="en-US" dirty="0" smtClean="0"/>
-              <a:t>將空棧板 </a:t>
-            </a:r>
-            <a:r>
-              <a:rPr lang="en-US" altLang="zh-TW" dirty="0" smtClean="0"/>
-              <a:t>(</a:t>
-            </a:r>
-            <a:r>
-              <a:rPr lang="zh-TW" altLang="en-US" dirty="0" smtClean="0"/>
-              <a:t>棧板內無紙箱</a:t>
-            </a:r>
-            <a:r>
-              <a:rPr lang="en-US" altLang="zh-TW" dirty="0" smtClean="0"/>
-              <a:t>) </a:t>
-            </a:r>
-            <a:r>
-              <a:rPr lang="zh-TW" altLang="en-US" dirty="0" smtClean="0"/>
-              <a:t>刪除</a:t>
-            </a:r>
-            <a:endParaRPr lang="en-US" altLang="zh-TW" dirty="0">
-              <a:solidFill>
-                <a:srgbClr val="FF0000"/>
-              </a:solidFill>
-            </a:endParaRPr>
-          </a:p>
-          <a:p>
-            <a:r>
-              <a:rPr lang="zh-TW" altLang="en-US" dirty="0" smtClean="0">
-                <a:solidFill>
-                  <a:srgbClr val="92D050"/>
-                </a:solidFill>
-              </a:rPr>
-              <a:t>棧板管理</a:t>
-            </a:r>
-            <a:endParaRPr lang="en-US" altLang="zh-TW" dirty="0" smtClean="0">
-              <a:solidFill>
-                <a:srgbClr val="92D050"/>
-              </a:solidFill>
-            </a:endParaRPr>
-          </a:p>
-          <a:p>
-            <a:pPr lvl="1"/>
-            <a:r>
-              <a:rPr lang="zh-TW" altLang="en-US" dirty="0" smtClean="0"/>
-              <a:t>使用條碼機掃描棧板條碼 </a:t>
-            </a:r>
-            <a:r>
-              <a:rPr lang="en-US" altLang="zh-TW" dirty="0" smtClean="0"/>
-              <a:t>, </a:t>
-            </a:r>
-            <a:r>
-              <a:rPr lang="zh-TW" altLang="en-US" dirty="0" smtClean="0"/>
-              <a:t>可快速找到要進行操作的棧板</a:t>
-            </a:r>
-            <a:endParaRPr lang="en-US" altLang="zh-TW" dirty="0" smtClean="0"/>
-          </a:p>
-          <a:p>
-            <a:pPr lvl="1"/>
-            <a:r>
-              <a:rPr lang="zh-TW" altLang="en-US" dirty="0" smtClean="0"/>
-              <a:t>可進行整個棧板  </a:t>
-            </a:r>
-            <a:endParaRPr lang="en-US" altLang="zh-TW" dirty="0" smtClean="0"/>
-          </a:p>
-          <a:p>
-            <a:pPr lvl="2"/>
-            <a:r>
-              <a:rPr lang="zh-TW" altLang="en-US" dirty="0" smtClean="0"/>
-              <a:t>出貨</a:t>
-            </a:r>
-            <a:endParaRPr lang="en-US" altLang="zh-TW" dirty="0" smtClean="0"/>
-          </a:p>
-          <a:p>
-            <a:pPr lvl="2"/>
-            <a:r>
-              <a:rPr lang="zh-TW" altLang="en-US" dirty="0" smtClean="0"/>
-              <a:t>設備轉移</a:t>
-            </a:r>
-            <a:r>
-              <a:rPr lang="en-US" altLang="zh-TW" dirty="0" smtClean="0"/>
-              <a:t>(</a:t>
-            </a:r>
-            <a:r>
-              <a:rPr lang="zh-TW" altLang="en-US" dirty="0" smtClean="0"/>
-              <a:t>整合</a:t>
-            </a:r>
-            <a:r>
-              <a:rPr lang="en-US" altLang="zh-TW" dirty="0" smtClean="0"/>
-              <a:t>)</a:t>
-            </a:r>
-          </a:p>
-          <a:p>
-            <a:pPr lvl="1"/>
-            <a:r>
-              <a:rPr lang="zh-TW" altLang="en-US" dirty="0" smtClean="0"/>
-              <a:t>可更改 棧板儲位</a:t>
+              <a:t>棧</a:t>
+            </a:r>
+            <a:r>
+              <a:rPr lang="zh-TW" altLang="en-US" dirty="0" smtClean="0"/>
+              <a:t>板資訊</a:t>
             </a:r>
             <a:endParaRPr lang="zh-TW" altLang="en-US" dirty="0"/>
           </a:p>
@@ -4465,7 +4523,7 @@
     </p:spTree>
     <p:extLst>
       <p:ext uri="{BB962C8B-B14F-4D97-AF65-F5344CB8AC3E}">
-        <p14:creationId xmlns:p14="http://schemas.microsoft.com/office/powerpoint/2010/main" val="2560431699"/>
+        <p14:creationId xmlns:p14="http://schemas.microsoft.com/office/powerpoint/2010/main" val="2886604523"/>
       </p:ext>
     </p:extLst>
   </p:cSld>
@@ -4501,7 +4559,7 @@
       </p:grpSpPr>
       <p:pic>
         <p:nvPicPr>
-          <p:cNvPr id="4" name="圖片 3"/>
+          <p:cNvPr id="5" name="圖片 4"/>
           <p:cNvPicPr>
             <a:picLocks noChangeAspect="1"/>
           </p:cNvPicPr>
@@ -4515,107 +4573,120 @@
         </p:blipFill>
         <p:spPr>
           <a:xfrm>
-            <a:off x="1545336" y="1414279"/>
-            <a:ext cx="10579556" cy="5443721"/>
+            <a:off x="0" y="1271016"/>
+            <a:ext cx="4464089" cy="3904488"/>
           </a:xfrm>
           <a:prstGeom prst="rect">
             <a:avLst/>
           </a:prstGeom>
         </p:spPr>
       </p:pic>
-      <p:sp>
-        <p:nvSpPr>
-          <p:cNvPr id="5" name="標題 1"/>
-          <p:cNvSpPr>
-            <a:spLocks noGrp="1"/>
-          </p:cNvSpPr>
-          <p:nvPr>
-            <p:ph type="title"/>
-          </p:nvPr>
-        </p:nvSpPr>
+      <p:pic>
+        <p:nvPicPr>
+          <p:cNvPr id="6" name="圖片 5"/>
+          <p:cNvPicPr>
+            <a:picLocks noChangeAspect="1"/>
+          </p:cNvPicPr>
+          <p:nvPr/>
+        </p:nvPicPr>
+        <p:blipFill>
+          <a:blip r:embed="rId3"/>
+          <a:stretch>
+            <a:fillRect/>
+          </a:stretch>
+        </p:blipFill>
         <p:spPr>
           <a:xfrm>
-            <a:off x="737616" y="88716"/>
-            <a:ext cx="10515600" cy="1325563"/>
-          </a:xfrm>
-        </p:spPr>
-        <p:txBody>
-          <a:bodyPr/>
-          <a:lstStyle/>
-          <a:p>
-            <a:r>
-              <a:rPr lang="en-US" altLang="zh-TW" dirty="0" smtClean="0"/>
-              <a:t>ACI – </a:t>
-            </a:r>
-            <a:r>
-              <a:rPr lang="zh-TW" altLang="en-US" dirty="0" smtClean="0"/>
-              <a:t>棧板管理頁面</a:t>
-            </a:r>
-            <a:endParaRPr lang="zh-TW" altLang="en-US" dirty="0"/>
-          </a:p>
-        </p:txBody>
-      </p:sp>
-      <p:sp>
-        <p:nvSpPr>
-          <p:cNvPr id="10" name="矩形 9"/>
-          <p:cNvSpPr/>
-          <p:nvPr/>
-        </p:nvSpPr>
-        <p:spPr>
-          <a:xfrm>
-            <a:off x="10725912" y="3355848"/>
-            <a:ext cx="758952" cy="2459736"/>
+            <a:off x="4937117" y="1380409"/>
+            <a:ext cx="5022878" cy="1600535"/>
           </a:xfrm>
           <a:prstGeom prst="rect">
             <a:avLst/>
           </a:prstGeom>
-          <a:noFill/>
+        </p:spPr>
+      </p:pic>
+      <p:pic>
+        <p:nvPicPr>
+          <p:cNvPr id="7" name="圖片 6"/>
+          <p:cNvPicPr>
+            <a:picLocks noChangeAspect="1"/>
+          </p:cNvPicPr>
+          <p:nvPr/>
+        </p:nvPicPr>
+        <p:blipFill>
+          <a:blip r:embed="rId4"/>
+          <a:stretch>
+            <a:fillRect/>
+          </a:stretch>
+        </p:blipFill>
+        <p:spPr>
+          <a:xfrm>
+            <a:off x="4834330" y="3685032"/>
+            <a:ext cx="7357670" cy="3172968"/>
+          </a:xfrm>
+          <a:prstGeom prst="rect">
+            <a:avLst/>
+          </a:prstGeom>
+        </p:spPr>
+      </p:pic>
+      <p:sp>
+        <p:nvSpPr>
+          <p:cNvPr id="8" name="標題 1"/>
+          <p:cNvSpPr>
+            <a:spLocks noGrp="1"/>
+          </p:cNvSpPr>
+          <p:nvPr>
+            <p:ph type="title"/>
+          </p:nvPr>
+        </p:nvSpPr>
+        <p:spPr>
+          <a:xfrm>
+            <a:off x="792480" y="54846"/>
+            <a:ext cx="10515600" cy="1325563"/>
+          </a:xfrm>
+        </p:spPr>
+        <p:txBody>
+          <a:bodyPr/>
+          <a:lstStyle/>
+          <a:p>
+            <a:r>
+              <a:rPr lang="en-US" altLang="zh-TW" dirty="0" smtClean="0"/>
+              <a:t>ACI</a:t>
+            </a:r>
+            <a:r>
+              <a:rPr lang="zh-TW" altLang="en-US" dirty="0" smtClean="0"/>
+              <a:t> </a:t>
+            </a:r>
+            <a:r>
+              <a:rPr lang="en-US" altLang="zh-TW" dirty="0" smtClean="0"/>
+              <a:t>–</a:t>
+            </a:r>
+            <a:r>
+              <a:rPr lang="zh-TW" altLang="en-US" dirty="0" smtClean="0"/>
+              <a:t> 入庫</a:t>
+            </a:r>
+            <a:endParaRPr lang="zh-TW" altLang="en-US" dirty="0"/>
+          </a:p>
+        </p:txBody>
+      </p:sp>
+      <p:cxnSp>
+        <p:nvCxnSpPr>
+          <p:cNvPr id="10" name="直線單箭頭接點 9"/>
+          <p:cNvCxnSpPr/>
+          <p:nvPr/>
+        </p:nvCxnSpPr>
+        <p:spPr>
+          <a:xfrm>
+            <a:off x="4464089" y="1865376"/>
+            <a:ext cx="473028" cy="0"/>
+          </a:xfrm>
+          <a:prstGeom prst="straightConnector1">
+            <a:avLst/>
+          </a:prstGeom>
           <a:ln>
             <a:solidFill>
               <a:srgbClr val="FF0000"/>
             </a:solidFill>
-          </a:ln>
-        </p:spPr>
-        <p:style>
-          <a:lnRef idx="2">
-            <a:schemeClr val="accent1">
-              <a:shade val="50000"/>
-            </a:schemeClr>
-          </a:lnRef>
-          <a:fillRef idx="1">
-            <a:schemeClr val="accent1"/>
-          </a:fillRef>
-          <a:effectRef idx="0">
-            <a:schemeClr val="accent1"/>
-          </a:effectRef>
-          <a:fontRef idx="minor">
-            <a:schemeClr val="lt1"/>
-          </a:fontRef>
-        </p:style>
-        <p:txBody>
-          <a:bodyPr rtlCol="0" anchor="ctr"/>
-          <a:lstStyle/>
-          <a:p>
-            <a:pPr algn="ctr"/>
-            <a:endParaRPr lang="zh-TW" altLang="en-US"/>
-          </a:p>
-        </p:txBody>
-      </p:sp>
-      <p:cxnSp>
-        <p:nvCxnSpPr>
-          <p:cNvPr id="12" name="直線單箭頭接點 11"/>
-          <p:cNvCxnSpPr/>
-          <p:nvPr/>
-        </p:nvCxnSpPr>
-        <p:spPr>
-          <a:xfrm flipH="1">
-            <a:off x="3218688" y="3035808"/>
-            <a:ext cx="685800" cy="1408176"/>
-          </a:xfrm>
-          <a:prstGeom prst="straightConnector1">
-            <a:avLst/>
-          </a:prstGeom>
-          <a:ln>
             <a:tailEnd type="triangle"/>
           </a:ln>
         </p:spPr>
@@ -4636,19 +4707,22 @@
       </p:cxnSp>
       <p:cxnSp>
         <p:nvCxnSpPr>
-          <p:cNvPr id="14" name="直線單箭頭接點 13"/>
+          <p:cNvPr id="12" name="直線單箭頭接點 11"/>
           <p:cNvCxnSpPr/>
           <p:nvPr/>
         </p:nvCxnSpPr>
         <p:spPr>
-          <a:xfrm flipH="1">
-            <a:off x="7141464" y="3035808"/>
-            <a:ext cx="758952" cy="2185416"/>
+          <a:xfrm>
+            <a:off x="7296912" y="2980944"/>
+            <a:ext cx="402336" cy="649224"/>
           </a:xfrm>
           <a:prstGeom prst="straightConnector1">
             <a:avLst/>
           </a:prstGeom>
           <a:ln>
+            <a:solidFill>
+              <a:srgbClr val="FF0000"/>
+            </a:solidFill>
             <a:tailEnd type="triangle"/>
           </a:ln>
         </p:spPr>
@@ -4669,35 +4743,76 @@
       </p:cxnSp>
       <p:sp>
         <p:nvSpPr>
-          <p:cNvPr id="16" name="文字方塊 15"/>
-          <p:cNvSpPr txBox="1"/>
+          <p:cNvPr id="13" name="矩形 12"/>
+          <p:cNvSpPr/>
           <p:nvPr/>
         </p:nvSpPr>
         <p:spPr>
           <a:xfrm>
-            <a:off x="10468386" y="5815584"/>
-            <a:ext cx="1569660" cy="276999"/>
+            <a:off x="0" y="1298448"/>
+            <a:ext cx="4464089" cy="3840480"/>
           </a:xfrm>
           <a:prstGeom prst="rect">
             <a:avLst/>
           </a:prstGeom>
           <a:noFill/>
         </p:spPr>
-        <p:txBody>
-          <a:bodyPr wrap="none" rtlCol="0">
+        <p:style>
+          <a:lnRef idx="2">
+            <a:schemeClr val="accent1">
+              <a:shade val="50000"/>
+            </a:schemeClr>
+          </a:lnRef>
+          <a:fillRef idx="1">
+            <a:schemeClr val="accent1"/>
+          </a:fillRef>
+          <a:effectRef idx="0">
+            <a:schemeClr val="accent1"/>
+          </a:effectRef>
+          <a:fontRef idx="minor">
+            <a:schemeClr val="lt1"/>
+          </a:fontRef>
+        </p:style>
+        <p:txBody>
+          <a:bodyPr rtlCol="0" anchor="ctr"/>
+          <a:lstStyle/>
+          <a:p>
+            <a:pPr algn="ctr"/>
+            <a:endParaRPr lang="zh-TW" altLang="en-US"/>
+          </a:p>
+        </p:txBody>
+      </p:sp>
+      <p:sp>
+        <p:nvSpPr>
+          <p:cNvPr id="14" name="文字方塊 13"/>
+          <p:cNvSpPr txBox="1"/>
+          <p:nvPr/>
+        </p:nvSpPr>
+        <p:spPr>
+          <a:xfrm flipH="1">
+            <a:off x="6281929" y="5100901"/>
+            <a:ext cx="3678066" cy="369332"/>
+          </a:xfrm>
+          <a:prstGeom prst="rect">
+            <a:avLst/>
+          </a:prstGeom>
+          <a:noFill/>
+        </p:spPr>
+        <p:txBody>
+          <a:bodyPr wrap="square" rtlCol="0">
             <a:spAutoFit/>
           </a:bodyPr>
           <a:lstStyle/>
           <a:p>
             <a:r>
-              <a:rPr lang="zh-TW" altLang="en-US" sz="1200" dirty="0" smtClean="0">
+              <a:rPr lang="zh-TW" altLang="en-US" dirty="0" smtClean="0">
                 <a:solidFill>
                   <a:srgbClr val="FF0000"/>
                 </a:solidFill>
               </a:rPr>
-              <a:t>點擊可進行儲位編輯</a:t>
-            </a:r>
-            <a:endParaRPr lang="zh-TW" altLang="en-US" sz="1200" dirty="0">
+              <a:t>可進行儲位編輯</a:t>
+            </a:r>
+            <a:endParaRPr lang="zh-TW" altLang="en-US" dirty="0">
               <a:solidFill>
                 <a:srgbClr val="FF0000"/>
               </a:solidFill>
@@ -4708,7 +4823,7 @@
     </p:spTree>
     <p:extLst>
       <p:ext uri="{BB962C8B-B14F-4D97-AF65-F5344CB8AC3E}">
-        <p14:creationId xmlns:p14="http://schemas.microsoft.com/office/powerpoint/2010/main" val="1954234512"/>
+        <p14:creationId xmlns:p14="http://schemas.microsoft.com/office/powerpoint/2010/main" val="3405285936"/>
       </p:ext>
     </p:extLst>
   </p:cSld>
@@ -4742,9 +4857,33 @@
           <a:chExt cx="0" cy="0"/>
         </a:xfrm>
       </p:grpSpPr>
-      <p:sp>
-        <p:nvSpPr>
-          <p:cNvPr id="2" name="標題 1"/>
+      <p:pic>
+        <p:nvPicPr>
+          <p:cNvPr id="4" name="圖片 3"/>
+          <p:cNvPicPr>
+            <a:picLocks noChangeAspect="1"/>
+          </p:cNvPicPr>
+          <p:nvPr/>
+        </p:nvPicPr>
+        <p:blipFill>
+          <a:blip r:embed="rId2"/>
+          <a:stretch>
+            <a:fillRect/>
+          </a:stretch>
+        </p:blipFill>
+        <p:spPr>
+          <a:xfrm>
+            <a:off x="-264216" y="1794130"/>
+            <a:ext cx="12675672" cy="4912230"/>
+          </a:xfrm>
+          <a:prstGeom prst="rect">
+            <a:avLst/>
+          </a:prstGeom>
+        </p:spPr>
+      </p:pic>
+      <p:sp>
+        <p:nvSpPr>
+          <p:cNvPr id="5" name="標題 1"/>
           <p:cNvSpPr>
             <a:spLocks noGrp="1"/>
           </p:cNvSpPr>
@@ -4752,7 +4891,12 @@
             <p:ph type="title"/>
           </p:nvPr>
         </p:nvSpPr>
-        <p:spPr/>
+        <p:spPr>
+          <a:xfrm>
+            <a:off x="815820" y="200533"/>
+            <a:ext cx="10515600" cy="1325563"/>
+          </a:xfrm>
+        </p:spPr>
         <p:txBody>
           <a:bodyPr/>
           <a:lstStyle/>
@@ -4763,209 +4907,16 @@
             </a:r>
             <a:r>
               <a:rPr lang="zh-TW" altLang="en-US" dirty="0" smtClean="0"/>
-              <a:t>出貨 </a:t>
-            </a:r>
-            <a:r>
-              <a:rPr lang="en-US" altLang="zh-TW" dirty="0" smtClean="0"/>
-              <a:t>-</a:t>
-            </a:r>
-            <a:r>
-              <a:rPr lang="zh-TW" altLang="en-US" dirty="0" smtClean="0"/>
-              <a:t> 整個棧板</a:t>
-            </a:r>
-            <a:endParaRPr lang="zh-TW" altLang="en-US" dirty="0"/>
-          </a:p>
-        </p:txBody>
-      </p:sp>
-      <p:sp>
-        <p:nvSpPr>
-          <p:cNvPr id="3" name="內容版面配置區 2"/>
-          <p:cNvSpPr>
-            <a:spLocks noGrp="1"/>
-          </p:cNvSpPr>
-          <p:nvPr>
-            <p:ph idx="1"/>
-          </p:nvPr>
-        </p:nvSpPr>
-        <p:spPr/>
-        <p:txBody>
-          <a:bodyPr/>
-          <a:lstStyle/>
-          <a:p>
-            <a:r>
-              <a:rPr lang="zh-TW" altLang="en-US" dirty="0" smtClean="0"/>
-              <a:t>點擊</a:t>
-            </a:r>
-            <a:r>
-              <a:rPr lang="en-US" altLang="zh-TW" dirty="0" smtClean="0"/>
-              <a:t>”</a:t>
-            </a:r>
-            <a:r>
-              <a:rPr lang="zh-TW" altLang="en-US" dirty="0" smtClean="0"/>
-              <a:t>出貨</a:t>
-            </a:r>
-            <a:r>
-              <a:rPr lang="en-US" altLang="zh-TW" dirty="0" smtClean="0"/>
-              <a:t>”</a:t>
-            </a:r>
-            <a:r>
-              <a:rPr lang="zh-TW" altLang="en-US" dirty="0" smtClean="0"/>
-              <a:t>按鈕後 </a:t>
-            </a:r>
-            <a:r>
-              <a:rPr lang="en-US" altLang="zh-TW" dirty="0" smtClean="0"/>
-              <a:t>, </a:t>
-            </a:r>
-            <a:r>
-              <a:rPr lang="zh-TW" altLang="en-US" dirty="0" smtClean="0"/>
-              <a:t>會跳出需要輸入的文字框</a:t>
-            </a:r>
-            <a:endParaRPr lang="en-US" altLang="zh-TW" dirty="0" smtClean="0"/>
-          </a:p>
-          <a:p>
-            <a:pPr lvl="1"/>
-            <a:r>
-              <a:rPr lang="en-US" altLang="zh-TW" dirty="0" err="1" smtClean="0"/>
-              <a:t>ASN_Number</a:t>
-            </a:r>
-            <a:endParaRPr lang="en-US" altLang="zh-TW" dirty="0"/>
-          </a:p>
-          <a:p>
-            <a:pPr lvl="1"/>
-            <a:r>
-              <a:rPr lang="en-US" altLang="zh-TW" dirty="0" err="1" smtClean="0"/>
-              <a:t>Shipping_date</a:t>
-            </a:r>
-            <a:endParaRPr lang="en-US" altLang="zh-TW" dirty="0" smtClean="0"/>
-          </a:p>
-          <a:p>
-            <a:pPr lvl="1"/>
-            <a:r>
-              <a:rPr lang="en-US" altLang="zh-TW" dirty="0" err="1" smtClean="0"/>
-              <a:t>Shipping_company_contractor</a:t>
-            </a:r>
-            <a:endParaRPr lang="en-US" altLang="zh-TW" dirty="0" smtClean="0"/>
-          </a:p>
-          <a:p>
-            <a:r>
-              <a:rPr lang="zh-TW" altLang="en-US" dirty="0" smtClean="0"/>
-              <a:t>輸入完成送出後即進行</a:t>
-            </a:r>
-            <a:endParaRPr lang="en-US" altLang="zh-TW" dirty="0" smtClean="0"/>
-          </a:p>
-          <a:p>
-            <a:pPr lvl="1"/>
-            <a:r>
-              <a:rPr lang="zh-TW" altLang="en-US" dirty="0" smtClean="0"/>
-              <a:t>下載</a:t>
-            </a:r>
-            <a:r>
-              <a:rPr lang="en-US" altLang="zh-TW" dirty="0" smtClean="0"/>
-              <a:t>excel</a:t>
-            </a:r>
-            <a:r>
-              <a:rPr lang="zh-TW" altLang="en-US" dirty="0" smtClean="0"/>
-              <a:t>檔 </a:t>
-            </a:r>
-            <a:r>
-              <a:rPr lang="en-US" altLang="zh-TW" dirty="0" smtClean="0"/>
-              <a:t>, </a:t>
-            </a:r>
-            <a:r>
-              <a:rPr lang="zh-TW" altLang="en-US" dirty="0" smtClean="0"/>
-              <a:t>內容為該棧板內的所有紙箱內容 </a:t>
-            </a:r>
-            <a:r>
-              <a:rPr lang="en-US" altLang="zh-TW" dirty="0" smtClean="0"/>
-              <a:t>, excel</a:t>
-            </a:r>
-            <a:r>
-              <a:rPr lang="zh-TW" altLang="en-US" dirty="0" smtClean="0"/>
-              <a:t>內的</a:t>
-            </a:r>
-            <a:r>
-              <a:rPr lang="en-US" altLang="zh-TW" dirty="0" err="1" smtClean="0"/>
-              <a:t>ASN_Number</a:t>
-            </a:r>
-            <a:r>
-              <a:rPr lang="zh-TW" altLang="en-US" dirty="0" smtClean="0"/>
               <a:t> </a:t>
             </a:r>
             <a:r>
               <a:rPr lang="en-US" altLang="zh-TW" dirty="0" smtClean="0"/>
-              <a:t>, </a:t>
-            </a:r>
-            <a:r>
-              <a:rPr lang="en-US" altLang="zh-TW" dirty="0" err="1" smtClean="0"/>
-              <a:t>Shipping_date</a:t>
-            </a:r>
-            <a:r>
-              <a:rPr lang="en-US" altLang="zh-TW" dirty="0" smtClean="0"/>
-              <a:t> , </a:t>
-            </a:r>
-            <a:r>
-              <a:rPr lang="en-US" altLang="zh-TW" dirty="0" err="1" smtClean="0"/>
-              <a:t>Shipping_company_contractor</a:t>
-            </a:r>
-            <a:r>
-              <a:rPr lang="zh-TW" altLang="en-US" dirty="0" smtClean="0"/>
-              <a:t>三個欄位會全部填上上面填入的資料</a:t>
-            </a:r>
-            <a:endParaRPr lang="en-US" altLang="zh-TW" dirty="0" smtClean="0"/>
-          </a:p>
-          <a:p>
-            <a:pPr lvl="1"/>
-            <a:r>
-              <a:rPr lang="zh-TW" altLang="en-US" dirty="0" smtClean="0"/>
-              <a:t>該棧板內的所有紙箱內容移出該棧板 </a:t>
-            </a:r>
-            <a:r>
-              <a:rPr lang="en-US" altLang="zh-TW" dirty="0" smtClean="0"/>
-              <a:t>(</a:t>
-            </a:r>
-            <a:r>
-              <a:rPr lang="zh-TW" altLang="en-US" dirty="0" smtClean="0"/>
-              <a:t>此時此棧板為空棧板</a:t>
-            </a:r>
-            <a:r>
-              <a:rPr lang="en-US" altLang="zh-TW" dirty="0" smtClean="0"/>
-              <a:t>)</a:t>
-            </a:r>
-          </a:p>
-          <a:p>
-            <a:pPr lvl="1"/>
-            <a:r>
-              <a:rPr lang="zh-TW" altLang="en-US" dirty="0" smtClean="0"/>
-              <a:t>所有紙箱內容加入到 </a:t>
-            </a:r>
-            <a:r>
-              <a:rPr lang="en-US" altLang="zh-TW" dirty="0" smtClean="0"/>
-              <a:t>“ACI</a:t>
-            </a:r>
-            <a:r>
-              <a:rPr lang="zh-TW" altLang="en-US" dirty="0" smtClean="0"/>
-              <a:t> </a:t>
-            </a:r>
-            <a:r>
-              <a:rPr lang="en-US" altLang="zh-TW" dirty="0" smtClean="0"/>
-              <a:t>-</a:t>
-            </a:r>
-            <a:r>
-              <a:rPr lang="zh-TW" altLang="en-US" dirty="0" smtClean="0"/>
-              <a:t> 已出貨清單</a:t>
-            </a:r>
-            <a:r>
-              <a:rPr lang="en-US" altLang="zh-TW" dirty="0" smtClean="0"/>
-              <a:t>”</a:t>
-            </a:r>
-            <a:r>
-              <a:rPr lang="zh-TW" altLang="en-US" dirty="0" smtClean="0"/>
-              <a:t> 供查詢用</a:t>
-            </a:r>
-            <a:endParaRPr lang="en-US" altLang="zh-TW" dirty="0" smtClean="0"/>
-          </a:p>
-          <a:p>
-            <a:pPr lvl="1"/>
+              <a:t>–</a:t>
+            </a:r>
+            <a:r>
+              <a:rPr lang="zh-TW" altLang="en-US" dirty="0" smtClean="0"/>
+              <a:t> 入庫</a:t>
+            </a:r>
             <a:endParaRPr lang="zh-TW" altLang="en-US" dirty="0"/>
           </a:p>
         </p:txBody>
@@ -4973,7 +4924,7 @@
     </p:spTree>
     <p:extLst>
       <p:ext uri="{BB962C8B-B14F-4D97-AF65-F5344CB8AC3E}">
-        <p14:creationId xmlns:p14="http://schemas.microsoft.com/office/powerpoint/2010/main" val="919364709"/>
+        <p14:creationId xmlns:p14="http://schemas.microsoft.com/office/powerpoint/2010/main" val="3252139614"/>
       </p:ext>
     </p:extLst>
   </p:cSld>
@@ -5007,68 +4958,47 @@
           <a:chExt cx="0" cy="0"/>
         </a:xfrm>
       </p:grpSpPr>
-      <p:pic>
-        <p:nvPicPr>
-          <p:cNvPr id="4" name="圖片 3"/>
-          <p:cNvPicPr>
-            <a:picLocks noChangeAspect="1"/>
-          </p:cNvPicPr>
-          <p:nvPr/>
-        </p:nvPicPr>
-        <p:blipFill>
-          <a:blip r:embed="rId2"/>
-          <a:stretch>
-            <a:fillRect/>
-          </a:stretch>
-        </p:blipFill>
+      <p:sp>
+        <p:nvSpPr>
+          <p:cNvPr id="2" name="標題 1"/>
+          <p:cNvSpPr>
+            <a:spLocks noGrp="1"/>
+          </p:cNvSpPr>
+          <p:nvPr>
+            <p:ph type="title"/>
+          </p:nvPr>
+        </p:nvSpPr>
+        <p:spPr/>
+        <p:txBody>
+          <a:bodyPr/>
+          <a:lstStyle/>
+          <a:p>
+            <a:r>
+              <a:rPr lang="en-US" altLang="zh-TW" dirty="0" smtClean="0"/>
+              <a:t>ACI – </a:t>
+            </a:r>
+            <a:r>
+              <a:rPr lang="zh-TW" altLang="en-US" dirty="0" smtClean="0"/>
+              <a:t>棧板管理頁面</a:t>
+            </a:r>
+            <a:endParaRPr lang="zh-TW" altLang="en-US" dirty="0"/>
+          </a:p>
+        </p:txBody>
+      </p:sp>
+      <p:sp>
+        <p:nvSpPr>
+          <p:cNvPr id="3" name="內容版面配置區 2"/>
+          <p:cNvSpPr>
+            <a:spLocks noGrp="1"/>
+          </p:cNvSpPr>
+          <p:nvPr>
+            <p:ph idx="1"/>
+          </p:nvPr>
+        </p:nvSpPr>
         <p:spPr>
           <a:xfrm>
-            <a:off x="210312" y="1098009"/>
-            <a:ext cx="4380752" cy="2477295"/>
-          </a:xfrm>
-          <a:prstGeom prst="rect">
-            <a:avLst/>
-          </a:prstGeom>
-        </p:spPr>
-      </p:pic>
-      <p:pic>
-        <p:nvPicPr>
-          <p:cNvPr id="6" name="圖片 5"/>
-          <p:cNvPicPr>
-            <a:picLocks noChangeAspect="1"/>
-          </p:cNvPicPr>
-          <p:nvPr/>
-        </p:nvPicPr>
-        <p:blipFill>
-          <a:blip r:embed="rId3"/>
-          <a:stretch>
-            <a:fillRect/>
-          </a:stretch>
-        </p:blipFill>
-        <p:spPr>
-          <a:xfrm>
-            <a:off x="1104729" y="3822191"/>
-            <a:ext cx="10640910" cy="2774089"/>
-          </a:xfrm>
-          <a:prstGeom prst="rect">
-            <a:avLst/>
-          </a:prstGeom>
-        </p:spPr>
-      </p:pic>
-      <p:sp>
-        <p:nvSpPr>
-          <p:cNvPr id="7" name="標題 1"/>
-          <p:cNvSpPr>
-            <a:spLocks noGrp="1"/>
-          </p:cNvSpPr>
-          <p:nvPr>
-            <p:ph type="title"/>
-          </p:nvPr>
-        </p:nvSpPr>
-        <p:spPr>
-          <a:xfrm>
-            <a:off x="810768" y="0"/>
-            <a:ext cx="10515600" cy="1325563"/>
+            <a:off x="838200" y="1825624"/>
+            <a:ext cx="10515600" cy="4785487"/>
           </a:xfrm>
         </p:spPr>
         <p:txBody>
@@ -5076,20 +5006,169 @@
           <a:lstStyle/>
           <a:p>
             <a:r>
-              <a:rPr lang="en-US" altLang="zh-TW" dirty="0" smtClean="0"/>
-              <a:t>ACI</a:t>
-            </a:r>
-            <a:r>
-              <a:rPr lang="zh-TW" altLang="en-US" dirty="0" smtClean="0"/>
-              <a:t>出貨 </a:t>
-            </a:r>
-            <a:r>
-              <a:rPr lang="en-US" altLang="zh-TW" dirty="0" smtClean="0"/>
-              <a:t>-</a:t>
-            </a:r>
-            <a:r>
-              <a:rPr lang="zh-TW" altLang="en-US" dirty="0" smtClean="0"/>
-              <a:t> 整個棧板</a:t>
+              <a:rPr lang="zh-TW" altLang="en-US" dirty="0" smtClean="0"/>
+              <a:t>管理分成</a:t>
+            </a:r>
+            <a:r>
+              <a:rPr lang="zh-TW" altLang="en-US" dirty="0" smtClean="0">
+                <a:solidFill>
+                  <a:srgbClr val="FF0000"/>
+                </a:solidFill>
+              </a:rPr>
+              <a:t>倉庫管理  </a:t>
+            </a:r>
+            <a:r>
+              <a:rPr lang="zh-TW" altLang="en-US" dirty="0" smtClean="0"/>
+              <a:t>以及  </a:t>
+            </a:r>
+            <a:r>
+              <a:rPr lang="zh-TW" altLang="en-US" dirty="0" smtClean="0">
+                <a:solidFill>
+                  <a:srgbClr val="92D050"/>
+                </a:solidFill>
+              </a:rPr>
+              <a:t>棧板管理 </a:t>
+            </a:r>
+            <a:r>
+              <a:rPr lang="zh-TW" altLang="en-US" dirty="0" smtClean="0"/>
+              <a:t>兩部分</a:t>
+            </a:r>
+            <a:endParaRPr lang="en-US" altLang="zh-TW" dirty="0" smtClean="0"/>
+          </a:p>
+          <a:p>
+            <a:r>
+              <a:rPr lang="zh-TW" altLang="en-US" dirty="0" smtClean="0">
+                <a:solidFill>
+                  <a:srgbClr val="FF0000"/>
+                </a:solidFill>
+              </a:rPr>
+              <a:t>倉庫管理</a:t>
+            </a:r>
+            <a:endParaRPr lang="en-US" altLang="zh-TW" dirty="0" smtClean="0">
+              <a:solidFill>
+                <a:srgbClr val="FF0000"/>
+              </a:solidFill>
+            </a:endParaRPr>
+          </a:p>
+          <a:p>
+            <a:pPr lvl="1"/>
+            <a:r>
+              <a:rPr lang="zh-TW" altLang="en-US" dirty="0" smtClean="0"/>
+              <a:t>使用條碼機掃描棧板條碼 </a:t>
+            </a:r>
+            <a:r>
+              <a:rPr lang="en-US" altLang="zh-TW" dirty="0" smtClean="0"/>
+              <a:t>, </a:t>
+            </a:r>
+            <a:r>
+              <a:rPr lang="zh-TW" altLang="en-US" dirty="0" smtClean="0"/>
+              <a:t>可快速找到要進行操作的棧板</a:t>
+            </a:r>
+            <a:endParaRPr lang="en-US" altLang="zh-TW" dirty="0" smtClean="0"/>
+          </a:p>
+          <a:p>
+            <a:pPr lvl="1"/>
+            <a:r>
+              <a:rPr lang="zh-TW" altLang="en-US" dirty="0"/>
+              <a:t>可</a:t>
+            </a:r>
+            <a:r>
+              <a:rPr lang="zh-TW" altLang="en-US" dirty="0" smtClean="0"/>
+              <a:t>將空棧板 </a:t>
+            </a:r>
+            <a:r>
+              <a:rPr lang="en-US" altLang="zh-TW" dirty="0" smtClean="0"/>
+              <a:t>(</a:t>
+            </a:r>
+            <a:r>
+              <a:rPr lang="zh-TW" altLang="en-US" dirty="0" smtClean="0"/>
+              <a:t>棧板內無紙箱</a:t>
+            </a:r>
+            <a:r>
+              <a:rPr lang="en-US" altLang="zh-TW" dirty="0" smtClean="0"/>
+              <a:t>) </a:t>
+            </a:r>
+            <a:r>
+              <a:rPr lang="zh-TW" altLang="en-US" dirty="0" smtClean="0"/>
+              <a:t>刪除</a:t>
+            </a:r>
+            <a:endParaRPr lang="en-US" altLang="zh-TW" dirty="0">
+              <a:solidFill>
+                <a:srgbClr val="FF0000"/>
+              </a:solidFill>
+            </a:endParaRPr>
+          </a:p>
+          <a:p>
+            <a:r>
+              <a:rPr lang="zh-TW" altLang="en-US" dirty="0" smtClean="0">
+                <a:solidFill>
+                  <a:srgbClr val="92D050"/>
+                </a:solidFill>
+              </a:rPr>
+              <a:t>棧板管理</a:t>
+            </a:r>
+            <a:endParaRPr lang="en-US" altLang="zh-TW" dirty="0" smtClean="0">
+              <a:solidFill>
+                <a:srgbClr val="92D050"/>
+              </a:solidFill>
+            </a:endParaRPr>
+          </a:p>
+          <a:p>
+            <a:pPr lvl="1"/>
+            <a:r>
+              <a:rPr lang="zh-TW" altLang="en-US" dirty="0" smtClean="0"/>
+              <a:t>使用條碼機掃描棧板條碼 </a:t>
+            </a:r>
+            <a:r>
+              <a:rPr lang="en-US" altLang="zh-TW" dirty="0" smtClean="0"/>
+              <a:t>, </a:t>
+            </a:r>
+            <a:r>
+              <a:rPr lang="zh-TW" altLang="en-US" dirty="0" smtClean="0"/>
+              <a:t>可快速找到要進行操作的棧板</a:t>
+            </a:r>
+            <a:endParaRPr lang="en-US" altLang="zh-TW" dirty="0" smtClean="0"/>
+          </a:p>
+          <a:p>
+            <a:pPr lvl="1"/>
+            <a:r>
+              <a:rPr lang="zh-TW" altLang="en-US" dirty="0" smtClean="0"/>
+              <a:t>可進行整個棧板  </a:t>
+            </a:r>
+            <a:endParaRPr lang="en-US" altLang="zh-TW" dirty="0" smtClean="0"/>
+          </a:p>
+          <a:p>
+            <a:pPr lvl="2"/>
+            <a:r>
+              <a:rPr lang="zh-TW" altLang="en-US" dirty="0" smtClean="0"/>
+              <a:t>加入待出貨清單</a:t>
+            </a:r>
+            <a:endParaRPr lang="en-US" altLang="zh-TW" dirty="0" smtClean="0"/>
+          </a:p>
+          <a:p>
+            <a:pPr lvl="2"/>
+            <a:r>
+              <a:rPr lang="zh-TW" altLang="en-US" dirty="0" smtClean="0"/>
+              <a:t>設備轉移</a:t>
+            </a:r>
+            <a:r>
+              <a:rPr lang="en-US" altLang="zh-TW" dirty="0" smtClean="0"/>
+              <a:t>(</a:t>
+            </a:r>
+            <a:r>
+              <a:rPr lang="zh-TW" altLang="en-US" dirty="0" smtClean="0"/>
+              <a:t>整合</a:t>
+            </a:r>
+            <a:r>
+              <a:rPr lang="en-US" altLang="zh-TW" dirty="0" smtClean="0"/>
+              <a:t>)</a:t>
+            </a:r>
+          </a:p>
+          <a:p>
+            <a:pPr lvl="1"/>
+            <a:r>
+              <a:rPr lang="zh-TW" altLang="en-US" dirty="0" smtClean="0"/>
+              <a:t>可更改 棧板儲位</a:t>
             </a:r>
             <a:endParaRPr lang="zh-TW" altLang="en-US" dirty="0"/>
           </a:p>
@@ -5098,7 +5177,7 @@
     </p:spTree>
     <p:extLst>
       <p:ext uri="{BB962C8B-B14F-4D97-AF65-F5344CB8AC3E}">
-        <p14:creationId xmlns:p14="http://schemas.microsoft.com/office/powerpoint/2010/main" val="3215681409"/>
+        <p14:creationId xmlns:p14="http://schemas.microsoft.com/office/powerpoint/2010/main" val="2560431699"/>
       </p:ext>
     </p:extLst>
   </p:cSld>
@@ -5134,7 +5213,7 @@
       </p:grpSpPr>
       <p:sp>
         <p:nvSpPr>
-          <p:cNvPr id="2" name="標題 1"/>
+          <p:cNvPr id="5" name="標題 1"/>
           <p:cNvSpPr>
             <a:spLocks noGrp="1"/>
           </p:cNvSpPr>
@@ -5142,26 +5221,23 @@
             <p:ph type="title"/>
           </p:nvPr>
         </p:nvSpPr>
-        <p:spPr/>
+        <p:spPr>
+          <a:xfrm>
+            <a:off x="737616" y="88716"/>
+            <a:ext cx="10515600" cy="1325563"/>
+          </a:xfrm>
+        </p:spPr>
         <p:txBody>
           <a:bodyPr/>
           <a:lstStyle/>
           <a:p>
             <a:r>
               <a:rPr lang="en-US" altLang="zh-TW" dirty="0" smtClean="0"/>
-              <a:t>ACI</a:t>
-            </a:r>
-            <a:r>
-              <a:rPr lang="zh-TW" altLang="en-US" dirty="0" smtClean="0"/>
-              <a:t>設備轉移 </a:t>
-            </a:r>
-            <a:r>
-              <a:rPr lang="en-US" altLang="zh-TW" dirty="0" smtClean="0"/>
-              <a:t>-</a:t>
-            </a:r>
-            <a:r>
-              <a:rPr lang="zh-TW" altLang="en-US" dirty="0" smtClean="0"/>
-              <a:t> 整個棧板</a:t>
+              <a:t>ACI – </a:t>
+            </a:r>
+            <a:r>
+              <a:rPr lang="zh-TW" altLang="en-US" dirty="0" smtClean="0"/>
+              <a:t>棧板管理頁面</a:t>
             </a:r>
             <a:endParaRPr lang="zh-TW" altLang="en-US" dirty="0"/>
           </a:p>
@@ -5169,105 +5245,84 @@
       </p:sp>
       <p:sp>
         <p:nvSpPr>
-          <p:cNvPr id="3" name="內容版面配置區 2"/>
-          <p:cNvSpPr>
-            <a:spLocks noGrp="1"/>
-          </p:cNvSpPr>
-          <p:nvPr>
-            <p:ph idx="1"/>
-          </p:nvPr>
-        </p:nvSpPr>
-        <p:spPr/>
-        <p:txBody>
-          <a:bodyPr/>
-          <a:lstStyle/>
-          <a:p>
-            <a:r>
-              <a:rPr lang="zh-TW" altLang="en-US" dirty="0" smtClean="0"/>
-              <a:t>點擊</a:t>
-            </a:r>
-            <a:r>
-              <a:rPr lang="en-US" altLang="zh-TW" dirty="0" smtClean="0"/>
-              <a:t>”</a:t>
-            </a:r>
-            <a:r>
-              <a:rPr lang="zh-TW" altLang="en-US" dirty="0"/>
-              <a:t>設備轉移</a:t>
-            </a:r>
-            <a:r>
-              <a:rPr lang="en-US" altLang="zh-TW" dirty="0" smtClean="0"/>
-              <a:t>”</a:t>
-            </a:r>
-            <a:r>
-              <a:rPr lang="zh-TW" altLang="en-US" dirty="0" smtClean="0"/>
-              <a:t>按鈕後 </a:t>
-            </a:r>
-            <a:r>
-              <a:rPr lang="en-US" altLang="zh-TW" dirty="0" smtClean="0"/>
-              <a:t>, </a:t>
-            </a:r>
-            <a:r>
-              <a:rPr lang="zh-TW" altLang="en-US" dirty="0" smtClean="0"/>
-              <a:t>會跳出可以選擇轉移的棧板 </a:t>
-            </a:r>
-            <a:r>
-              <a:rPr lang="en-US" altLang="zh-TW" dirty="0" smtClean="0"/>
-              <a:t>(</a:t>
-            </a:r>
-            <a:r>
-              <a:rPr lang="zh-TW" altLang="en-US" dirty="0" smtClean="0"/>
-              <a:t>單選</a:t>
-            </a:r>
-            <a:r>
-              <a:rPr lang="en-US" altLang="zh-TW" dirty="0" smtClean="0"/>
-              <a:t>)</a:t>
-            </a:r>
-          </a:p>
-          <a:p>
-            <a:pPr marL="228600" lvl="1">
-              <a:spcBef>
-                <a:spcPts val="1000"/>
-              </a:spcBef>
-            </a:pPr>
-            <a:r>
-              <a:rPr lang="zh-TW" altLang="en-US" dirty="0" smtClean="0"/>
-              <a:t>使用條碼機掃描棧板條碼</a:t>
-            </a:r>
-            <a:r>
-              <a:rPr lang="en-US" altLang="zh-TW" dirty="0" smtClean="0"/>
-              <a:t>, </a:t>
-            </a:r>
-            <a:r>
-              <a:rPr lang="zh-TW" altLang="en-US" dirty="0" smtClean="0"/>
-              <a:t>可快速找到要進行操作的棧板 或 手動點選 </a:t>
-            </a:r>
-            <a:endParaRPr lang="en-US" altLang="zh-TW" dirty="0" smtClean="0"/>
-          </a:p>
-          <a:p>
-            <a:r>
-              <a:rPr lang="zh-TW" altLang="en-US" dirty="0" smtClean="0"/>
-              <a:t>完成送出後即進行</a:t>
-            </a:r>
-            <a:endParaRPr lang="en-US" altLang="zh-TW" dirty="0" smtClean="0"/>
-          </a:p>
-          <a:p>
-            <a:pPr lvl="1"/>
-            <a:r>
-              <a:rPr lang="zh-TW" altLang="en-US" dirty="0" smtClean="0"/>
-              <a:t>該棧板內的所有紙箱內容轉移至選擇的棧板 </a:t>
-            </a:r>
-            <a:endParaRPr lang="en-US" altLang="zh-TW" dirty="0" smtClean="0"/>
-          </a:p>
-          <a:p>
-            <a:pPr lvl="1"/>
+          <p:cNvPr id="15" name="文字方塊 14"/>
+          <p:cNvSpPr txBox="1"/>
+          <p:nvPr/>
+        </p:nvSpPr>
+        <p:spPr>
+          <a:xfrm>
+            <a:off x="2286000" y="2980944"/>
+            <a:ext cx="184731" cy="369332"/>
+          </a:xfrm>
+          <a:prstGeom prst="rect">
+            <a:avLst/>
+          </a:prstGeom>
+          <a:noFill/>
+        </p:spPr>
+        <p:txBody>
+          <a:bodyPr wrap="none" rtlCol="0">
+            <a:spAutoFit/>
+          </a:bodyPr>
+          <a:lstStyle/>
+          <a:p>
             <a:endParaRPr lang="zh-TW" altLang="en-US" dirty="0"/>
           </a:p>
         </p:txBody>
       </p:sp>
+      <p:sp>
+        <p:nvSpPr>
+          <p:cNvPr id="17" name="文字方塊 16"/>
+          <p:cNvSpPr txBox="1"/>
+          <p:nvPr/>
+        </p:nvSpPr>
+        <p:spPr>
+          <a:xfrm>
+            <a:off x="1920240" y="1773936"/>
+            <a:ext cx="184731" cy="369332"/>
+          </a:xfrm>
+          <a:prstGeom prst="rect">
+            <a:avLst/>
+          </a:prstGeom>
+          <a:noFill/>
+        </p:spPr>
+        <p:txBody>
+          <a:bodyPr wrap="none" rtlCol="0">
+            <a:spAutoFit/>
+          </a:bodyPr>
+          <a:lstStyle/>
+          <a:p>
+            <a:endParaRPr lang="zh-TW" altLang="en-US" dirty="0"/>
+          </a:p>
+        </p:txBody>
+      </p:sp>
+      <p:pic>
+        <p:nvPicPr>
+          <p:cNvPr id="18" name="圖片 17"/>
+          <p:cNvPicPr>
+            <a:picLocks noChangeAspect="1"/>
+          </p:cNvPicPr>
+          <p:nvPr/>
+        </p:nvPicPr>
+        <p:blipFill>
+          <a:blip r:embed="rId2"/>
+          <a:stretch>
+            <a:fillRect/>
+          </a:stretch>
+        </p:blipFill>
+        <p:spPr>
+          <a:xfrm>
+            <a:off x="465382" y="1197863"/>
+            <a:ext cx="10907512" cy="5749697"/>
+          </a:xfrm>
+          <a:prstGeom prst="rect">
+            <a:avLst/>
+          </a:prstGeom>
+        </p:spPr>
+      </p:pic>
     </p:spTree>
     <p:extLst>
       <p:ext uri="{BB962C8B-B14F-4D97-AF65-F5344CB8AC3E}">
-        <p14:creationId xmlns:p14="http://schemas.microsoft.com/office/powerpoint/2010/main" val="2365115347"/>
+        <p14:creationId xmlns:p14="http://schemas.microsoft.com/office/powerpoint/2010/main" val="1954234512"/>
       </p:ext>
     </p:extLst>
   </p:cSld>
@@ -5303,7 +5358,7 @@
       </p:grpSpPr>
       <p:sp>
         <p:nvSpPr>
-          <p:cNvPr id="6" name="標題 1"/>
+          <p:cNvPr id="2" name="標題 1"/>
           <p:cNvSpPr>
             <a:spLocks noGrp="1"/>
           </p:cNvSpPr>
@@ -5336,236 +5391,107 @@
           </a:p>
         </p:txBody>
       </p:sp>
-      <p:pic>
-        <p:nvPicPr>
-          <p:cNvPr id="8" name="內容版面配置區 3"/>
-          <p:cNvPicPr>
-            <a:picLocks noChangeAspect="1"/>
-          </p:cNvPicPr>
-          <p:nvPr/>
-        </p:nvPicPr>
-        <p:blipFill>
-          <a:blip r:embed="rId2"/>
-          <a:stretch>
-            <a:fillRect/>
-          </a:stretch>
-        </p:blipFill>
-        <p:spPr>
-          <a:xfrm>
-            <a:off x="219044" y="2727896"/>
-            <a:ext cx="3956283" cy="2810383"/>
-          </a:xfrm>
-          <a:prstGeom prst="rect">
-            <a:avLst/>
-          </a:prstGeom>
-        </p:spPr>
-      </p:pic>
-      <p:pic>
-        <p:nvPicPr>
-          <p:cNvPr id="9" name="圖片 8"/>
-          <p:cNvPicPr>
-            <a:picLocks noChangeAspect="1"/>
-          </p:cNvPicPr>
-          <p:nvPr/>
-        </p:nvPicPr>
-        <p:blipFill>
-          <a:blip r:embed="rId3"/>
-          <a:stretch>
-            <a:fillRect/>
-          </a:stretch>
-        </p:blipFill>
-        <p:spPr>
-          <a:xfrm>
-            <a:off x="4822630" y="1411702"/>
-            <a:ext cx="7369370" cy="1779078"/>
-          </a:xfrm>
-          <a:prstGeom prst="rect">
-            <a:avLst/>
-          </a:prstGeom>
-        </p:spPr>
-      </p:pic>
-      <p:pic>
-        <p:nvPicPr>
-          <p:cNvPr id="10" name="圖片 9"/>
-          <p:cNvPicPr>
-            <a:picLocks noChangeAspect="1"/>
-          </p:cNvPicPr>
-          <p:nvPr/>
-        </p:nvPicPr>
-        <p:blipFill>
-          <a:blip r:embed="rId4"/>
-          <a:stretch>
-            <a:fillRect/>
-          </a:stretch>
-        </p:blipFill>
-        <p:spPr>
-          <a:xfrm>
-            <a:off x="4960670" y="5075396"/>
-            <a:ext cx="7093290" cy="1699355"/>
-          </a:xfrm>
-          <a:prstGeom prst="rect">
-            <a:avLst/>
-          </a:prstGeom>
-        </p:spPr>
-      </p:pic>
-      <p:cxnSp>
-        <p:nvCxnSpPr>
-          <p:cNvPr id="11" name="直線單箭頭接點 10"/>
-          <p:cNvCxnSpPr/>
-          <p:nvPr/>
-        </p:nvCxnSpPr>
-        <p:spPr>
-          <a:xfrm flipH="1">
-            <a:off x="4175327" y="2559843"/>
-            <a:ext cx="647303" cy="731997"/>
-          </a:xfrm>
-          <a:prstGeom prst="straightConnector1">
-            <a:avLst/>
-          </a:prstGeom>
-          <a:ln>
-            <a:solidFill>
-              <a:srgbClr val="FF0000"/>
-            </a:solidFill>
-            <a:tailEnd type="triangle"/>
-          </a:ln>
-        </p:spPr>
-        <p:style>
-          <a:lnRef idx="1">
-            <a:schemeClr val="accent1"/>
-          </a:lnRef>
-          <a:fillRef idx="0">
-            <a:schemeClr val="accent1"/>
-          </a:fillRef>
-          <a:effectRef idx="0">
-            <a:schemeClr val="accent1"/>
-          </a:effectRef>
-          <a:fontRef idx="minor">
-            <a:schemeClr val="tx1"/>
-          </a:fontRef>
-        </p:style>
-      </p:cxnSp>
-      <p:cxnSp>
-        <p:nvCxnSpPr>
-          <p:cNvPr id="12" name="直線單箭頭接點 11"/>
-          <p:cNvCxnSpPr/>
-          <p:nvPr/>
-        </p:nvCxnSpPr>
-        <p:spPr>
-          <a:xfrm>
-            <a:off x="4175327" y="4443984"/>
-            <a:ext cx="1176081" cy="631412"/>
-          </a:xfrm>
-          <a:prstGeom prst="straightConnector1">
-            <a:avLst/>
-          </a:prstGeom>
-          <a:ln>
-            <a:solidFill>
-              <a:srgbClr val="FF0000"/>
-            </a:solidFill>
-            <a:tailEnd type="triangle"/>
-          </a:ln>
-        </p:spPr>
-        <p:style>
-          <a:lnRef idx="1">
-            <a:schemeClr val="accent1"/>
-          </a:lnRef>
-          <a:fillRef idx="0">
-            <a:schemeClr val="accent1"/>
-          </a:fillRef>
-          <a:effectRef idx="0">
-            <a:schemeClr val="accent1"/>
-          </a:effectRef>
-          <a:fontRef idx="minor">
-            <a:schemeClr val="tx1"/>
-          </a:fontRef>
-        </p:style>
-      </p:cxnSp>
-      <p:sp>
-        <p:nvSpPr>
-          <p:cNvPr id="13" name="矩形 12"/>
-          <p:cNvSpPr/>
-          <p:nvPr/>
-        </p:nvSpPr>
-        <p:spPr>
-          <a:xfrm>
-            <a:off x="4960670" y="1527048"/>
-            <a:ext cx="7231330" cy="1764792"/>
-          </a:xfrm>
-          <a:prstGeom prst="rect">
-            <a:avLst/>
-          </a:prstGeom>
-          <a:noFill/>
-        </p:spPr>
-        <p:style>
-          <a:lnRef idx="2">
-            <a:schemeClr val="accent1">
-              <a:shade val="50000"/>
-            </a:schemeClr>
-          </a:lnRef>
-          <a:fillRef idx="1">
-            <a:schemeClr val="accent1"/>
-          </a:fillRef>
-          <a:effectRef idx="0">
-            <a:schemeClr val="accent1"/>
-          </a:effectRef>
-          <a:fontRef idx="minor">
-            <a:schemeClr val="lt1"/>
-          </a:fontRef>
-        </p:style>
-        <p:txBody>
-          <a:bodyPr rtlCol="0" anchor="ctr"/>
-          <a:lstStyle/>
-          <a:p>
-            <a:pPr algn="ctr"/>
-            <a:endParaRPr lang="zh-TW" altLang="en-US"/>
-          </a:p>
-        </p:txBody>
-      </p:sp>
-      <p:sp>
-        <p:nvSpPr>
-          <p:cNvPr id="14" name="矩形 13"/>
-          <p:cNvSpPr/>
-          <p:nvPr/>
-        </p:nvSpPr>
-        <p:spPr>
-          <a:xfrm>
-            <a:off x="4960670" y="5202936"/>
-            <a:ext cx="7157298" cy="1655064"/>
-          </a:xfrm>
-          <a:prstGeom prst="rect">
-            <a:avLst/>
-          </a:prstGeom>
-          <a:noFill/>
-        </p:spPr>
-        <p:style>
-          <a:lnRef idx="2">
-            <a:schemeClr val="accent1">
-              <a:shade val="50000"/>
-            </a:schemeClr>
-          </a:lnRef>
-          <a:fillRef idx="1">
-            <a:schemeClr val="accent1"/>
-          </a:fillRef>
-          <a:effectRef idx="0">
-            <a:schemeClr val="accent1"/>
-          </a:effectRef>
-          <a:fontRef idx="minor">
-            <a:schemeClr val="lt1"/>
-          </a:fontRef>
-        </p:style>
-        <p:txBody>
-          <a:bodyPr rtlCol="0" anchor="ctr"/>
-          <a:lstStyle/>
-          <a:p>
-            <a:pPr algn="ctr"/>
-            <a:endParaRPr lang="zh-TW" altLang="en-US"/>
+      <p:sp>
+        <p:nvSpPr>
+          <p:cNvPr id="3" name="內容版面配置區 2"/>
+          <p:cNvSpPr>
+            <a:spLocks noGrp="1"/>
+          </p:cNvSpPr>
+          <p:nvPr>
+            <p:ph idx="1"/>
+          </p:nvPr>
+        </p:nvSpPr>
+        <p:spPr/>
+        <p:txBody>
+          <a:bodyPr/>
+          <a:lstStyle/>
+          <a:p>
+            <a:r>
+              <a:rPr lang="zh-TW" altLang="en-US" dirty="0" smtClean="0"/>
+              <a:t>點擊</a:t>
+            </a:r>
+            <a:r>
+              <a:rPr lang="en-US" altLang="zh-TW" dirty="0" smtClean="0"/>
+              <a:t>”</a:t>
+            </a:r>
+            <a:r>
+              <a:rPr lang="zh-TW" altLang="en-US" dirty="0"/>
+              <a:t>設備轉移</a:t>
+            </a:r>
+            <a:r>
+              <a:rPr lang="en-US" altLang="zh-TW" dirty="0" smtClean="0"/>
+              <a:t>”</a:t>
+            </a:r>
+            <a:r>
+              <a:rPr lang="zh-TW" altLang="en-US" dirty="0" smtClean="0"/>
+              <a:t>按鈕後 </a:t>
+            </a:r>
+            <a:r>
+              <a:rPr lang="en-US" altLang="zh-TW" dirty="0" smtClean="0"/>
+              <a:t>, </a:t>
+            </a:r>
+            <a:r>
+              <a:rPr lang="zh-TW" altLang="en-US" dirty="0" smtClean="0"/>
+              <a:t>會跳出可以選擇轉移的棧板 </a:t>
+            </a:r>
+            <a:r>
+              <a:rPr lang="en-US" altLang="zh-TW" dirty="0" smtClean="0"/>
+              <a:t>(</a:t>
+            </a:r>
+            <a:r>
+              <a:rPr lang="zh-TW" altLang="en-US" dirty="0" smtClean="0"/>
+              <a:t>單選</a:t>
+            </a:r>
+            <a:r>
+              <a:rPr lang="en-US" altLang="zh-TW" dirty="0" smtClean="0"/>
+              <a:t>)</a:t>
+            </a:r>
+          </a:p>
+          <a:p>
+            <a:pPr marL="228600" lvl="1">
+              <a:spcBef>
+                <a:spcPts val="1000"/>
+              </a:spcBef>
+            </a:pPr>
+            <a:r>
+              <a:rPr lang="zh-TW" altLang="en-US" dirty="0" smtClean="0"/>
+              <a:t>使用條碼機掃描棧板條碼</a:t>
+            </a:r>
+            <a:r>
+              <a:rPr lang="en-US" altLang="zh-TW" dirty="0" smtClean="0"/>
+              <a:t>, </a:t>
+            </a:r>
+            <a:r>
+              <a:rPr lang="zh-TW" altLang="en-US" dirty="0" smtClean="0"/>
+              <a:t>可快速找到要進行操作的棧板 或 手動點選 </a:t>
+            </a:r>
+            <a:endParaRPr lang="en-US" altLang="zh-TW" dirty="0" smtClean="0"/>
+          </a:p>
+          <a:p>
+            <a:r>
+              <a:rPr lang="zh-TW" altLang="en-US" dirty="0" smtClean="0"/>
+              <a:t>完成送出後即進行</a:t>
+            </a:r>
+            <a:endParaRPr lang="en-US" altLang="zh-TW" dirty="0" smtClean="0"/>
+          </a:p>
+          <a:p>
+            <a:pPr lvl="1"/>
+            <a:r>
+              <a:rPr lang="zh-TW" altLang="en-US" dirty="0" smtClean="0"/>
+              <a:t>該棧板內的所有紙箱內容轉移至選擇的棧板 </a:t>
+            </a:r>
+            <a:endParaRPr lang="en-US" altLang="zh-TW" dirty="0" smtClean="0"/>
+          </a:p>
+          <a:p>
+            <a:pPr lvl="1"/>
+            <a:endParaRPr lang="zh-TW" altLang="en-US" dirty="0"/>
           </a:p>
         </p:txBody>
       </p:sp>
     </p:spTree>
     <p:extLst>
       <p:ext uri="{BB962C8B-B14F-4D97-AF65-F5344CB8AC3E}">
-        <p14:creationId xmlns:p14="http://schemas.microsoft.com/office/powerpoint/2010/main" val="3565934652"/>
+        <p14:creationId xmlns:p14="http://schemas.microsoft.com/office/powerpoint/2010/main" val="2365115347"/>
       </p:ext>
     </p:extLst>
   </p:cSld>
@@ -5601,7 +5527,7 @@
       </p:grpSpPr>
       <p:sp>
         <p:nvSpPr>
-          <p:cNvPr id="2" name="標題 1"/>
+          <p:cNvPr id="6" name="標題 1"/>
           <p:cNvSpPr>
             <a:spLocks noGrp="1"/>
           </p:cNvSpPr>
@@ -5620,149 +5546,250 @@
             </a:r>
             <a:r>
               <a:rPr lang="zh-TW" altLang="en-US" dirty="0" smtClean="0"/>
-              <a:t> </a:t>
-            </a:r>
-            <a:r>
-              <a:rPr lang="en-US" altLang="zh-TW" dirty="0" smtClean="0"/>
-              <a:t>–</a:t>
-            </a:r>
-            <a:r>
-              <a:rPr lang="zh-TW" altLang="en-US" dirty="0" smtClean="0"/>
-              <a:t> 個別紙箱管理</a:t>
+              <a:t>設備轉移 </a:t>
+            </a:r>
+            <a:r>
+              <a:rPr lang="en-US" altLang="zh-TW" dirty="0" smtClean="0"/>
+              <a:t>-</a:t>
+            </a:r>
+            <a:r>
+              <a:rPr lang="zh-TW" altLang="en-US" dirty="0" smtClean="0"/>
+              <a:t> 整個棧板</a:t>
             </a:r>
             <a:endParaRPr lang="zh-TW" altLang="en-US" dirty="0"/>
           </a:p>
         </p:txBody>
       </p:sp>
-      <p:sp>
-        <p:nvSpPr>
-          <p:cNvPr id="3" name="內容版面配置區 2"/>
-          <p:cNvSpPr>
-            <a:spLocks noGrp="1"/>
-          </p:cNvSpPr>
-          <p:nvPr>
-            <p:ph idx="1"/>
-          </p:nvPr>
-        </p:nvSpPr>
-        <p:spPr/>
-        <p:txBody>
-          <a:bodyPr/>
-          <a:lstStyle/>
-          <a:p>
-            <a:pPr marL="0" indent="0">
-              <a:buNone/>
-            </a:pPr>
-            <a:endParaRPr lang="en-US" altLang="zh-TW" dirty="0" smtClean="0">
-              <a:solidFill>
-                <a:srgbClr val="92D050"/>
-              </a:solidFill>
-            </a:endParaRPr>
-          </a:p>
-          <a:p>
-            <a:r>
-              <a:rPr lang="zh-TW" altLang="en-US" dirty="0" smtClean="0"/>
-              <a:t>點擊表單的 </a:t>
-            </a:r>
-            <a:r>
-              <a:rPr lang="en-US" altLang="zh-TW" dirty="0" smtClean="0"/>
-              <a:t>”</a:t>
-            </a:r>
-            <a:r>
-              <a:rPr lang="zh-TW" altLang="en-US" dirty="0" smtClean="0"/>
-              <a:t>編輯</a:t>
-            </a:r>
-            <a:r>
-              <a:rPr lang="en-US" altLang="zh-TW" dirty="0" smtClean="0"/>
-              <a:t>“</a:t>
-            </a:r>
-            <a:r>
-              <a:rPr lang="zh-TW" altLang="en-US" dirty="0" smtClean="0"/>
-              <a:t> 按鈕 </a:t>
-            </a:r>
-            <a:r>
-              <a:rPr lang="en-US" altLang="zh-TW" dirty="0" smtClean="0"/>
-              <a:t>, </a:t>
-            </a:r>
-            <a:r>
-              <a:rPr lang="zh-TW" altLang="en-US" dirty="0" smtClean="0"/>
-              <a:t>可對棧板內的個別紙箱進行操作</a:t>
-            </a:r>
-            <a:endParaRPr lang="en-US" altLang="zh-TW" dirty="0" smtClean="0"/>
-          </a:p>
-          <a:p>
-            <a:r>
-              <a:rPr lang="zh-TW" altLang="en-US" dirty="0" smtClean="0"/>
-              <a:t>使用條碼機掃描紙箱條碼 </a:t>
-            </a:r>
-            <a:r>
-              <a:rPr lang="en-US" altLang="zh-TW" dirty="0" smtClean="0"/>
-              <a:t>, </a:t>
-            </a:r>
-            <a:r>
-              <a:rPr lang="zh-TW" altLang="en-US" dirty="0" smtClean="0"/>
-              <a:t>可快速找到要進行操作的紙箱</a:t>
-            </a:r>
-            <a:endParaRPr lang="en-US" altLang="zh-TW" dirty="0"/>
-          </a:p>
-          <a:p>
-            <a:r>
-              <a:rPr lang="zh-TW" altLang="en-US" dirty="0" smtClean="0"/>
-              <a:t>可進行個別紙箱的 </a:t>
-            </a:r>
-            <a:endParaRPr lang="en-US" altLang="zh-TW" dirty="0" smtClean="0"/>
-          </a:p>
-          <a:p>
-            <a:pPr lvl="1"/>
-            <a:r>
-              <a:rPr lang="zh-TW" altLang="en-US" dirty="0" smtClean="0"/>
-              <a:t>出貨</a:t>
-            </a:r>
-            <a:endParaRPr lang="en-US" altLang="zh-TW" dirty="0" smtClean="0"/>
-          </a:p>
-          <a:p>
-            <a:pPr lvl="1"/>
-            <a:r>
-              <a:rPr lang="zh-TW" altLang="en-US" dirty="0" smtClean="0"/>
-              <a:t>設備轉移</a:t>
-            </a:r>
-            <a:r>
-              <a:rPr lang="en-US" altLang="zh-TW" dirty="0" smtClean="0"/>
-              <a:t>(</a:t>
-            </a:r>
-            <a:r>
-              <a:rPr lang="zh-TW" altLang="en-US" dirty="0" smtClean="0"/>
-              <a:t>整合</a:t>
-            </a:r>
-            <a:r>
-              <a:rPr lang="en-US" altLang="zh-TW" dirty="0" smtClean="0"/>
-              <a:t>)</a:t>
-            </a:r>
-            <a:endParaRPr lang="zh-TW" altLang="en-US" dirty="0" smtClean="0"/>
-          </a:p>
-          <a:p>
-            <a:endParaRPr lang="en-US" altLang="zh-TW" dirty="0" smtClean="0">
-              <a:solidFill>
-                <a:srgbClr val="92D050"/>
-              </a:solidFill>
-            </a:endParaRPr>
-          </a:p>
-          <a:p>
-            <a:pPr lvl="1"/>
-            <a:endParaRPr lang="en-US" altLang="zh-TW" dirty="0" smtClean="0">
-              <a:solidFill>
-                <a:srgbClr val="92D050"/>
-              </a:solidFill>
-            </a:endParaRPr>
-          </a:p>
-          <a:p>
-            <a:endParaRPr lang="zh-TW" altLang="en-US" dirty="0"/>
+      <p:pic>
+        <p:nvPicPr>
+          <p:cNvPr id="8" name="內容版面配置區 3"/>
+          <p:cNvPicPr>
+            <a:picLocks noChangeAspect="1"/>
+          </p:cNvPicPr>
+          <p:nvPr/>
+        </p:nvPicPr>
+        <p:blipFill>
+          <a:blip r:embed="rId2"/>
+          <a:stretch>
+            <a:fillRect/>
+          </a:stretch>
+        </p:blipFill>
+        <p:spPr>
+          <a:xfrm>
+            <a:off x="219044" y="2727896"/>
+            <a:ext cx="3956283" cy="2810383"/>
+          </a:xfrm>
+          <a:prstGeom prst="rect">
+            <a:avLst/>
+          </a:prstGeom>
+        </p:spPr>
+      </p:pic>
+      <p:pic>
+        <p:nvPicPr>
+          <p:cNvPr id="9" name="圖片 8"/>
+          <p:cNvPicPr>
+            <a:picLocks noChangeAspect="1"/>
+          </p:cNvPicPr>
+          <p:nvPr/>
+        </p:nvPicPr>
+        <p:blipFill>
+          <a:blip r:embed="rId3"/>
+          <a:stretch>
+            <a:fillRect/>
+          </a:stretch>
+        </p:blipFill>
+        <p:spPr>
+          <a:xfrm>
+            <a:off x="4822630" y="1411702"/>
+            <a:ext cx="7369370" cy="1779078"/>
+          </a:xfrm>
+          <a:prstGeom prst="rect">
+            <a:avLst/>
+          </a:prstGeom>
+        </p:spPr>
+      </p:pic>
+      <p:pic>
+        <p:nvPicPr>
+          <p:cNvPr id="10" name="圖片 9"/>
+          <p:cNvPicPr>
+            <a:picLocks noChangeAspect="1"/>
+          </p:cNvPicPr>
+          <p:nvPr/>
+        </p:nvPicPr>
+        <p:blipFill>
+          <a:blip r:embed="rId4"/>
+          <a:stretch>
+            <a:fillRect/>
+          </a:stretch>
+        </p:blipFill>
+        <p:spPr>
+          <a:xfrm>
+            <a:off x="4960670" y="5075396"/>
+            <a:ext cx="7093290" cy="1699355"/>
+          </a:xfrm>
+          <a:prstGeom prst="rect">
+            <a:avLst/>
+          </a:prstGeom>
+        </p:spPr>
+      </p:pic>
+      <p:cxnSp>
+        <p:nvCxnSpPr>
+          <p:cNvPr id="11" name="直線單箭頭接點 10"/>
+          <p:cNvCxnSpPr/>
+          <p:nvPr/>
+        </p:nvCxnSpPr>
+        <p:spPr>
+          <a:xfrm flipH="1">
+            <a:off x="4175327" y="2559843"/>
+            <a:ext cx="647303" cy="731997"/>
+          </a:xfrm>
+          <a:prstGeom prst="straightConnector1">
+            <a:avLst/>
+          </a:prstGeom>
+          <a:ln>
+            <a:solidFill>
+              <a:srgbClr val="FF0000"/>
+            </a:solidFill>
+            <a:tailEnd type="triangle"/>
+          </a:ln>
+        </p:spPr>
+        <p:style>
+          <a:lnRef idx="1">
+            <a:schemeClr val="accent1"/>
+          </a:lnRef>
+          <a:fillRef idx="0">
+            <a:schemeClr val="accent1"/>
+          </a:fillRef>
+          <a:effectRef idx="0">
+            <a:schemeClr val="accent1"/>
+          </a:effectRef>
+          <a:fontRef idx="minor">
+            <a:schemeClr val="tx1"/>
+          </a:fontRef>
+        </p:style>
+      </p:cxnSp>
+      <p:cxnSp>
+        <p:nvCxnSpPr>
+          <p:cNvPr id="12" name="直線單箭頭接點 11"/>
+          <p:cNvCxnSpPr/>
+          <p:nvPr/>
+        </p:nvCxnSpPr>
+        <p:spPr>
+          <a:xfrm>
+            <a:off x="4175327" y="4443984"/>
+            <a:ext cx="1176081" cy="631412"/>
+          </a:xfrm>
+          <a:prstGeom prst="straightConnector1">
+            <a:avLst/>
+          </a:prstGeom>
+          <a:ln>
+            <a:solidFill>
+              <a:srgbClr val="FF0000"/>
+            </a:solidFill>
+            <a:tailEnd type="triangle"/>
+          </a:ln>
+        </p:spPr>
+        <p:style>
+          <a:lnRef idx="1">
+            <a:schemeClr val="accent1"/>
+          </a:lnRef>
+          <a:fillRef idx="0">
+            <a:schemeClr val="accent1"/>
+          </a:fillRef>
+          <a:effectRef idx="0">
+            <a:schemeClr val="accent1"/>
+          </a:effectRef>
+          <a:fontRef idx="minor">
+            <a:schemeClr val="tx1"/>
+          </a:fontRef>
+        </p:style>
+      </p:cxnSp>
+      <p:sp>
+        <p:nvSpPr>
+          <p:cNvPr id="13" name="矩形 12"/>
+          <p:cNvSpPr/>
+          <p:nvPr/>
+        </p:nvSpPr>
+        <p:spPr>
+          <a:xfrm>
+            <a:off x="4960670" y="1527048"/>
+            <a:ext cx="7231330" cy="1764792"/>
+          </a:xfrm>
+          <a:prstGeom prst="rect">
+            <a:avLst/>
+          </a:prstGeom>
+          <a:noFill/>
+        </p:spPr>
+        <p:style>
+          <a:lnRef idx="2">
+            <a:schemeClr val="accent1">
+              <a:shade val="50000"/>
+            </a:schemeClr>
+          </a:lnRef>
+          <a:fillRef idx="1">
+            <a:schemeClr val="accent1"/>
+          </a:fillRef>
+          <a:effectRef idx="0">
+            <a:schemeClr val="accent1"/>
+          </a:effectRef>
+          <a:fontRef idx="minor">
+            <a:schemeClr val="lt1"/>
+          </a:fontRef>
+        </p:style>
+        <p:txBody>
+          <a:bodyPr rtlCol="0" anchor="ctr"/>
+          <a:lstStyle/>
+          <a:p>
+            <a:pPr algn="ctr"/>
+            <a:endParaRPr lang="zh-TW" altLang="en-US"/>
+          </a:p>
+        </p:txBody>
+      </p:sp>
+      <p:sp>
+        <p:nvSpPr>
+          <p:cNvPr id="14" name="矩形 13"/>
+          <p:cNvSpPr/>
+          <p:nvPr/>
+        </p:nvSpPr>
+        <p:spPr>
+          <a:xfrm>
+            <a:off x="4960670" y="5202936"/>
+            <a:ext cx="7157298" cy="1655064"/>
+          </a:xfrm>
+          <a:prstGeom prst="rect">
+            <a:avLst/>
+          </a:prstGeom>
+          <a:noFill/>
+        </p:spPr>
+        <p:style>
+          <a:lnRef idx="2">
+            <a:schemeClr val="accent1">
+              <a:shade val="50000"/>
+            </a:schemeClr>
+          </a:lnRef>
+          <a:fillRef idx="1">
+            <a:schemeClr val="accent1"/>
+          </a:fillRef>
+          <a:effectRef idx="0">
+            <a:schemeClr val="accent1"/>
+          </a:effectRef>
+          <a:fontRef idx="minor">
+            <a:schemeClr val="lt1"/>
+          </a:fontRef>
+        </p:style>
+        <p:txBody>
+          <a:bodyPr rtlCol="0" anchor="ctr"/>
+          <a:lstStyle/>
+          <a:p>
+            <a:pPr algn="ctr"/>
+            <a:endParaRPr lang="zh-TW" altLang="en-US"/>
           </a:p>
         </p:txBody>
       </p:sp>
     </p:spTree>
     <p:extLst>
       <p:ext uri="{BB962C8B-B14F-4D97-AF65-F5344CB8AC3E}">
-        <p14:creationId xmlns:p14="http://schemas.microsoft.com/office/powerpoint/2010/main" val="4095901011"/>
+        <p14:creationId xmlns:p14="http://schemas.microsoft.com/office/powerpoint/2010/main" val="3565934652"/>
       </p:ext>
     </p:extLst>
   </p:cSld>
@@ -5995,139 +6022,9 @@
           <a:chExt cx="0" cy="0"/>
         </a:xfrm>
       </p:grpSpPr>
-      <p:pic>
-        <p:nvPicPr>
-          <p:cNvPr id="6" name="圖片 5"/>
-          <p:cNvPicPr>
-            <a:picLocks noChangeAspect="1"/>
-          </p:cNvPicPr>
-          <p:nvPr/>
-        </p:nvPicPr>
-        <p:blipFill>
-          <a:blip r:embed="rId2"/>
-          <a:stretch>
-            <a:fillRect/>
-          </a:stretch>
-        </p:blipFill>
-        <p:spPr>
-          <a:xfrm>
-            <a:off x="296032" y="1305875"/>
-            <a:ext cx="6294376" cy="722736"/>
-          </a:xfrm>
-          <a:prstGeom prst="rect">
-            <a:avLst/>
-          </a:prstGeom>
-        </p:spPr>
-      </p:pic>
-      <p:pic>
-        <p:nvPicPr>
-          <p:cNvPr id="7" name="圖片 6"/>
-          <p:cNvPicPr>
-            <a:picLocks noChangeAspect="1"/>
-          </p:cNvPicPr>
-          <p:nvPr/>
-        </p:nvPicPr>
-        <p:blipFill>
-          <a:blip r:embed="rId3"/>
-          <a:stretch>
-            <a:fillRect/>
-          </a:stretch>
-        </p:blipFill>
-        <p:spPr>
-          <a:xfrm>
-            <a:off x="4677836" y="2221992"/>
-            <a:ext cx="7326259" cy="4485620"/>
-          </a:xfrm>
-          <a:prstGeom prst="rect">
-            <a:avLst/>
-          </a:prstGeom>
-        </p:spPr>
-      </p:pic>
-      <p:cxnSp>
-        <p:nvCxnSpPr>
-          <p:cNvPr id="9" name="直線單箭頭接點 8"/>
-          <p:cNvCxnSpPr/>
-          <p:nvPr/>
-        </p:nvCxnSpPr>
-        <p:spPr>
-          <a:xfrm>
-            <a:off x="6590408" y="1709928"/>
-            <a:ext cx="23364" cy="512064"/>
-          </a:xfrm>
-          <a:prstGeom prst="straightConnector1">
-            <a:avLst/>
-          </a:prstGeom>
-          <a:ln>
-            <a:solidFill>
-              <a:srgbClr val="FF0000"/>
-            </a:solidFill>
-            <a:tailEnd type="triangle"/>
-          </a:ln>
-        </p:spPr>
-        <p:style>
-          <a:lnRef idx="1">
-            <a:schemeClr val="accent1"/>
-          </a:lnRef>
-          <a:fillRef idx="0">
-            <a:schemeClr val="accent1"/>
-          </a:fillRef>
-          <a:effectRef idx="0">
-            <a:schemeClr val="accent1"/>
-          </a:effectRef>
-          <a:fontRef idx="minor">
-            <a:schemeClr val="tx1"/>
-          </a:fontRef>
-        </p:style>
-      </p:cxnSp>
-      <p:sp>
-        <p:nvSpPr>
-          <p:cNvPr id="14" name="矩形 13"/>
-          <p:cNvSpPr/>
-          <p:nvPr/>
-        </p:nvSpPr>
-        <p:spPr>
-          <a:xfrm>
-            <a:off x="4677836" y="2404872"/>
-            <a:ext cx="7326260" cy="4302740"/>
-          </a:xfrm>
-          <a:prstGeom prst="rect">
-            <a:avLst/>
-          </a:prstGeom>
-          <a:noFill/>
-          <a:ln>
-            <a:solidFill>
-              <a:schemeClr val="tx1"/>
-            </a:solidFill>
-          </a:ln>
-        </p:spPr>
-        <p:style>
-          <a:lnRef idx="2">
-            <a:schemeClr val="accent1">
-              <a:shade val="50000"/>
-            </a:schemeClr>
-          </a:lnRef>
-          <a:fillRef idx="1">
-            <a:schemeClr val="accent1"/>
-          </a:fillRef>
-          <a:effectRef idx="0">
-            <a:schemeClr val="accent1"/>
-          </a:effectRef>
-          <a:fontRef idx="minor">
-            <a:schemeClr val="lt1"/>
-          </a:fontRef>
-        </p:style>
-        <p:txBody>
-          <a:bodyPr rtlCol="0" anchor="ctr"/>
-          <a:lstStyle/>
-          <a:p>
-            <a:pPr algn="ctr"/>
-            <a:endParaRPr lang="zh-TW" altLang="en-US"/>
-          </a:p>
-        </p:txBody>
-      </p:sp>
-      <p:sp>
-        <p:nvSpPr>
-          <p:cNvPr id="20" name="標題 1"/>
+      <p:sp>
+        <p:nvSpPr>
+          <p:cNvPr id="2" name="標題 1"/>
           <p:cNvSpPr>
             <a:spLocks noGrp="1"/>
           </p:cNvSpPr>
@@ -6135,12 +6032,7 @@
             <p:ph type="title"/>
           </p:nvPr>
         </p:nvSpPr>
-        <p:spPr>
-          <a:xfrm>
-            <a:off x="947928" y="274290"/>
-            <a:ext cx="10515600" cy="1325563"/>
-          </a:xfrm>
-        </p:spPr>
+        <p:spPr/>
         <p:txBody>
           <a:bodyPr/>
           <a:lstStyle/>
@@ -6161,6 +6053,131 @@
               <a:rPr lang="zh-TW" altLang="en-US" dirty="0" smtClean="0"/>
               <a:t> 個別紙箱管理</a:t>
             </a:r>
+            <a:endParaRPr lang="zh-TW" altLang="en-US" dirty="0"/>
+          </a:p>
+        </p:txBody>
+      </p:sp>
+      <p:sp>
+        <p:nvSpPr>
+          <p:cNvPr id="3" name="內容版面配置區 2"/>
+          <p:cNvSpPr>
+            <a:spLocks noGrp="1"/>
+          </p:cNvSpPr>
+          <p:nvPr>
+            <p:ph idx="1"/>
+          </p:nvPr>
+        </p:nvSpPr>
+        <p:spPr/>
+        <p:txBody>
+          <a:bodyPr/>
+          <a:lstStyle/>
+          <a:p>
+            <a:pPr marL="0" indent="0">
+              <a:buNone/>
+            </a:pPr>
+            <a:endParaRPr lang="en-US" altLang="zh-TW" dirty="0" smtClean="0">
+              <a:solidFill>
+                <a:srgbClr val="92D050"/>
+              </a:solidFill>
+            </a:endParaRPr>
+          </a:p>
+          <a:p>
+            <a:r>
+              <a:rPr lang="zh-TW" altLang="en-US" dirty="0" smtClean="0"/>
+              <a:t>點擊表單的 </a:t>
+            </a:r>
+            <a:r>
+              <a:rPr lang="en-US" altLang="zh-TW" dirty="0" smtClean="0"/>
+              <a:t>”</a:t>
+            </a:r>
+            <a:r>
+              <a:rPr lang="zh-TW" altLang="en-US" dirty="0" smtClean="0"/>
+              <a:t>編輯</a:t>
+            </a:r>
+            <a:r>
+              <a:rPr lang="en-US" altLang="zh-TW" dirty="0" smtClean="0"/>
+              <a:t>“</a:t>
+            </a:r>
+            <a:r>
+              <a:rPr lang="zh-TW" altLang="en-US" dirty="0" smtClean="0"/>
+              <a:t> 按鈕 </a:t>
+            </a:r>
+            <a:r>
+              <a:rPr lang="en-US" altLang="zh-TW" dirty="0" smtClean="0"/>
+              <a:t>, </a:t>
+            </a:r>
+            <a:r>
+              <a:rPr lang="zh-TW" altLang="en-US" dirty="0" smtClean="0"/>
+              <a:t>可對棧板內的個別紙箱進行操作</a:t>
+            </a:r>
+            <a:endParaRPr lang="en-US" altLang="zh-TW" dirty="0" smtClean="0"/>
+          </a:p>
+          <a:p>
+            <a:r>
+              <a:rPr lang="zh-TW" altLang="en-US" dirty="0" smtClean="0"/>
+              <a:t>使用條碼機掃描紙箱條碼 </a:t>
+            </a:r>
+            <a:r>
+              <a:rPr lang="en-US" altLang="zh-TW" dirty="0" smtClean="0"/>
+              <a:t>, </a:t>
+            </a:r>
+            <a:r>
+              <a:rPr lang="zh-TW" altLang="en-US" dirty="0" smtClean="0"/>
+              <a:t>可快速找到要進行操作的紙箱</a:t>
+            </a:r>
+            <a:endParaRPr lang="en-US" altLang="zh-TW" dirty="0"/>
+          </a:p>
+          <a:p>
+            <a:r>
+              <a:rPr lang="zh-TW" altLang="en-US" dirty="0" smtClean="0"/>
+              <a:t>可進行個別紙箱的 </a:t>
+            </a:r>
+            <a:endParaRPr lang="en-US" altLang="zh-TW" dirty="0" smtClean="0"/>
+          </a:p>
+          <a:p>
+            <a:pPr lvl="1"/>
+            <a:r>
+              <a:rPr lang="zh-TW" altLang="en-US" dirty="0" smtClean="0"/>
+              <a:t>加入 待出貨清單</a:t>
+            </a:r>
+            <a:endParaRPr lang="en-US" altLang="zh-TW" dirty="0" smtClean="0"/>
+          </a:p>
+          <a:p>
+            <a:pPr lvl="1"/>
+            <a:r>
+              <a:rPr lang="zh-TW" altLang="en-US" dirty="0" smtClean="0"/>
+              <a:t>設備轉移</a:t>
+            </a:r>
+            <a:r>
+              <a:rPr lang="en-US" altLang="zh-TW" dirty="0" smtClean="0"/>
+              <a:t>(</a:t>
+            </a:r>
+            <a:r>
+              <a:rPr lang="zh-TW" altLang="en-US" dirty="0" smtClean="0"/>
+              <a:t>整合</a:t>
+            </a:r>
+            <a:r>
+              <a:rPr lang="en-US" altLang="zh-TW" dirty="0" smtClean="0"/>
+              <a:t>)</a:t>
+            </a:r>
+            <a:endParaRPr lang="zh-TW" altLang="en-US" dirty="0" smtClean="0"/>
+          </a:p>
+          <a:p>
+            <a:endParaRPr lang="en-US" altLang="zh-TW" dirty="0" smtClean="0">
+              <a:solidFill>
+                <a:srgbClr val="92D050"/>
+              </a:solidFill>
+            </a:endParaRPr>
+          </a:p>
+          <a:p>
+            <a:pPr lvl="1"/>
+            <a:endParaRPr lang="en-US" altLang="zh-TW" dirty="0" smtClean="0">
+              <a:solidFill>
+                <a:srgbClr val="92D050"/>
+              </a:solidFill>
+            </a:endParaRPr>
+          </a:p>
+          <a:p>
             <a:endParaRPr lang="zh-TW" altLang="en-US" dirty="0"/>
           </a:p>
         </p:txBody>
@@ -6168,7 +6185,7 @@
     </p:spTree>
     <p:extLst>
       <p:ext uri="{BB962C8B-B14F-4D97-AF65-F5344CB8AC3E}">
-        <p14:creationId xmlns:p14="http://schemas.microsoft.com/office/powerpoint/2010/main" val="2419615077"/>
+        <p14:creationId xmlns:p14="http://schemas.microsoft.com/office/powerpoint/2010/main" val="4095901011"/>
       </p:ext>
     </p:extLst>
   </p:cSld>
@@ -6202,9 +6219,69 @@
           <a:chExt cx="0" cy="0"/>
         </a:xfrm>
       </p:grpSpPr>
-      <p:sp>
-        <p:nvSpPr>
-          <p:cNvPr id="2" name="標題 1"/>
+      <p:pic>
+        <p:nvPicPr>
+          <p:cNvPr id="6" name="圖片 5"/>
+          <p:cNvPicPr>
+            <a:picLocks noChangeAspect="1"/>
+          </p:cNvPicPr>
+          <p:nvPr/>
+        </p:nvPicPr>
+        <p:blipFill>
+          <a:blip r:embed="rId2"/>
+          <a:stretch>
+            <a:fillRect/>
+          </a:stretch>
+        </p:blipFill>
+        <p:spPr>
+          <a:xfrm>
+            <a:off x="296032" y="1305875"/>
+            <a:ext cx="6294376" cy="722736"/>
+          </a:xfrm>
+          <a:prstGeom prst="rect">
+            <a:avLst/>
+          </a:prstGeom>
+        </p:spPr>
+      </p:pic>
+      <p:cxnSp>
+        <p:nvCxnSpPr>
+          <p:cNvPr id="9" name="直線單箭頭接點 8"/>
+          <p:cNvCxnSpPr/>
+          <p:nvPr/>
+        </p:nvCxnSpPr>
+        <p:spPr>
+          <a:xfrm>
+            <a:off x="6590408" y="1709928"/>
+            <a:ext cx="23364" cy="512064"/>
+          </a:xfrm>
+          <a:prstGeom prst="straightConnector1">
+            <a:avLst/>
+          </a:prstGeom>
+          <a:ln>
+            <a:solidFill>
+              <a:srgbClr val="FF0000"/>
+            </a:solidFill>
+            <a:tailEnd type="triangle"/>
+          </a:ln>
+        </p:spPr>
+        <p:style>
+          <a:lnRef idx="1">
+            <a:schemeClr val="accent1"/>
+          </a:lnRef>
+          <a:fillRef idx="0">
+            <a:schemeClr val="accent1"/>
+          </a:fillRef>
+          <a:effectRef idx="0">
+            <a:schemeClr val="accent1"/>
+          </a:effectRef>
+          <a:fontRef idx="minor">
+            <a:schemeClr val="tx1"/>
+          </a:fontRef>
+        </p:style>
+      </p:cxnSp>
+      <p:sp>
+        <p:nvSpPr>
+          <p:cNvPr id="20" name="標題 1"/>
           <p:cNvSpPr>
             <a:spLocks noGrp="1"/>
           </p:cNvSpPr>
@@ -6212,7 +6289,12 @@
             <p:ph type="title"/>
           </p:nvPr>
         </p:nvSpPr>
-        <p:spPr/>
+        <p:spPr>
+          <a:xfrm>
+            <a:off x="947928" y="274290"/>
+            <a:ext cx="10515600" cy="1325563"/>
+          </a:xfrm>
+        </p:spPr>
         <p:txBody>
           <a:bodyPr/>
           <a:lstStyle/>
@@ -6223,7 +6305,7 @@
             </a:r>
             <a:r>
               <a:rPr lang="zh-TW" altLang="en-US" dirty="0" smtClean="0"/>
-              <a:t>出貨 </a:t>
+              <a:t> </a:t>
             </a:r>
             <a:r>
               <a:rPr lang="en-US" altLang="zh-TW" dirty="0" smtClean="0"/>
@@ -6231,197 +6313,40 @@
             </a:r>
             <a:r>
               <a:rPr lang="zh-TW" altLang="en-US" dirty="0" smtClean="0"/>
-              <a:t> 個別紙箱</a:t>
+              <a:t> 個別紙箱管理</a:t>
             </a:r>
             <a:endParaRPr lang="zh-TW" altLang="en-US" dirty="0"/>
           </a:p>
         </p:txBody>
       </p:sp>
-      <p:sp>
-        <p:nvSpPr>
-          <p:cNvPr id="3" name="內容版面配置區 2"/>
-          <p:cNvSpPr>
-            <a:spLocks noGrp="1"/>
-          </p:cNvSpPr>
-          <p:nvPr>
-            <p:ph idx="1"/>
-          </p:nvPr>
-        </p:nvSpPr>
-        <p:spPr/>
-        <p:txBody>
-          <a:bodyPr/>
-          <a:lstStyle/>
-          <a:p>
-            <a:r>
-              <a:rPr lang="zh-TW" altLang="en-US" dirty="0" smtClean="0"/>
-              <a:t>點擊</a:t>
-            </a:r>
-            <a:r>
-              <a:rPr lang="en-US" altLang="zh-TW" dirty="0" smtClean="0"/>
-              <a:t>”</a:t>
-            </a:r>
-            <a:r>
-              <a:rPr lang="zh-TW" altLang="en-US" dirty="0" smtClean="0"/>
-              <a:t>出貨</a:t>
-            </a:r>
-            <a:r>
-              <a:rPr lang="en-US" altLang="zh-TW" dirty="0" smtClean="0"/>
-              <a:t>”</a:t>
-            </a:r>
-            <a:r>
-              <a:rPr lang="zh-TW" altLang="en-US" dirty="0" smtClean="0"/>
-              <a:t>按鈕後 </a:t>
-            </a:r>
-            <a:r>
-              <a:rPr lang="en-US" altLang="zh-TW" dirty="0" smtClean="0"/>
-              <a:t>, </a:t>
-            </a:r>
-            <a:r>
-              <a:rPr lang="zh-TW" altLang="en-US" dirty="0" smtClean="0"/>
-              <a:t>會跳出需要輸入的文字框</a:t>
-            </a:r>
-            <a:endParaRPr lang="en-US" altLang="zh-TW" dirty="0" smtClean="0"/>
-          </a:p>
-          <a:p>
-            <a:pPr lvl="1"/>
-            <a:r>
-              <a:rPr lang="en-US" altLang="zh-TW" dirty="0" err="1" smtClean="0"/>
-              <a:t>ASN_Number</a:t>
-            </a:r>
-            <a:endParaRPr lang="en-US" altLang="zh-TW" dirty="0" smtClean="0"/>
-          </a:p>
-          <a:p>
-            <a:pPr lvl="1"/>
-            <a:r>
-              <a:rPr lang="en-US" altLang="zh-TW" dirty="0" err="1" smtClean="0"/>
-              <a:t>Shipping_date</a:t>
-            </a:r>
-            <a:endParaRPr lang="en-US" altLang="zh-TW" dirty="0" smtClean="0"/>
-          </a:p>
-          <a:p>
-            <a:pPr lvl="1"/>
-            <a:r>
-              <a:rPr lang="en-US" altLang="zh-TW" dirty="0" err="1" smtClean="0"/>
-              <a:t>Shipping_company_contractor</a:t>
-            </a:r>
-            <a:endParaRPr lang="en-US" altLang="zh-TW" dirty="0" smtClean="0"/>
-          </a:p>
-          <a:p>
-            <a:r>
-              <a:rPr lang="zh-TW" altLang="en-US" dirty="0" smtClean="0"/>
-              <a:t>輸入完成送出後即進行</a:t>
-            </a:r>
-            <a:endParaRPr lang="en-US" altLang="zh-TW" dirty="0" smtClean="0"/>
-          </a:p>
-          <a:p>
-            <a:pPr lvl="1"/>
-            <a:r>
-              <a:rPr lang="zh-TW" altLang="en-US" dirty="0" smtClean="0"/>
-              <a:t>下載</a:t>
-            </a:r>
-            <a:r>
-              <a:rPr lang="en-US" altLang="zh-TW" dirty="0" smtClean="0"/>
-              <a:t>excel</a:t>
-            </a:r>
-            <a:r>
-              <a:rPr lang="zh-TW" altLang="en-US" dirty="0" smtClean="0"/>
-              <a:t>檔 </a:t>
-            </a:r>
-            <a:r>
-              <a:rPr lang="en-US" altLang="zh-TW" dirty="0" smtClean="0"/>
-              <a:t>, </a:t>
-            </a:r>
-            <a:r>
-              <a:rPr lang="zh-TW" altLang="en-US" dirty="0" smtClean="0"/>
-              <a:t>內容為選擇的所有紙箱內容 </a:t>
-            </a:r>
-            <a:r>
-              <a:rPr lang="en-US" altLang="zh-TW" dirty="0" smtClean="0"/>
-              <a:t>, excel</a:t>
-            </a:r>
-            <a:r>
-              <a:rPr lang="zh-TW" altLang="en-US" dirty="0" smtClean="0"/>
-              <a:t>內的</a:t>
-            </a:r>
-            <a:r>
-              <a:rPr lang="en-US" altLang="zh-TW" dirty="0" err="1" smtClean="0"/>
-              <a:t>ASN_Number</a:t>
-            </a:r>
-            <a:r>
-              <a:rPr lang="zh-TW" altLang="en-US" dirty="0" smtClean="0"/>
-              <a:t> </a:t>
-            </a:r>
-            <a:r>
-              <a:rPr lang="en-US" altLang="zh-TW" dirty="0" smtClean="0"/>
-              <a:t>, </a:t>
-            </a:r>
-            <a:r>
-              <a:rPr lang="en-US" altLang="zh-TW" dirty="0" err="1" smtClean="0"/>
-              <a:t>Shipping_date</a:t>
-            </a:r>
-            <a:r>
-              <a:rPr lang="en-US" altLang="zh-TW" dirty="0" smtClean="0"/>
-              <a:t> , </a:t>
-            </a:r>
-            <a:r>
-              <a:rPr lang="en-US" altLang="zh-TW" dirty="0" err="1" smtClean="0"/>
-              <a:t>Shipping_company_contractor</a:t>
-            </a:r>
-            <a:r>
-              <a:rPr lang="zh-TW" altLang="en-US" dirty="0" smtClean="0"/>
-              <a:t>三個欄位會全部填上上面填入的資料</a:t>
-            </a:r>
-            <a:endParaRPr lang="en-US" altLang="zh-TW" dirty="0" smtClean="0"/>
-          </a:p>
-          <a:p>
-            <a:pPr lvl="1"/>
-            <a:r>
-              <a:rPr lang="zh-TW" altLang="en-US" dirty="0" smtClean="0"/>
-              <a:t>該棧板內的選擇的紙箱移出該棧板</a:t>
-            </a:r>
-            <a:endParaRPr lang="en-US" altLang="zh-TW" dirty="0" smtClean="0"/>
-          </a:p>
-          <a:p>
-            <a:pPr lvl="1"/>
-            <a:r>
-              <a:rPr lang="zh-TW" altLang="en-US" dirty="0" smtClean="0"/>
-              <a:t>選擇的紙箱內容加入到 </a:t>
-            </a:r>
-            <a:r>
-              <a:rPr lang="en-US" altLang="zh-TW" dirty="0" smtClean="0"/>
-              <a:t>“ACI</a:t>
-            </a:r>
-            <a:r>
-              <a:rPr lang="zh-TW" altLang="en-US" dirty="0" smtClean="0"/>
-              <a:t> </a:t>
-            </a:r>
-            <a:r>
-              <a:rPr lang="en-US" altLang="zh-TW" dirty="0" smtClean="0"/>
-              <a:t>-</a:t>
-            </a:r>
-            <a:r>
-              <a:rPr lang="zh-TW" altLang="en-US" dirty="0" smtClean="0"/>
-              <a:t> 已出貨清單</a:t>
-            </a:r>
-            <a:r>
-              <a:rPr lang="en-US" altLang="zh-TW" dirty="0" smtClean="0"/>
-              <a:t>”</a:t>
-            </a:r>
-            <a:r>
-              <a:rPr lang="zh-TW" altLang="en-US" dirty="0" smtClean="0"/>
-              <a:t> 供查詢用</a:t>
-            </a:r>
-            <a:endParaRPr lang="en-US" altLang="zh-TW" dirty="0" smtClean="0"/>
-          </a:p>
-          <a:p>
-            <a:endParaRPr lang="zh-TW" altLang="en-US" dirty="0"/>
-          </a:p>
-        </p:txBody>
-      </p:sp>
+      <p:pic>
+        <p:nvPicPr>
+          <p:cNvPr id="3" name="圖片 2"/>
+          <p:cNvPicPr>
+            <a:picLocks noChangeAspect="1"/>
+          </p:cNvPicPr>
+          <p:nvPr/>
+        </p:nvPicPr>
+        <p:blipFill>
+          <a:blip r:embed="rId3"/>
+          <a:stretch>
+            <a:fillRect/>
+          </a:stretch>
+        </p:blipFill>
+        <p:spPr>
+          <a:xfrm>
+            <a:off x="2537677" y="2292447"/>
+            <a:ext cx="7811590" cy="4105848"/>
+          </a:xfrm>
+          <a:prstGeom prst="rect">
+            <a:avLst/>
+          </a:prstGeom>
+        </p:spPr>
+      </p:pic>
     </p:spTree>
     <p:extLst>
       <p:ext uri="{BB962C8B-B14F-4D97-AF65-F5344CB8AC3E}">
-        <p14:creationId xmlns:p14="http://schemas.microsoft.com/office/powerpoint/2010/main" val="11689166"/>
+        <p14:creationId xmlns:p14="http://schemas.microsoft.com/office/powerpoint/2010/main" val="2419615077"/>
       </p:ext>
     </p:extLst>
   </p:cSld>
@@ -6455,81 +6380,9 @@
           <a:chExt cx="0" cy="0"/>
         </a:xfrm>
       </p:grpSpPr>
-      <p:pic>
-        <p:nvPicPr>
-          <p:cNvPr id="5" name="圖片 4"/>
-          <p:cNvPicPr>
-            <a:picLocks noChangeAspect="1"/>
-          </p:cNvPicPr>
-          <p:nvPr/>
-        </p:nvPicPr>
-        <p:blipFill>
-          <a:blip r:embed="rId2"/>
-          <a:stretch>
-            <a:fillRect/>
-          </a:stretch>
-        </p:blipFill>
-        <p:spPr>
-          <a:xfrm>
-            <a:off x="0" y="1115568"/>
-            <a:ext cx="4409006" cy="3154680"/>
-          </a:xfrm>
-          <a:prstGeom prst="rect">
-            <a:avLst/>
-          </a:prstGeom>
-        </p:spPr>
-      </p:pic>
-      <p:pic>
-        <p:nvPicPr>
-          <p:cNvPr id="6" name="圖片 5"/>
-          <p:cNvPicPr>
-            <a:picLocks noChangeAspect="1"/>
-          </p:cNvPicPr>
-          <p:nvPr/>
-        </p:nvPicPr>
-        <p:blipFill>
-          <a:blip r:embed="rId3"/>
-          <a:stretch>
-            <a:fillRect/>
-          </a:stretch>
-        </p:blipFill>
-        <p:spPr>
-          <a:xfrm>
-            <a:off x="5884594" y="1014984"/>
-            <a:ext cx="5637071" cy="3355848"/>
-          </a:xfrm>
-          <a:prstGeom prst="rect">
-            <a:avLst/>
-          </a:prstGeom>
-        </p:spPr>
-      </p:pic>
-      <p:pic>
-        <p:nvPicPr>
-          <p:cNvPr id="7" name="圖片 6"/>
-          <p:cNvPicPr>
-            <a:picLocks noChangeAspect="1"/>
-          </p:cNvPicPr>
-          <p:nvPr/>
-        </p:nvPicPr>
-        <p:blipFill>
-          <a:blip r:embed="rId4"/>
-          <a:stretch>
-            <a:fillRect/>
-          </a:stretch>
-        </p:blipFill>
-        <p:spPr>
-          <a:xfrm>
-            <a:off x="1850109" y="4681728"/>
-            <a:ext cx="7936958" cy="2011680"/>
-          </a:xfrm>
-          <a:prstGeom prst="rect">
-            <a:avLst/>
-          </a:prstGeom>
-        </p:spPr>
-      </p:pic>
-      <p:sp>
-        <p:nvSpPr>
-          <p:cNvPr id="8" name="標題 1"/>
+      <p:sp>
+        <p:nvSpPr>
+          <p:cNvPr id="2" name="標題 1"/>
           <p:cNvSpPr>
             <a:spLocks noGrp="1"/>
           </p:cNvSpPr>
@@ -6537,12 +6390,7 @@
             <p:ph type="title"/>
           </p:nvPr>
         </p:nvSpPr>
-        <p:spPr>
-          <a:xfrm>
-            <a:off x="929640" y="0"/>
-            <a:ext cx="10515600" cy="1325563"/>
-          </a:xfrm>
-        </p:spPr>
+        <p:spPr/>
         <p:txBody>
           <a:bodyPr/>
           <a:lstStyle/>
@@ -6553,7 +6401,7 @@
             </a:r>
             <a:r>
               <a:rPr lang="zh-TW" altLang="en-US" dirty="0" smtClean="0"/>
-              <a:t>出貨 </a:t>
+              <a:t>設備轉移</a:t>
             </a:r>
             <a:r>
               <a:rPr lang="en-US" altLang="zh-TW" dirty="0" smtClean="0"/>
@@ -6567,46 +6415,106 @@
           </a:p>
         </p:txBody>
       </p:sp>
-      <p:cxnSp>
-        <p:nvCxnSpPr>
-          <p:cNvPr id="10" name="直線單箭頭接點 9"/>
-          <p:cNvCxnSpPr/>
-          <p:nvPr/>
-        </p:nvCxnSpPr>
-        <p:spPr>
-          <a:xfrm>
-            <a:off x="4672584" y="2798064"/>
-            <a:ext cx="1146004" cy="0"/>
-          </a:xfrm>
-          <a:prstGeom prst="straightConnector1">
-            <a:avLst/>
-          </a:prstGeom>
-          <a:ln>
-            <a:solidFill>
-              <a:srgbClr val="FF0000"/>
-            </a:solidFill>
-            <a:tailEnd type="triangle"/>
-          </a:ln>
-        </p:spPr>
-        <p:style>
-          <a:lnRef idx="1">
-            <a:schemeClr val="accent1"/>
-          </a:lnRef>
-          <a:fillRef idx="0">
-            <a:schemeClr val="accent1"/>
-          </a:fillRef>
-          <a:effectRef idx="0">
-            <a:schemeClr val="accent1"/>
-          </a:effectRef>
-          <a:fontRef idx="minor">
-            <a:schemeClr val="tx1"/>
-          </a:fontRef>
-        </p:style>
-      </p:cxnSp>
+      <p:sp>
+        <p:nvSpPr>
+          <p:cNvPr id="3" name="內容版面配置區 2"/>
+          <p:cNvSpPr>
+            <a:spLocks noGrp="1"/>
+          </p:cNvSpPr>
+          <p:nvPr>
+            <p:ph idx="1"/>
+          </p:nvPr>
+        </p:nvSpPr>
+        <p:spPr/>
+        <p:txBody>
+          <a:bodyPr/>
+          <a:lstStyle/>
+          <a:p>
+            <a:r>
+              <a:rPr lang="zh-TW" altLang="en-US" dirty="0" smtClean="0"/>
+              <a:t>點擊</a:t>
+            </a:r>
+            <a:r>
+              <a:rPr lang="en-US" altLang="zh-TW" dirty="0" smtClean="0"/>
+              <a:t>”</a:t>
+            </a:r>
+            <a:r>
+              <a:rPr lang="zh-TW" altLang="en-US" dirty="0" smtClean="0"/>
+              <a:t>設備轉移</a:t>
+            </a:r>
+            <a:r>
+              <a:rPr lang="en-US" altLang="zh-TW" dirty="0" smtClean="0"/>
+              <a:t>”</a:t>
+            </a:r>
+            <a:r>
+              <a:rPr lang="zh-TW" altLang="en-US" dirty="0" smtClean="0"/>
+              <a:t>按鈕後 </a:t>
+            </a:r>
+            <a:r>
+              <a:rPr lang="en-US" altLang="zh-TW" dirty="0" smtClean="0"/>
+              <a:t>, </a:t>
+            </a:r>
+            <a:r>
+              <a:rPr lang="zh-TW" altLang="en-US" dirty="0" smtClean="0"/>
+              <a:t>會跳出可以選擇轉移的棧板 </a:t>
+            </a:r>
+            <a:r>
+              <a:rPr lang="en-US" altLang="zh-TW" dirty="0" smtClean="0"/>
+              <a:t>(</a:t>
+            </a:r>
+            <a:r>
+              <a:rPr lang="zh-TW" altLang="en-US" dirty="0" smtClean="0"/>
+              <a:t>單選</a:t>
+            </a:r>
+            <a:r>
+              <a:rPr lang="en-US" altLang="zh-TW" dirty="0" smtClean="0"/>
+              <a:t>)</a:t>
+            </a:r>
+          </a:p>
+          <a:p>
+            <a:pPr marL="228600" lvl="1">
+              <a:spcBef>
+                <a:spcPts val="1000"/>
+              </a:spcBef>
+            </a:pPr>
+            <a:r>
+              <a:rPr lang="zh-TW" altLang="en-US" dirty="0" smtClean="0"/>
+              <a:t>使用條碼機掃描棧板條碼</a:t>
+            </a:r>
+            <a:r>
+              <a:rPr lang="en-US" altLang="zh-TW" dirty="0" smtClean="0"/>
+              <a:t>, </a:t>
+            </a:r>
+            <a:r>
+              <a:rPr lang="zh-TW" altLang="en-US" dirty="0" smtClean="0"/>
+              <a:t>可快速找到要進行操作的棧板 或 手動點選 </a:t>
+            </a:r>
+            <a:endParaRPr lang="en-US" altLang="zh-TW" dirty="0" smtClean="0"/>
+          </a:p>
+          <a:p>
+            <a:r>
+              <a:rPr lang="zh-TW" altLang="en-US" dirty="0" smtClean="0"/>
+              <a:t>完成送出後即進行</a:t>
+            </a:r>
+            <a:endParaRPr lang="en-US" altLang="zh-TW" dirty="0" smtClean="0"/>
+          </a:p>
+          <a:p>
+            <a:pPr lvl="1"/>
+            <a:r>
+              <a:rPr lang="zh-TW" altLang="en-US" dirty="0" smtClean="0"/>
+              <a:t>該棧板內選擇的紙箱內容轉移至選擇的棧板中</a:t>
+            </a:r>
+            <a:endParaRPr lang="en-US" altLang="zh-TW" dirty="0" smtClean="0"/>
+          </a:p>
+          <a:p>
+            <a:endParaRPr lang="zh-TW" altLang="en-US" dirty="0"/>
+          </a:p>
+        </p:txBody>
+      </p:sp>
     </p:spTree>
     <p:extLst>
       <p:ext uri="{BB962C8B-B14F-4D97-AF65-F5344CB8AC3E}">
-        <p14:creationId xmlns:p14="http://schemas.microsoft.com/office/powerpoint/2010/main" val="1129399871"/>
+        <p14:creationId xmlns:p14="http://schemas.microsoft.com/office/powerpoint/2010/main" val="3994379749"/>
       </p:ext>
     </p:extLst>
   </p:cSld>
@@ -6675,106 +6583,238 @@
           </a:p>
         </p:txBody>
       </p:sp>
-      <p:sp>
-        <p:nvSpPr>
-          <p:cNvPr id="3" name="內容版面配置區 2"/>
-          <p:cNvSpPr>
-            <a:spLocks noGrp="1"/>
-          </p:cNvSpPr>
+      <p:pic>
+        <p:nvPicPr>
+          <p:cNvPr id="4" name="內容版面配置區 3"/>
+          <p:cNvPicPr>
+            <a:picLocks noGrp="1" noChangeAspect="1"/>
+          </p:cNvPicPr>
           <p:nvPr>
             <p:ph idx="1"/>
           </p:nvPr>
-        </p:nvSpPr>
-        <p:spPr/>
-        <p:txBody>
-          <a:bodyPr/>
-          <a:lstStyle/>
-          <a:p>
-            <a:r>
-              <a:rPr lang="zh-TW" altLang="en-US" dirty="0" smtClean="0"/>
-              <a:t>點擊</a:t>
-            </a:r>
-            <a:r>
-              <a:rPr lang="en-US" altLang="zh-TW" dirty="0" smtClean="0"/>
-              <a:t>”</a:t>
-            </a:r>
-            <a:r>
-              <a:rPr lang="zh-TW" altLang="en-US" dirty="0" smtClean="0"/>
-              <a:t>設備轉移</a:t>
-            </a:r>
-            <a:r>
-              <a:rPr lang="en-US" altLang="zh-TW" dirty="0" smtClean="0"/>
-              <a:t>”</a:t>
-            </a:r>
-            <a:r>
-              <a:rPr lang="zh-TW" altLang="en-US" dirty="0" smtClean="0"/>
-              <a:t>按鈕後 </a:t>
-            </a:r>
-            <a:r>
-              <a:rPr lang="en-US" altLang="zh-TW" dirty="0" smtClean="0"/>
-              <a:t>, </a:t>
-            </a:r>
-            <a:r>
-              <a:rPr lang="zh-TW" altLang="en-US" dirty="0" smtClean="0"/>
-              <a:t>會跳出可以選擇轉移的棧板 </a:t>
-            </a:r>
-            <a:r>
-              <a:rPr lang="en-US" altLang="zh-TW" dirty="0" smtClean="0"/>
-              <a:t>(</a:t>
-            </a:r>
-            <a:r>
-              <a:rPr lang="zh-TW" altLang="en-US" dirty="0" smtClean="0"/>
-              <a:t>單選</a:t>
-            </a:r>
-            <a:r>
-              <a:rPr lang="en-US" altLang="zh-TW" dirty="0" smtClean="0"/>
-              <a:t>)</a:t>
-            </a:r>
-          </a:p>
-          <a:p>
-            <a:pPr marL="228600" lvl="1">
-              <a:spcBef>
-                <a:spcPts val="1000"/>
-              </a:spcBef>
-            </a:pPr>
-            <a:r>
-              <a:rPr lang="zh-TW" altLang="en-US" dirty="0" smtClean="0"/>
-              <a:t>使用條碼機掃描棧板條碼</a:t>
-            </a:r>
-            <a:r>
-              <a:rPr lang="en-US" altLang="zh-TW" dirty="0" smtClean="0"/>
-              <a:t>, </a:t>
-            </a:r>
-            <a:r>
-              <a:rPr lang="zh-TW" altLang="en-US" dirty="0" smtClean="0"/>
-              <a:t>可快速找到要進行操作的棧板 或 手動點選 </a:t>
-            </a:r>
-            <a:endParaRPr lang="en-US" altLang="zh-TW" dirty="0" smtClean="0"/>
-          </a:p>
-          <a:p>
-            <a:r>
-              <a:rPr lang="zh-TW" altLang="en-US" dirty="0" smtClean="0"/>
-              <a:t>完成送出後即進行</a:t>
-            </a:r>
-            <a:endParaRPr lang="en-US" altLang="zh-TW" dirty="0" smtClean="0"/>
-          </a:p>
-          <a:p>
-            <a:pPr lvl="1"/>
-            <a:r>
-              <a:rPr lang="zh-TW" altLang="en-US" dirty="0" smtClean="0"/>
-              <a:t>該棧板內選擇的紙箱內容轉移至選擇的棧板中</a:t>
-            </a:r>
-            <a:endParaRPr lang="en-US" altLang="zh-TW" dirty="0" smtClean="0"/>
-          </a:p>
-          <a:p>
-            <a:endParaRPr lang="zh-TW" altLang="en-US" dirty="0"/>
+        </p:nvPicPr>
+        <p:blipFill>
+          <a:blip r:embed="rId2"/>
+          <a:stretch>
+            <a:fillRect/>
+          </a:stretch>
+        </p:blipFill>
+        <p:spPr>
+          <a:xfrm>
+            <a:off x="134580" y="2526728"/>
+            <a:ext cx="3956283" cy="2810383"/>
+          </a:xfrm>
+          <a:prstGeom prst="rect">
+            <a:avLst/>
+          </a:prstGeom>
+        </p:spPr>
+      </p:pic>
+      <p:pic>
+        <p:nvPicPr>
+          <p:cNvPr id="5" name="圖片 4"/>
+          <p:cNvPicPr>
+            <a:picLocks noChangeAspect="1"/>
+          </p:cNvPicPr>
+          <p:nvPr/>
+        </p:nvPicPr>
+        <p:blipFill>
+          <a:blip r:embed="rId3"/>
+          <a:stretch>
+            <a:fillRect/>
+          </a:stretch>
+        </p:blipFill>
+        <p:spPr>
+          <a:xfrm>
+            <a:off x="4770170" y="1887666"/>
+            <a:ext cx="7369370" cy="1779078"/>
+          </a:xfrm>
+          <a:prstGeom prst="rect">
+            <a:avLst/>
+          </a:prstGeom>
+        </p:spPr>
+      </p:pic>
+      <p:pic>
+        <p:nvPicPr>
+          <p:cNvPr id="6" name="圖片 5"/>
+          <p:cNvPicPr>
+            <a:picLocks noChangeAspect="1"/>
+          </p:cNvPicPr>
+          <p:nvPr/>
+        </p:nvPicPr>
+        <p:blipFill>
+          <a:blip r:embed="rId4"/>
+          <a:stretch>
+            <a:fillRect/>
+          </a:stretch>
+        </p:blipFill>
+        <p:spPr>
+          <a:xfrm>
+            <a:off x="4876206" y="4874228"/>
+            <a:ext cx="7093290" cy="1699355"/>
+          </a:xfrm>
+          <a:prstGeom prst="rect">
+            <a:avLst/>
+          </a:prstGeom>
+        </p:spPr>
+      </p:pic>
+      <p:cxnSp>
+        <p:nvCxnSpPr>
+          <p:cNvPr id="8" name="直線單箭頭接點 7"/>
+          <p:cNvCxnSpPr/>
+          <p:nvPr/>
+        </p:nvCxnSpPr>
+        <p:spPr>
+          <a:xfrm flipH="1">
+            <a:off x="4090863" y="2358675"/>
+            <a:ext cx="647303" cy="731997"/>
+          </a:xfrm>
+          <a:prstGeom prst="straightConnector1">
+            <a:avLst/>
+          </a:prstGeom>
+          <a:ln>
+            <a:solidFill>
+              <a:srgbClr val="FF0000"/>
+            </a:solidFill>
+            <a:tailEnd type="triangle"/>
+          </a:ln>
+        </p:spPr>
+        <p:style>
+          <a:lnRef idx="1">
+            <a:schemeClr val="accent1"/>
+          </a:lnRef>
+          <a:fillRef idx="0">
+            <a:schemeClr val="accent1"/>
+          </a:fillRef>
+          <a:effectRef idx="0">
+            <a:schemeClr val="accent1"/>
+          </a:effectRef>
+          <a:fontRef idx="minor">
+            <a:schemeClr val="tx1"/>
+          </a:fontRef>
+        </p:style>
+      </p:cxnSp>
+      <p:cxnSp>
+        <p:nvCxnSpPr>
+          <p:cNvPr id="11" name="直線單箭頭接點 10"/>
+          <p:cNvCxnSpPr/>
+          <p:nvPr/>
+        </p:nvCxnSpPr>
+        <p:spPr>
+          <a:xfrm>
+            <a:off x="4090863" y="4242816"/>
+            <a:ext cx="1176081" cy="631412"/>
+          </a:xfrm>
+          <a:prstGeom prst="straightConnector1">
+            <a:avLst/>
+          </a:prstGeom>
+          <a:ln>
+            <a:solidFill>
+              <a:srgbClr val="FF0000"/>
+            </a:solidFill>
+            <a:tailEnd type="triangle"/>
+          </a:ln>
+        </p:spPr>
+        <p:style>
+          <a:lnRef idx="1">
+            <a:schemeClr val="accent1"/>
+          </a:lnRef>
+          <a:fillRef idx="0">
+            <a:schemeClr val="accent1"/>
+          </a:fillRef>
+          <a:effectRef idx="0">
+            <a:schemeClr val="accent1"/>
+          </a:effectRef>
+          <a:fontRef idx="minor">
+            <a:schemeClr val="tx1"/>
+          </a:fontRef>
+        </p:style>
+      </p:cxnSp>
+      <p:sp>
+        <p:nvSpPr>
+          <p:cNvPr id="12" name="矩形 11"/>
+          <p:cNvSpPr/>
+          <p:nvPr/>
+        </p:nvSpPr>
+        <p:spPr>
+          <a:xfrm>
+            <a:off x="4839190" y="1874282"/>
+            <a:ext cx="7231330" cy="1764792"/>
+          </a:xfrm>
+          <a:prstGeom prst="rect">
+            <a:avLst/>
+          </a:prstGeom>
+          <a:noFill/>
+        </p:spPr>
+        <p:style>
+          <a:lnRef idx="2">
+            <a:schemeClr val="accent1">
+              <a:shade val="50000"/>
+            </a:schemeClr>
+          </a:lnRef>
+          <a:fillRef idx="1">
+            <a:schemeClr val="accent1"/>
+          </a:fillRef>
+          <a:effectRef idx="0">
+            <a:schemeClr val="accent1"/>
+          </a:effectRef>
+          <a:fontRef idx="minor">
+            <a:schemeClr val="lt1"/>
+          </a:fontRef>
+        </p:style>
+        <p:txBody>
+          <a:bodyPr rtlCol="0" anchor="ctr"/>
+          <a:lstStyle/>
+          <a:p>
+            <a:pPr algn="ctr"/>
+            <a:endParaRPr lang="zh-TW" altLang="en-US"/>
+          </a:p>
+        </p:txBody>
+      </p:sp>
+      <p:sp>
+        <p:nvSpPr>
+          <p:cNvPr id="13" name="矩形 12"/>
+          <p:cNvSpPr/>
+          <p:nvPr/>
+        </p:nvSpPr>
+        <p:spPr>
+          <a:xfrm>
+            <a:off x="4876206" y="5001768"/>
+            <a:ext cx="7157298" cy="1655064"/>
+          </a:xfrm>
+          <a:prstGeom prst="rect">
+            <a:avLst/>
+          </a:prstGeom>
+          <a:noFill/>
+        </p:spPr>
+        <p:style>
+          <a:lnRef idx="2">
+            <a:schemeClr val="accent1">
+              <a:shade val="50000"/>
+            </a:schemeClr>
+          </a:lnRef>
+          <a:fillRef idx="1">
+            <a:schemeClr val="accent1"/>
+          </a:fillRef>
+          <a:effectRef idx="0">
+            <a:schemeClr val="accent1"/>
+          </a:effectRef>
+          <a:fontRef idx="minor">
+            <a:schemeClr val="lt1"/>
+          </a:fontRef>
+        </p:style>
+        <p:txBody>
+          <a:bodyPr rtlCol="0" anchor="ctr"/>
+          <a:lstStyle/>
+          <a:p>
+            <a:pPr algn="ctr"/>
+            <a:endParaRPr lang="zh-TW" altLang="en-US"/>
           </a:p>
         </p:txBody>
       </p:sp>
     </p:spTree>
     <p:extLst>
       <p:ext uri="{BB962C8B-B14F-4D97-AF65-F5344CB8AC3E}">
-        <p14:creationId xmlns:p14="http://schemas.microsoft.com/office/powerpoint/2010/main" val="3994379749"/>
+        <p14:creationId xmlns:p14="http://schemas.microsoft.com/office/powerpoint/2010/main" val="1098303622"/>
       </p:ext>
     </p:extLst>
   </p:cSld>
@@ -6824,34 +6864,66 @@
           <a:lstStyle/>
           <a:p>
             <a:r>
-              <a:rPr lang="en-US" altLang="zh-TW" dirty="0" smtClean="0"/>
+              <a:rPr lang="en-US" altLang="zh-TW" dirty="0"/>
               <a:t>ACI</a:t>
             </a:r>
             <a:r>
-              <a:rPr lang="zh-TW" altLang="en-US" dirty="0" smtClean="0"/>
-              <a:t>設備轉移</a:t>
-            </a:r>
-            <a:r>
-              <a:rPr lang="en-US" altLang="zh-TW" dirty="0" smtClean="0"/>
+              <a:rPr lang="zh-TW" altLang="en-US" dirty="0"/>
+              <a:t> </a:t>
+            </a:r>
+            <a:r>
+              <a:rPr lang="zh-TW" altLang="en-US" dirty="0" smtClean="0"/>
+              <a:t>加入待出貨清單 </a:t>
+            </a:r>
+            <a:r>
+              <a:rPr lang="en-US" altLang="zh-TW" dirty="0"/>
               <a:t>–</a:t>
             </a:r>
             <a:r>
-              <a:rPr lang="zh-TW" altLang="en-US" dirty="0" smtClean="0"/>
-              <a:t> 個別紙箱</a:t>
-            </a:r>
+              <a:rPr lang="zh-TW" altLang="en-US" dirty="0"/>
+              <a:t> </a:t>
+            </a:r>
+            <a:r>
+              <a:rPr lang="zh-TW" altLang="en-US" dirty="0" smtClean="0"/>
+              <a:t>整個棧板</a:t>
+            </a:r>
+            <a:endParaRPr lang="zh-TW" altLang="en-US" dirty="0"/>
+          </a:p>
+        </p:txBody>
+      </p:sp>
+      <p:sp>
+        <p:nvSpPr>
+          <p:cNvPr id="3" name="內容版面配置區 2"/>
+          <p:cNvSpPr>
+            <a:spLocks noGrp="1"/>
+          </p:cNvSpPr>
+          <p:nvPr>
+            <p:ph idx="1"/>
+          </p:nvPr>
+        </p:nvSpPr>
+        <p:spPr/>
+        <p:txBody>
+          <a:bodyPr/>
+          <a:lstStyle/>
+          <a:p>
+            <a:r>
+              <a:rPr lang="zh-TW" altLang="en-US" dirty="0" smtClean="0"/>
+              <a:t>於棧板管理頁面勾選任一個棧板即可將整個棧板資料加入待出貨清單中</a:t>
+            </a:r>
+            <a:endParaRPr lang="en-US" altLang="zh-TW" dirty="0" smtClean="0"/>
+          </a:p>
+          <a:p>
             <a:endParaRPr lang="zh-TW" altLang="en-US" dirty="0"/>
           </a:p>
         </p:txBody>
       </p:sp>
       <p:pic>
         <p:nvPicPr>
-          <p:cNvPr id="4" name="內容版面配置區 3"/>
+          <p:cNvPr id="4" name="圖片 3"/>
           <p:cNvPicPr>
-            <a:picLocks noGrp="1" noChangeAspect="1"/>
+            <a:picLocks noChangeAspect="1"/>
           </p:cNvPicPr>
-          <p:nvPr>
-            <p:ph idx="1"/>
-          </p:nvPr>
+          <p:nvPr/>
         </p:nvPicPr>
         <p:blipFill>
           <a:blip r:embed="rId2"/>
@@ -6861,220 +6933,18 @@
         </p:blipFill>
         <p:spPr>
           <a:xfrm>
-            <a:off x="134580" y="2526728"/>
-            <a:ext cx="3956283" cy="2810383"/>
+            <a:off x="5376671" y="2582178"/>
+            <a:ext cx="6360285" cy="4275822"/>
           </a:xfrm>
           <a:prstGeom prst="rect">
             <a:avLst/>
           </a:prstGeom>
         </p:spPr>
       </p:pic>
-      <p:pic>
-        <p:nvPicPr>
-          <p:cNvPr id="5" name="圖片 4"/>
-          <p:cNvPicPr>
-            <a:picLocks noChangeAspect="1"/>
-          </p:cNvPicPr>
-          <p:nvPr/>
-        </p:nvPicPr>
-        <p:blipFill>
-          <a:blip r:embed="rId3"/>
-          <a:stretch>
-            <a:fillRect/>
-          </a:stretch>
-        </p:blipFill>
-        <p:spPr>
-          <a:xfrm>
-            <a:off x="4770170" y="1887666"/>
-            <a:ext cx="7369370" cy="1779078"/>
-          </a:xfrm>
-          <a:prstGeom prst="rect">
-            <a:avLst/>
-          </a:prstGeom>
-        </p:spPr>
-      </p:pic>
-      <p:pic>
-        <p:nvPicPr>
-          <p:cNvPr id="6" name="圖片 5"/>
-          <p:cNvPicPr>
-            <a:picLocks noChangeAspect="1"/>
-          </p:cNvPicPr>
-          <p:nvPr/>
-        </p:nvPicPr>
-        <p:blipFill>
-          <a:blip r:embed="rId4"/>
-          <a:stretch>
-            <a:fillRect/>
-          </a:stretch>
-        </p:blipFill>
-        <p:spPr>
-          <a:xfrm>
-            <a:off x="4876206" y="4874228"/>
-            <a:ext cx="7093290" cy="1699355"/>
-          </a:xfrm>
-          <a:prstGeom prst="rect">
-            <a:avLst/>
-          </a:prstGeom>
-        </p:spPr>
-      </p:pic>
-      <p:cxnSp>
-        <p:nvCxnSpPr>
-          <p:cNvPr id="8" name="直線單箭頭接點 7"/>
-          <p:cNvCxnSpPr/>
-          <p:nvPr/>
-        </p:nvCxnSpPr>
-        <p:spPr>
-          <a:xfrm flipH="1">
-            <a:off x="4090863" y="2358675"/>
-            <a:ext cx="647303" cy="731997"/>
-          </a:xfrm>
-          <a:prstGeom prst="straightConnector1">
-            <a:avLst/>
-          </a:prstGeom>
-          <a:ln>
-            <a:solidFill>
-              <a:srgbClr val="FF0000"/>
-            </a:solidFill>
-            <a:tailEnd type="triangle"/>
-          </a:ln>
-        </p:spPr>
-        <p:style>
-          <a:lnRef idx="1">
-            <a:schemeClr val="accent1"/>
-          </a:lnRef>
-          <a:fillRef idx="0">
-            <a:schemeClr val="accent1"/>
-          </a:fillRef>
-          <a:effectRef idx="0">
-            <a:schemeClr val="accent1"/>
-          </a:effectRef>
-          <a:fontRef idx="minor">
-            <a:schemeClr val="tx1"/>
-          </a:fontRef>
-        </p:style>
-      </p:cxnSp>
-      <p:cxnSp>
-        <p:nvCxnSpPr>
-          <p:cNvPr id="11" name="直線單箭頭接點 10"/>
-          <p:cNvCxnSpPr/>
-          <p:nvPr/>
-        </p:nvCxnSpPr>
-        <p:spPr>
-          <a:xfrm>
-            <a:off x="4090863" y="4242816"/>
-            <a:ext cx="1176081" cy="631412"/>
-          </a:xfrm>
-          <a:prstGeom prst="straightConnector1">
-            <a:avLst/>
-          </a:prstGeom>
-          <a:ln>
-            <a:solidFill>
-              <a:srgbClr val="FF0000"/>
-            </a:solidFill>
-            <a:tailEnd type="triangle"/>
-          </a:ln>
-        </p:spPr>
-        <p:style>
-          <a:lnRef idx="1">
-            <a:schemeClr val="accent1"/>
-          </a:lnRef>
-          <a:fillRef idx="0">
-            <a:schemeClr val="accent1"/>
-          </a:fillRef>
-          <a:effectRef idx="0">
-            <a:schemeClr val="accent1"/>
-          </a:effectRef>
-          <a:fontRef idx="minor">
-            <a:schemeClr val="tx1"/>
-          </a:fontRef>
-        </p:style>
-      </p:cxnSp>
-      <p:sp>
-        <p:nvSpPr>
-          <p:cNvPr id="12" name="矩形 11"/>
-          <p:cNvSpPr/>
-          <p:nvPr/>
-        </p:nvSpPr>
-        <p:spPr>
-          <a:xfrm>
-            <a:off x="4839190" y="1874282"/>
-            <a:ext cx="7231330" cy="1764792"/>
-          </a:xfrm>
-          <a:prstGeom prst="rect">
-            <a:avLst/>
-          </a:prstGeom>
-          <a:noFill/>
-        </p:spPr>
-        <p:style>
-          <a:lnRef idx="2">
-            <a:schemeClr val="accent1">
-              <a:shade val="50000"/>
-            </a:schemeClr>
-          </a:lnRef>
-          <a:fillRef idx="1">
-            <a:schemeClr val="accent1"/>
-          </a:fillRef>
-          <a:effectRef idx="0">
-            <a:schemeClr val="accent1"/>
-          </a:effectRef>
-          <a:fontRef idx="minor">
-            <a:schemeClr val="lt1"/>
-          </a:fontRef>
-        </p:style>
-        <p:txBody>
-          <a:bodyPr rtlCol="0" anchor="ctr"/>
-          <a:lstStyle/>
-          <a:p>
-            <a:pPr algn="ctr"/>
-            <a:endParaRPr lang="zh-TW" altLang="en-US"/>
-          </a:p>
-        </p:txBody>
-      </p:sp>
-      <p:sp>
-        <p:nvSpPr>
-          <p:cNvPr id="13" name="矩形 12"/>
-          <p:cNvSpPr/>
-          <p:nvPr/>
-        </p:nvSpPr>
-        <p:spPr>
-          <a:xfrm>
-            <a:off x="4876206" y="5001768"/>
-            <a:ext cx="7157298" cy="1655064"/>
-          </a:xfrm>
-          <a:prstGeom prst="rect">
-            <a:avLst/>
-          </a:prstGeom>
-          <a:noFill/>
-        </p:spPr>
-        <p:style>
-          <a:lnRef idx="2">
-            <a:schemeClr val="accent1">
-              <a:shade val="50000"/>
-            </a:schemeClr>
-          </a:lnRef>
-          <a:fillRef idx="1">
-            <a:schemeClr val="accent1"/>
-          </a:fillRef>
-          <a:effectRef idx="0">
-            <a:schemeClr val="accent1"/>
-          </a:effectRef>
-          <a:fontRef idx="minor">
-            <a:schemeClr val="lt1"/>
-          </a:fontRef>
-        </p:style>
-        <p:txBody>
-          <a:bodyPr rtlCol="0" anchor="ctr"/>
-          <a:lstStyle/>
-          <a:p>
-            <a:pPr algn="ctr"/>
-            <a:endParaRPr lang="zh-TW" altLang="en-US"/>
-          </a:p>
-        </p:txBody>
-      </p:sp>
     </p:spTree>
     <p:extLst>
       <p:ext uri="{BB962C8B-B14F-4D97-AF65-F5344CB8AC3E}">
-        <p14:creationId xmlns:p14="http://schemas.microsoft.com/office/powerpoint/2010/main" val="1098303622"/>
+        <p14:creationId xmlns:p14="http://schemas.microsoft.com/office/powerpoint/2010/main" val="3588747934"/>
       </p:ext>
     </p:extLst>
   </p:cSld>
@@ -7124,12 +6994,24 @@
           <a:lstStyle/>
           <a:p>
             <a:r>
-              <a:rPr lang="en-US" altLang="zh-TW" dirty="0" smtClean="0"/>
-              <a:t>ACI – </a:t>
-            </a:r>
-            <a:r>
-              <a:rPr lang="zh-TW" altLang="en-US" dirty="0" smtClean="0"/>
-              <a:t>客戶設定</a:t>
+              <a:rPr lang="en-US" altLang="zh-TW" dirty="0"/>
+              <a:t>ACI</a:t>
+            </a:r>
+            <a:r>
+              <a:rPr lang="zh-TW" altLang="en-US" dirty="0"/>
+              <a:t> 加入待出貨清單 </a:t>
+            </a:r>
+            <a:r>
+              <a:rPr lang="en-US" altLang="zh-TW" dirty="0"/>
+              <a:t>–</a:t>
+            </a:r>
+            <a:r>
+              <a:rPr lang="zh-TW" altLang="en-US" dirty="0"/>
+              <a:t> </a:t>
+            </a:r>
+            <a:r>
+              <a:rPr lang="zh-TW" altLang="en-US" dirty="0" smtClean="0"/>
+              <a:t>個別紙箱</a:t>
             </a:r>
             <a:endParaRPr lang="zh-TW" altLang="en-US" dirty="0"/>
           </a:p>
@@ -7152,29 +7034,60 @@
           <a:p>
             <a:r>
               <a:rPr lang="zh-TW" altLang="en-US" dirty="0" smtClean="0"/>
-              <a:t>新增客戶</a:t>
-            </a:r>
-            <a:endParaRPr lang="en-US" altLang="zh-TW" dirty="0" smtClean="0"/>
-          </a:p>
-          <a:p>
-            <a:r>
-              <a:rPr lang="zh-TW" altLang="en-US" dirty="0" smtClean="0"/>
-              <a:t>編輯</a:t>
-            </a:r>
-            <a:endParaRPr lang="en-US" altLang="zh-TW" dirty="0" smtClean="0"/>
-          </a:p>
-          <a:p>
+              <a:t>於某棧板頁面中勾</a:t>
+            </a:r>
             <a:r>
               <a:rPr lang="zh-TW" altLang="en-US" dirty="0"/>
-              <a:t>刪除</a:t>
-            </a:r>
-          </a:p>
-        </p:txBody>
-      </p:sp>
+              <a:t>選任</a:t>
+            </a:r>
+            <a:r>
+              <a:rPr lang="zh-TW" altLang="en-US" dirty="0" smtClean="0"/>
+              <a:t>一個</a:t>
+            </a:r>
+            <a:r>
+              <a:rPr lang="zh-TW" altLang="en-US" dirty="0"/>
+              <a:t>紙箱</a:t>
+            </a:r>
+            <a:r>
+              <a:rPr lang="zh-TW" altLang="en-US" dirty="0" smtClean="0"/>
+              <a:t>即可將該紙箱資料</a:t>
+            </a:r>
+            <a:r>
+              <a:rPr lang="zh-TW" altLang="en-US" dirty="0"/>
+              <a:t>加入待出貨清單中</a:t>
+            </a:r>
+            <a:endParaRPr lang="en-US" altLang="zh-TW" dirty="0"/>
+          </a:p>
+        </p:txBody>
+      </p:sp>
+      <p:pic>
+        <p:nvPicPr>
+          <p:cNvPr id="4" name="圖片 3"/>
+          <p:cNvPicPr>
+            <a:picLocks noChangeAspect="1"/>
+          </p:cNvPicPr>
+          <p:nvPr/>
+        </p:nvPicPr>
+        <p:blipFill>
+          <a:blip r:embed="rId2"/>
+          <a:stretch>
+            <a:fillRect/>
+          </a:stretch>
+        </p:blipFill>
+        <p:spPr>
+          <a:xfrm>
+            <a:off x="4986803" y="2463303"/>
+            <a:ext cx="6653509" cy="4262973"/>
+          </a:xfrm>
+          <a:prstGeom prst="rect">
+            <a:avLst/>
+          </a:prstGeom>
+        </p:spPr>
+      </p:pic>
     </p:spTree>
     <p:extLst>
       <p:ext uri="{BB962C8B-B14F-4D97-AF65-F5344CB8AC3E}">
-        <p14:creationId xmlns:p14="http://schemas.microsoft.com/office/powerpoint/2010/main" val="1138556879"/>
+        <p14:creationId xmlns:p14="http://schemas.microsoft.com/office/powerpoint/2010/main" val="1320109634"/>
       </p:ext>
     </p:extLst>
   </p:cSld>
@@ -7225,44 +7138,234 @@
           <a:p>
             <a:r>
               <a:rPr lang="en-US" altLang="zh-TW" dirty="0" smtClean="0"/>
-              <a:t>ACI – </a:t>
-            </a:r>
-            <a:r>
-              <a:rPr lang="zh-TW" altLang="en-US" dirty="0" smtClean="0"/>
-              <a:t>客戶設定</a:t>
+              <a:t>ACI</a:t>
+            </a:r>
+            <a:r>
+              <a:rPr lang="zh-TW" altLang="en-US" dirty="0" smtClean="0"/>
+              <a:t> 出貨 </a:t>
+            </a:r>
+            <a:r>
+              <a:rPr lang="en-US" altLang="zh-TW" dirty="0" smtClean="0"/>
+              <a:t>–</a:t>
+            </a:r>
+            <a:r>
+              <a:rPr lang="zh-TW" altLang="en-US" dirty="0" smtClean="0"/>
+              <a:t> </a:t>
             </a:r>
             <a:endParaRPr lang="zh-TW" altLang="en-US" dirty="0"/>
           </a:p>
         </p:txBody>
       </p:sp>
-      <p:pic>
-        <p:nvPicPr>
-          <p:cNvPr id="5" name="圖片 4"/>
-          <p:cNvPicPr>
-            <a:picLocks noChangeAspect="1"/>
-          </p:cNvPicPr>
-          <p:nvPr/>
-        </p:nvPicPr>
-        <p:blipFill>
-          <a:blip r:embed="rId2"/>
-          <a:stretch>
-            <a:fillRect/>
-          </a:stretch>
-        </p:blipFill>
-        <p:spPr>
-          <a:xfrm>
-            <a:off x="434405" y="1690688"/>
-            <a:ext cx="11821603" cy="4348864"/>
-          </a:xfrm>
-          <a:prstGeom prst="rect">
-            <a:avLst/>
-          </a:prstGeom>
-        </p:spPr>
-      </p:pic>
+      <p:sp>
+        <p:nvSpPr>
+          <p:cNvPr id="3" name="內容版面配置區 2"/>
+          <p:cNvSpPr>
+            <a:spLocks noGrp="1"/>
+          </p:cNvSpPr>
+          <p:nvPr>
+            <p:ph idx="1"/>
+          </p:nvPr>
+        </p:nvSpPr>
+        <p:spPr/>
+        <p:txBody>
+          <a:bodyPr>
+            <a:normAutofit fontScale="92500" lnSpcReduction="20000"/>
+          </a:bodyPr>
+          <a:lstStyle/>
+          <a:p>
+            <a:r>
+              <a:rPr lang="zh-TW" altLang="en-US" dirty="0" smtClean="0"/>
+              <a:t>於待出貨清單頁面中勾選要出貨的資料 </a:t>
+            </a:r>
+            <a:r>
+              <a:rPr lang="en-US" altLang="zh-TW" dirty="0" smtClean="0"/>
+              <a:t>, </a:t>
+            </a:r>
+            <a:r>
+              <a:rPr lang="zh-TW" altLang="en-US" dirty="0" smtClean="0"/>
+              <a:t>點</a:t>
+            </a:r>
+            <a:r>
+              <a:rPr lang="zh-TW" altLang="en-US" dirty="0" smtClean="0"/>
+              <a:t>擊</a:t>
+            </a:r>
+            <a:r>
+              <a:rPr lang="en-US" altLang="zh-TW" dirty="0" smtClean="0"/>
+              <a:t>”</a:t>
+            </a:r>
+            <a:r>
+              <a:rPr lang="zh-TW" altLang="en-US" dirty="0" smtClean="0"/>
+              <a:t>出貨</a:t>
+            </a:r>
+            <a:r>
+              <a:rPr lang="en-US" altLang="zh-TW" dirty="0" smtClean="0"/>
+              <a:t>”</a:t>
+            </a:r>
+            <a:r>
+              <a:rPr lang="zh-TW" altLang="en-US" dirty="0" smtClean="0"/>
+              <a:t>按鈕後 </a:t>
+            </a:r>
+            <a:r>
+              <a:rPr lang="en-US" altLang="zh-TW" dirty="0" smtClean="0"/>
+              <a:t>, </a:t>
+            </a:r>
+            <a:r>
+              <a:rPr lang="zh-TW" altLang="en-US" dirty="0" smtClean="0"/>
+              <a:t>會跳出需要輸入的文字框</a:t>
+            </a:r>
+            <a:endParaRPr lang="en-US" altLang="zh-TW" dirty="0" smtClean="0"/>
+          </a:p>
+          <a:p>
+            <a:pPr lvl="1"/>
+            <a:r>
+              <a:rPr lang="en-US" altLang="zh-TW" dirty="0" err="1" smtClean="0"/>
+              <a:t>ASN_Number</a:t>
+            </a:r>
+            <a:endParaRPr lang="en-US" altLang="zh-TW" dirty="0" smtClean="0"/>
+          </a:p>
+          <a:p>
+            <a:pPr lvl="1"/>
+            <a:r>
+              <a:rPr lang="en-US" altLang="zh-TW" dirty="0" err="1" smtClean="0"/>
+              <a:t>Purchase_order_number</a:t>
+            </a:r>
+            <a:endParaRPr lang="en-US" altLang="zh-TW" dirty="0" smtClean="0"/>
+          </a:p>
+          <a:p>
+            <a:pPr lvl="1"/>
+            <a:r>
+              <a:rPr lang="en-US" altLang="zh-TW" dirty="0" smtClean="0"/>
+              <a:t>Received date</a:t>
+            </a:r>
+            <a:endParaRPr lang="en-US" altLang="zh-TW" dirty="0" smtClean="0"/>
+          </a:p>
+          <a:p>
+            <a:pPr lvl="1"/>
+            <a:r>
+              <a:rPr lang="en-US" altLang="zh-TW" dirty="0" err="1" smtClean="0"/>
+              <a:t>Shipping_date</a:t>
+            </a:r>
+            <a:endParaRPr lang="en-US" altLang="zh-TW" dirty="0" smtClean="0"/>
+          </a:p>
+          <a:p>
+            <a:pPr lvl="1"/>
+            <a:r>
+              <a:rPr lang="en-US" altLang="zh-TW" dirty="0" err="1" smtClean="0"/>
+              <a:t>Shipping_company_contractor</a:t>
+            </a:r>
+            <a:endParaRPr lang="en-US" altLang="zh-TW" dirty="0" smtClean="0"/>
+          </a:p>
+          <a:p>
+            <a:pPr lvl="1"/>
+            <a:r>
+              <a:rPr lang="en-US" altLang="zh-TW" dirty="0" smtClean="0"/>
+              <a:t>Tracking number</a:t>
+            </a:r>
+          </a:p>
+          <a:p>
+            <a:pPr lvl="1"/>
+            <a:r>
+              <a:rPr lang="zh-TW" altLang="en-US" dirty="0" smtClean="0"/>
+              <a:t>客戶名稱</a:t>
+            </a:r>
+            <a:endParaRPr lang="en-US" altLang="zh-TW" dirty="0" smtClean="0"/>
+          </a:p>
+          <a:p>
+            <a:r>
+              <a:rPr lang="zh-TW" altLang="en-US" dirty="0" smtClean="0"/>
+              <a:t>輸入完成送出後即進行</a:t>
+            </a:r>
+            <a:endParaRPr lang="en-US" altLang="zh-TW" dirty="0" smtClean="0"/>
+          </a:p>
+          <a:p>
+            <a:pPr lvl="1"/>
+            <a:r>
+              <a:rPr lang="zh-TW" altLang="en-US" dirty="0" smtClean="0"/>
+              <a:t>下載</a:t>
+            </a:r>
+            <a:r>
+              <a:rPr lang="en-US" altLang="zh-TW" dirty="0" smtClean="0"/>
+              <a:t>excel</a:t>
+            </a:r>
+            <a:r>
+              <a:rPr lang="zh-TW" altLang="en-US" dirty="0" smtClean="0"/>
+              <a:t>檔 </a:t>
+            </a:r>
+            <a:r>
+              <a:rPr lang="en-US" altLang="zh-TW" dirty="0" smtClean="0"/>
+              <a:t>, </a:t>
+            </a:r>
+            <a:r>
+              <a:rPr lang="zh-TW" altLang="en-US" dirty="0" smtClean="0"/>
+              <a:t>內容為選擇的所有紙箱內容 </a:t>
+            </a:r>
+            <a:r>
+              <a:rPr lang="en-US" altLang="zh-TW" dirty="0" smtClean="0"/>
+              <a:t>, excel</a:t>
+            </a:r>
+            <a:r>
+              <a:rPr lang="zh-TW" altLang="en-US" dirty="0" smtClean="0"/>
+              <a:t>內</a:t>
+            </a:r>
+            <a:r>
+              <a:rPr lang="zh-TW" altLang="en-US" dirty="0" smtClean="0"/>
+              <a:t>的對應欄位</a:t>
+            </a:r>
+            <a:r>
+              <a:rPr lang="zh-TW" altLang="en-US" dirty="0" smtClean="0"/>
+              <a:t>會全部填上上面填入的資料</a:t>
+            </a:r>
+            <a:endParaRPr lang="en-US" altLang="zh-TW" dirty="0" smtClean="0"/>
+          </a:p>
+          <a:p>
+            <a:pPr lvl="1"/>
+            <a:r>
+              <a:rPr lang="zh-TW" altLang="en-US" dirty="0" smtClean="0"/>
+              <a:t>該棧板內的選擇的紙箱移出該棧板</a:t>
+            </a:r>
+            <a:endParaRPr lang="en-US" altLang="zh-TW" dirty="0" smtClean="0"/>
+          </a:p>
+          <a:p>
+            <a:pPr lvl="1"/>
+            <a:r>
+              <a:rPr lang="zh-TW" altLang="en-US" dirty="0" smtClean="0"/>
+              <a:t>選擇的紙箱內容加入到 </a:t>
+            </a:r>
+            <a:r>
+              <a:rPr lang="en-US" altLang="zh-TW" dirty="0" smtClean="0"/>
+              <a:t>“ACI</a:t>
+            </a:r>
+            <a:r>
+              <a:rPr lang="zh-TW" altLang="en-US" dirty="0" smtClean="0"/>
+              <a:t> </a:t>
+            </a:r>
+            <a:r>
+              <a:rPr lang="en-US" altLang="zh-TW" dirty="0" smtClean="0"/>
+              <a:t>-</a:t>
+            </a:r>
+            <a:r>
+              <a:rPr lang="zh-TW" altLang="en-US" dirty="0" smtClean="0"/>
+              <a:t> 已出貨清單</a:t>
+            </a:r>
+            <a:r>
+              <a:rPr lang="en-US" altLang="zh-TW" dirty="0" smtClean="0"/>
+              <a:t>”</a:t>
+            </a:r>
+            <a:r>
+              <a:rPr lang="zh-TW" altLang="en-US" dirty="0" smtClean="0"/>
+              <a:t> 供查詢用</a:t>
+            </a:r>
+            <a:endParaRPr lang="en-US" altLang="zh-TW" dirty="0" smtClean="0"/>
+          </a:p>
+          <a:p>
+            <a:endParaRPr lang="zh-TW" altLang="en-US" dirty="0"/>
+          </a:p>
+        </p:txBody>
+      </p:sp>
     </p:spTree>
     <p:extLst>
       <p:ext uri="{BB962C8B-B14F-4D97-AF65-F5344CB8AC3E}">
-        <p14:creationId xmlns:p14="http://schemas.microsoft.com/office/powerpoint/2010/main" val="3301072960"/>
+        <p14:creationId xmlns:p14="http://schemas.microsoft.com/office/powerpoint/2010/main" val="11689166"/>
       </p:ext>
     </p:extLst>
   </p:cSld>
@@ -7312,28 +7415,33 @@
           <a:lstStyle/>
           <a:p>
             <a:r>
-              <a:rPr lang="zh-TW" altLang="en-US" dirty="0" smtClean="0"/>
-              <a:t>新增</a:t>
-            </a:r>
-            <a:r>
-              <a:rPr lang="en-US" altLang="zh-TW" dirty="0" smtClean="0"/>
-              <a:t>&amp;</a:t>
-            </a:r>
-            <a:r>
-              <a:rPr lang="zh-TW" altLang="en-US" dirty="0" smtClean="0"/>
-              <a:t>編輯 客戶</a:t>
-            </a:r>
-            <a:endParaRPr lang="zh-TW" altLang="en-US" dirty="0"/>
+              <a:rPr lang="en-US" altLang="zh-TW" dirty="0"/>
+              <a:t>ACI</a:t>
+            </a:r>
+            <a:r>
+              <a:rPr lang="zh-TW" altLang="en-US" dirty="0"/>
+              <a:t> 出貨 </a:t>
+            </a:r>
+            <a:r>
+              <a:rPr lang="en-US" altLang="zh-TW" dirty="0"/>
+              <a:t>–</a:t>
+            </a:r>
+            <a:r>
+              <a:rPr lang="zh-TW" altLang="en-US" dirty="0"/>
+              <a:t> </a:t>
+            </a:r>
           </a:p>
         </p:txBody>
       </p:sp>
       <p:pic>
         <p:nvPicPr>
-          <p:cNvPr id="5" name="圖片 4"/>
+          <p:cNvPr id="4" name="內容版面配置區 3"/>
           <p:cNvPicPr>
-            <a:picLocks noChangeAspect="1"/>
+            <a:picLocks noGrp="1" noChangeAspect="1"/>
           </p:cNvPicPr>
-          <p:nvPr/>
+          <p:nvPr>
+            <p:ph idx="1"/>
+          </p:nvPr>
         </p:nvPicPr>
         <p:blipFill>
           <a:blip r:embed="rId2"/>
@@ -7343,8 +7451,8 @@
         </p:blipFill>
         <p:spPr>
           <a:xfrm>
-            <a:off x="-301752" y="1316608"/>
-            <a:ext cx="6545377" cy="3355976"/>
+            <a:off x="180149" y="1393183"/>
+            <a:ext cx="5915851" cy="2381582"/>
           </a:xfrm>
           <a:prstGeom prst="rect">
             <a:avLst/>
@@ -7353,7 +7461,7 @@
       </p:pic>
       <p:pic>
         <p:nvPicPr>
-          <p:cNvPr id="8" name="圖片 7"/>
+          <p:cNvPr id="5" name="圖片 4"/>
           <p:cNvPicPr>
             <a:picLocks noChangeAspect="1"/>
           </p:cNvPicPr>
@@ -7367,18 +7475,54 @@
         </p:blipFill>
         <p:spPr>
           <a:xfrm>
-            <a:off x="6134867" y="3092105"/>
-            <a:ext cx="6343677" cy="3765895"/>
+            <a:off x="6565392" y="1393183"/>
+            <a:ext cx="5091531" cy="5423412"/>
           </a:xfrm>
           <a:prstGeom prst="rect">
             <a:avLst/>
           </a:prstGeom>
         </p:spPr>
       </p:pic>
+      <p:cxnSp>
+        <p:nvCxnSpPr>
+          <p:cNvPr id="7" name="直線單箭頭接點 6"/>
+          <p:cNvCxnSpPr/>
+          <p:nvPr/>
+        </p:nvCxnSpPr>
+        <p:spPr>
+          <a:xfrm>
+            <a:off x="1453896" y="1690688"/>
+            <a:ext cx="4828032" cy="348424"/>
+          </a:xfrm>
+          <a:prstGeom prst="straightConnector1">
+            <a:avLst/>
+          </a:prstGeom>
+          <a:ln>
+            <a:solidFill>
+              <a:srgbClr val="FF0000"/>
+            </a:solidFill>
+            <a:tailEnd type="triangle"/>
+          </a:ln>
+        </p:spPr>
+        <p:style>
+          <a:lnRef idx="1">
+            <a:schemeClr val="accent1"/>
+          </a:lnRef>
+          <a:fillRef idx="0">
+            <a:schemeClr val="accent1"/>
+          </a:fillRef>
+          <a:effectRef idx="0">
+            <a:schemeClr val="accent1"/>
+          </a:effectRef>
+          <a:fontRef idx="minor">
+            <a:schemeClr val="tx1"/>
+          </a:fontRef>
+        </p:style>
+      </p:cxnSp>
     </p:spTree>
     <p:extLst>
       <p:ext uri="{BB962C8B-B14F-4D97-AF65-F5344CB8AC3E}">
-        <p14:creationId xmlns:p14="http://schemas.microsoft.com/office/powerpoint/2010/main" val="3528428118"/>
+        <p14:creationId xmlns:p14="http://schemas.microsoft.com/office/powerpoint/2010/main" val="3411306952"/>
       </p:ext>
     </p:extLst>
   </p:cSld>
@@ -7518,22 +7662,19 @@
           <a:lstStyle/>
           <a:p>
             <a:r>
-              <a:rPr lang="zh-TW" altLang="en-US" dirty="0" smtClean="0"/>
+              <a:rPr lang="zh-TW" altLang="en-US" dirty="0"/>
               <a:t>已出貨清單</a:t>
             </a:r>
-            <a:endParaRPr lang="zh-TW" altLang="en-US" dirty="0"/>
           </a:p>
         </p:txBody>
       </p:sp>
       <p:pic>
         <p:nvPicPr>
-          <p:cNvPr id="4" name="內容版面配置區 3"/>
+          <p:cNvPr id="5" name="圖片 4"/>
           <p:cNvPicPr>
-            <a:picLocks noGrp="1" noChangeAspect="1"/>
+            <a:picLocks noChangeAspect="1"/>
           </p:cNvPicPr>
-          <p:nvPr>
-            <p:ph idx="1"/>
-          </p:nvPr>
+          <p:nvPr/>
         </p:nvPicPr>
         <p:blipFill>
           <a:blip r:embed="rId2"/>
@@ -7543,18 +7684,82 @@
         </p:blipFill>
         <p:spPr>
           <a:xfrm>
-            <a:off x="512124" y="2212848"/>
-            <a:ext cx="11167752" cy="2878449"/>
+            <a:off x="24413" y="1882477"/>
+            <a:ext cx="6071587" cy="2965029"/>
           </a:xfrm>
           <a:prstGeom prst="rect">
             <a:avLst/>
           </a:prstGeom>
         </p:spPr>
       </p:pic>
+      <p:pic>
+        <p:nvPicPr>
+          <p:cNvPr id="6" name="圖片 5"/>
+          <p:cNvPicPr>
+            <a:picLocks noChangeAspect="1"/>
+          </p:cNvPicPr>
+          <p:nvPr/>
+        </p:nvPicPr>
+        <p:blipFill>
+          <a:blip r:embed="rId3"/>
+          <a:stretch>
+            <a:fillRect/>
+          </a:stretch>
+        </p:blipFill>
+        <p:spPr>
+          <a:xfrm>
+            <a:off x="4370703" y="3867911"/>
+            <a:ext cx="7710951" cy="2901777"/>
+          </a:xfrm>
+          <a:prstGeom prst="rect">
+            <a:avLst/>
+          </a:prstGeom>
+        </p:spPr>
+      </p:pic>
+      <p:sp>
+        <p:nvSpPr>
+          <p:cNvPr id="9" name="矩形 8"/>
+          <p:cNvSpPr/>
+          <p:nvPr/>
+        </p:nvSpPr>
+        <p:spPr>
+          <a:xfrm>
+            <a:off x="24413" y="2807208"/>
+            <a:ext cx="167611" cy="64008"/>
+          </a:xfrm>
+          <a:prstGeom prst="rect">
+            <a:avLst/>
+          </a:prstGeom>
+        </p:spPr>
+        <p:style>
+          <a:lnRef idx="2">
+            <a:schemeClr val="accent1">
+              <a:shade val="50000"/>
+            </a:schemeClr>
+          </a:lnRef>
+          <a:fillRef idx="1">
+            <a:schemeClr val="accent1"/>
+          </a:fillRef>
+          <a:effectRef idx="0">
+            <a:schemeClr val="accent1"/>
+          </a:effectRef>
+          <a:fontRef idx="minor">
+            <a:schemeClr val="lt1"/>
+          </a:fontRef>
+        </p:style>
+        <p:txBody>
+          <a:bodyPr rtlCol="0" anchor="ctr"/>
+          <a:lstStyle/>
+          <a:p>
+            <a:pPr algn="ctr"/>
+            <a:endParaRPr lang="zh-TW" altLang="en-US"/>
+          </a:p>
+        </p:txBody>
+      </p:sp>
     </p:spTree>
     <p:extLst>
       <p:ext uri="{BB962C8B-B14F-4D97-AF65-F5344CB8AC3E}">
-        <p14:creationId xmlns:p14="http://schemas.microsoft.com/office/powerpoint/2010/main" val="997669727"/>
+        <p14:creationId xmlns:p14="http://schemas.microsoft.com/office/powerpoint/2010/main" val="1185034283"/>
       </p:ext>
     </p:extLst>
   </p:cSld>
@@ -7848,15 +8053,7 @@
           <a:p>
             <a:r>
               <a:rPr lang="zh-TW" altLang="en-US" dirty="0" smtClean="0"/>
-              <a:t>建立達運</a:t>
-            </a:r>
-            <a:r>
-              <a:rPr lang="zh-TW" altLang="en-US" dirty="0" smtClean="0"/>
-              <a:t>料號</a:t>
-            </a:r>
-            <a:r>
-              <a:rPr lang="zh-TW" altLang="en-US" dirty="0" smtClean="0"/>
-              <a:t>和</a:t>
+              <a:t>建立達運料號和</a:t>
             </a:r>
             <a:r>
               <a:rPr lang="en-US" altLang="zh-TW" dirty="0" smtClean="0"/>
@@ -8181,6 +8378,33 @@
       </p:grpSpPr>
       <p:sp>
         <p:nvSpPr>
+          <p:cNvPr id="2" name="標題 1"/>
+          <p:cNvSpPr>
+            <a:spLocks noGrp="1"/>
+          </p:cNvSpPr>
+          <p:nvPr>
+            <p:ph type="title"/>
+          </p:nvPr>
+        </p:nvSpPr>
+        <p:spPr/>
+        <p:txBody>
+          <a:bodyPr/>
+          <a:lstStyle/>
+          <a:p>
+            <a:r>
+              <a:rPr lang="en-US" altLang="zh-TW" dirty="0" smtClean="0"/>
+              <a:t>ACI – </a:t>
+            </a:r>
+            <a:r>
+              <a:rPr lang="zh-TW" altLang="en-US" dirty="0" smtClean="0"/>
+              <a:t>客戶設定</a:t>
+            </a:r>
+            <a:endParaRPr lang="zh-TW" altLang="en-US" dirty="0"/>
+          </a:p>
+        </p:txBody>
+      </p:sp>
+      <p:sp>
+        <p:nvSpPr>
           <p:cNvPr id="3" name="內容版面配置區 2"/>
           <p:cNvSpPr>
             <a:spLocks noGrp="1"/>
@@ -8189,146 +8413,36 @@
             <p:ph idx="1"/>
           </p:nvPr>
         </p:nvSpPr>
-        <p:spPr>
-          <a:xfrm>
-            <a:off x="691896" y="2200529"/>
-            <a:ext cx="10515600" cy="4351338"/>
-          </a:xfrm>
-        </p:spPr>
+        <p:spPr/>
         <p:txBody>
           <a:bodyPr/>
           <a:lstStyle/>
           <a:p>
-            <a:pPr marL="0" indent="0">
-              <a:buNone/>
-            </a:pPr>
-            <a:r>
-              <a:rPr lang="zh-TW" altLang="en-US" dirty="0" smtClean="0"/>
-              <a:t>達運出貨  </a:t>
+            <a:r>
+              <a:rPr lang="zh-TW" altLang="en-US" dirty="0" smtClean="0"/>
+              <a:t>新增客戶</a:t>
             </a:r>
             <a:endParaRPr lang="en-US" altLang="zh-TW" dirty="0" smtClean="0"/>
           </a:p>
           <a:p>
-            <a:pPr marL="0" indent="0">
-              <a:buNone/>
-            </a:pPr>
-            <a:r>
-              <a:rPr lang="en-US" altLang="zh-TW" dirty="0" smtClean="0"/>
-              <a:t>-</a:t>
-            </a:r>
-            <a:r>
-              <a:rPr lang="zh-TW" altLang="en-US" dirty="0" smtClean="0"/>
-              <a:t> 可產生貼在棧板上的條碼</a:t>
-            </a:r>
-            <a:r>
-              <a:rPr lang="en-US" altLang="zh-TW" dirty="0" smtClean="0"/>
-              <a:t>.</a:t>
-            </a:r>
-            <a:r>
-              <a:rPr lang="en-US" altLang="zh-TW" dirty="0" err="1" smtClean="0"/>
-              <a:t>png</a:t>
-            </a:r>
-            <a:r>
-              <a:rPr lang="zh-TW" altLang="en-US" dirty="0" smtClean="0"/>
-              <a:t>檔</a:t>
+            <a:r>
+              <a:rPr lang="zh-TW" altLang="en-US" dirty="0" smtClean="0"/>
+              <a:t>編輯</a:t>
             </a:r>
             <a:endParaRPr lang="en-US" altLang="zh-TW" dirty="0" smtClean="0"/>
           </a:p>
           <a:p>
-            <a:pPr marL="0" indent="0">
-              <a:buNone/>
-            </a:pPr>
-            <a:r>
-              <a:rPr lang="zh-TW" altLang="en-US" dirty="0" smtClean="0"/>
-              <a:t> </a:t>
-            </a:r>
-            <a:r>
-              <a:rPr lang="en-US" altLang="zh-TW" dirty="0" smtClean="0"/>
-              <a:t>(</a:t>
-            </a:r>
-            <a:r>
-              <a:rPr lang="zh-TW" altLang="en-US" dirty="0" smtClean="0"/>
-              <a:t> 棧板條碼編碼方式目前是使用</a:t>
-            </a:r>
-            <a:r>
-              <a:rPr lang="en-US" altLang="zh-TW" dirty="0" smtClean="0"/>
-              <a:t>“</a:t>
-            </a:r>
-            <a:r>
-              <a:rPr lang="zh-TW" altLang="en-US" dirty="0" smtClean="0"/>
-              <a:t>達運料號</a:t>
-            </a:r>
-            <a:r>
-              <a:rPr lang="en-US" altLang="zh-TW" dirty="0" smtClean="0"/>
-              <a:t>”+”</a:t>
-            </a:r>
-            <a:r>
-              <a:rPr lang="zh-TW" altLang="en-US" dirty="0" smtClean="0"/>
-              <a:t>當</a:t>
-            </a:r>
             <a:r>
               <a:rPr lang="zh-TW" altLang="en-US" dirty="0"/>
-              <a:t>時的</a:t>
-            </a:r>
-            <a:r>
-              <a:rPr lang="zh-TW" altLang="en-US" dirty="0" smtClean="0"/>
-              <a:t>日期時間</a:t>
-            </a:r>
-            <a:r>
-              <a:rPr lang="en-US" altLang="zh-TW" dirty="0" smtClean="0"/>
-              <a:t>“</a:t>
-            </a:r>
-            <a:r>
-              <a:rPr lang="zh-TW" altLang="en-US" dirty="0" smtClean="0"/>
-              <a:t>的唯一值 </a:t>
-            </a:r>
-            <a:r>
-              <a:rPr lang="en-US" altLang="zh-TW" dirty="0" smtClean="0"/>
-              <a:t>)</a:t>
-            </a:r>
-          </a:p>
-        </p:txBody>
-      </p:sp>
-      <p:sp>
-        <p:nvSpPr>
-          <p:cNvPr id="4" name="標題 1"/>
-          <p:cNvSpPr>
-            <a:spLocks noGrp="1"/>
-          </p:cNvSpPr>
-          <p:nvPr>
-            <p:ph type="title"/>
-          </p:nvPr>
-        </p:nvSpPr>
-        <p:spPr>
-          <a:xfrm>
-            <a:off x="627888" y="291973"/>
-            <a:ext cx="10515600" cy="1325563"/>
-          </a:xfrm>
-        </p:spPr>
-        <p:txBody>
-          <a:bodyPr/>
-          <a:lstStyle/>
-          <a:p>
-            <a:r>
-              <a:rPr lang="zh-TW" altLang="en-US" dirty="0" smtClean="0"/>
-              <a:t>達運 </a:t>
-            </a:r>
-            <a:r>
-              <a:rPr lang="en-US" altLang="zh-TW" dirty="0" smtClean="0"/>
-              <a:t>–</a:t>
-            </a:r>
-            <a:r>
-              <a:rPr lang="zh-TW" altLang="en-US" dirty="0" smtClean="0"/>
-              <a:t> 出貨</a:t>
-            </a:r>
-            <a:endParaRPr lang="zh-TW" altLang="en-US" dirty="0"/>
+              <a:t>刪除</a:t>
+            </a:r>
           </a:p>
         </p:txBody>
       </p:sp>
     </p:spTree>
     <p:extLst>
       <p:ext uri="{BB962C8B-B14F-4D97-AF65-F5344CB8AC3E}">
-        <p14:creationId xmlns:p14="http://schemas.microsoft.com/office/powerpoint/2010/main" val="2017612432"/>
+        <p14:creationId xmlns:p14="http://schemas.microsoft.com/office/powerpoint/2010/main" val="1138556879"/>
       </p:ext>
     </p:extLst>
   </p:cSld>
@@ -8362,6 +8476,33 @@
           <a:chExt cx="0" cy="0"/>
         </a:xfrm>
       </p:grpSpPr>
+      <p:sp>
+        <p:nvSpPr>
+          <p:cNvPr id="2" name="標題 1"/>
+          <p:cNvSpPr>
+            <a:spLocks noGrp="1"/>
+          </p:cNvSpPr>
+          <p:nvPr>
+            <p:ph type="title"/>
+          </p:nvPr>
+        </p:nvSpPr>
+        <p:spPr/>
+        <p:txBody>
+          <a:bodyPr/>
+          <a:lstStyle/>
+          <a:p>
+            <a:r>
+              <a:rPr lang="en-US" altLang="zh-TW" dirty="0" smtClean="0"/>
+              <a:t>ACI – </a:t>
+            </a:r>
+            <a:r>
+              <a:rPr lang="zh-TW" altLang="en-US" dirty="0" smtClean="0"/>
+              <a:t>客戶設定</a:t>
+            </a:r>
+            <a:endParaRPr lang="zh-TW" altLang="en-US" dirty="0"/>
+          </a:p>
+        </p:txBody>
+      </p:sp>
       <p:pic>
         <p:nvPicPr>
           <p:cNvPr id="5" name="圖片 4"/>
@@ -8378,155 +8519,18 @@
         </p:blipFill>
         <p:spPr>
           <a:xfrm>
-            <a:off x="110369" y="1234440"/>
-            <a:ext cx="4892760" cy="4243996"/>
+            <a:off x="434405" y="1690688"/>
+            <a:ext cx="11821603" cy="4348864"/>
           </a:xfrm>
           <a:prstGeom prst="rect">
             <a:avLst/>
           </a:prstGeom>
         </p:spPr>
       </p:pic>
-      <p:pic>
-        <p:nvPicPr>
-          <p:cNvPr id="6" name="圖片 5"/>
-          <p:cNvPicPr>
-            <a:picLocks noChangeAspect="1"/>
-          </p:cNvPicPr>
-          <p:nvPr/>
-        </p:nvPicPr>
-        <p:blipFill>
-          <a:blip r:embed="rId3"/>
-          <a:stretch>
-            <a:fillRect/>
-          </a:stretch>
-        </p:blipFill>
-        <p:spPr>
-          <a:xfrm>
-            <a:off x="5661379" y="2368296"/>
-            <a:ext cx="6530621" cy="4590288"/>
-          </a:xfrm>
-          <a:prstGeom prst="rect">
-            <a:avLst/>
-          </a:prstGeom>
-        </p:spPr>
-      </p:pic>
-      <p:sp>
-        <p:nvSpPr>
-          <p:cNvPr id="8" name="標題 1"/>
-          <p:cNvSpPr>
-            <a:spLocks noGrp="1"/>
-          </p:cNvSpPr>
-          <p:nvPr>
-            <p:ph type="title"/>
-          </p:nvPr>
-        </p:nvSpPr>
-        <p:spPr>
-          <a:xfrm>
-            <a:off x="838200" y="81661"/>
-            <a:ext cx="10515600" cy="1325563"/>
-          </a:xfrm>
-        </p:spPr>
-        <p:txBody>
-          <a:bodyPr/>
-          <a:lstStyle/>
-          <a:p>
-            <a:r>
-              <a:rPr lang="zh-TW" altLang="en-US" dirty="0" smtClean="0"/>
-              <a:t>達運 </a:t>
-            </a:r>
-            <a:r>
-              <a:rPr lang="en-US" altLang="zh-TW" dirty="0" smtClean="0"/>
-              <a:t>–</a:t>
-            </a:r>
-            <a:r>
-              <a:rPr lang="zh-TW" altLang="en-US" dirty="0" smtClean="0"/>
-              <a:t> 出貨</a:t>
-            </a:r>
-            <a:endParaRPr lang="zh-TW" altLang="en-US" dirty="0"/>
-          </a:p>
-        </p:txBody>
-      </p:sp>
-      <p:cxnSp>
-        <p:nvCxnSpPr>
-          <p:cNvPr id="10" name="直線單箭頭接點 9"/>
-          <p:cNvCxnSpPr/>
-          <p:nvPr/>
-        </p:nvCxnSpPr>
-        <p:spPr>
-          <a:xfrm>
-            <a:off x="5084064" y="2889504"/>
-            <a:ext cx="365760" cy="9144"/>
-          </a:xfrm>
-          <a:prstGeom prst="straightConnector1">
-            <a:avLst/>
-          </a:prstGeom>
-          <a:ln>
-            <a:solidFill>
-              <a:srgbClr val="FF0000"/>
-            </a:solidFill>
-            <a:tailEnd type="triangle"/>
-          </a:ln>
-        </p:spPr>
-        <p:style>
-          <a:lnRef idx="1">
-            <a:schemeClr val="accent1"/>
-          </a:lnRef>
-          <a:fillRef idx="0">
-            <a:schemeClr val="accent1"/>
-          </a:fillRef>
-          <a:effectRef idx="0">
-            <a:schemeClr val="accent1"/>
-          </a:effectRef>
-          <a:fontRef idx="minor">
-            <a:schemeClr val="tx1"/>
-          </a:fontRef>
-        </p:style>
-      </p:cxnSp>
-      <p:sp>
-        <p:nvSpPr>
-          <p:cNvPr id="11" name="矩形 10"/>
-          <p:cNvSpPr/>
-          <p:nvPr/>
-        </p:nvSpPr>
-        <p:spPr>
-          <a:xfrm>
-            <a:off x="110369" y="1234440"/>
-            <a:ext cx="4892760" cy="4105656"/>
-          </a:xfrm>
-          <a:prstGeom prst="rect">
-            <a:avLst/>
-          </a:prstGeom>
-          <a:noFill/>
-        </p:spPr>
-        <p:style>
-          <a:lnRef idx="2">
-            <a:schemeClr val="accent1">
-              <a:shade val="50000"/>
-            </a:schemeClr>
-          </a:lnRef>
-          <a:fillRef idx="1">
-            <a:schemeClr val="accent1"/>
-          </a:fillRef>
-          <a:effectRef idx="0">
-            <a:schemeClr val="accent1"/>
-          </a:effectRef>
-          <a:fontRef idx="minor">
-            <a:schemeClr val="lt1"/>
-          </a:fontRef>
-        </p:style>
-        <p:txBody>
-          <a:bodyPr rtlCol="0" anchor="ctr"/>
-          <a:lstStyle/>
-          <a:p>
-            <a:pPr algn="ctr"/>
-            <a:endParaRPr lang="zh-TW" altLang="en-US"/>
-          </a:p>
-        </p:txBody>
-      </p:sp>
     </p:spTree>
     <p:extLst>
       <p:ext uri="{BB962C8B-B14F-4D97-AF65-F5344CB8AC3E}">
-        <p14:creationId xmlns:p14="http://schemas.microsoft.com/office/powerpoint/2010/main" val="2484429422"/>
+        <p14:creationId xmlns:p14="http://schemas.microsoft.com/office/powerpoint/2010/main" val="3301072960"/>
       </p:ext>
     </p:extLst>
   </p:cSld>
@@ -8560,9 +8564,40 @@
           <a:chExt cx="0" cy="0"/>
         </a:xfrm>
       </p:grpSpPr>
+      <p:sp>
+        <p:nvSpPr>
+          <p:cNvPr id="2" name="標題 1"/>
+          <p:cNvSpPr>
+            <a:spLocks noGrp="1"/>
+          </p:cNvSpPr>
+          <p:nvPr>
+            <p:ph type="title"/>
+          </p:nvPr>
+        </p:nvSpPr>
+        <p:spPr/>
+        <p:txBody>
+          <a:bodyPr/>
+          <a:lstStyle/>
+          <a:p>
+            <a:r>
+              <a:rPr lang="zh-TW" altLang="en-US" dirty="0" smtClean="0"/>
+              <a:t>新增</a:t>
+            </a:r>
+            <a:r>
+              <a:rPr lang="en-US" altLang="zh-TW" dirty="0" smtClean="0"/>
+              <a:t>&amp;</a:t>
+            </a:r>
+            <a:r>
+              <a:rPr lang="zh-TW" altLang="en-US" dirty="0" smtClean="0"/>
+              <a:t>編輯 客戶</a:t>
+            </a:r>
+            <a:endParaRPr lang="zh-TW" altLang="en-US" dirty="0"/>
+          </a:p>
+        </p:txBody>
+      </p:sp>
       <p:pic>
         <p:nvPicPr>
-          <p:cNvPr id="4" name="圖片 3"/>
+          <p:cNvPr id="5" name="圖片 4"/>
           <p:cNvPicPr>
             <a:picLocks noChangeAspect="1"/>
           </p:cNvPicPr>
@@ -8576,8 +8611,8 @@
         </p:blipFill>
         <p:spPr>
           <a:xfrm>
-            <a:off x="0" y="1133857"/>
-            <a:ext cx="6896831" cy="5212080"/>
+            <a:off x="-301752" y="1316608"/>
+            <a:ext cx="6545377" cy="3355976"/>
           </a:xfrm>
           <a:prstGeom prst="rect">
             <a:avLst/>
@@ -8586,7 +8621,7 @@
       </p:pic>
       <p:pic>
         <p:nvPicPr>
-          <p:cNvPr id="7" name="圖片 6"/>
+          <p:cNvPr id="8" name="圖片 7"/>
           <p:cNvPicPr>
             <a:picLocks noChangeAspect="1"/>
           </p:cNvPicPr>
@@ -8600,192 +8635,18 @@
         </p:blipFill>
         <p:spPr>
           <a:xfrm>
-            <a:off x="7657893" y="1069848"/>
-            <a:ext cx="4232355" cy="1737360"/>
+            <a:off x="6134867" y="3092105"/>
+            <a:ext cx="6343677" cy="3765895"/>
           </a:xfrm>
           <a:prstGeom prst="rect">
             <a:avLst/>
           </a:prstGeom>
         </p:spPr>
       </p:pic>
-      <p:pic>
-        <p:nvPicPr>
-          <p:cNvPr id="8" name="圖片 7"/>
-          <p:cNvPicPr>
-            <a:picLocks noChangeAspect="1"/>
-          </p:cNvPicPr>
-          <p:nvPr/>
-        </p:nvPicPr>
-        <p:blipFill>
-          <a:blip r:embed="rId4"/>
-          <a:stretch>
-            <a:fillRect/>
-          </a:stretch>
-        </p:blipFill>
-        <p:spPr>
-          <a:xfrm>
-            <a:off x="7384438" y="4361688"/>
-            <a:ext cx="4779264" cy="855601"/>
-          </a:xfrm>
-          <a:prstGeom prst="rect">
-            <a:avLst/>
-          </a:prstGeom>
-        </p:spPr>
-      </p:pic>
-      <p:sp>
-        <p:nvSpPr>
-          <p:cNvPr id="9" name="標題 1"/>
-          <p:cNvSpPr>
-            <a:spLocks noGrp="1"/>
-          </p:cNvSpPr>
-          <p:nvPr>
-            <p:ph type="title"/>
-          </p:nvPr>
-        </p:nvSpPr>
-        <p:spPr>
-          <a:xfrm>
-            <a:off x="838200" y="81661"/>
-            <a:ext cx="10515600" cy="1325563"/>
-          </a:xfrm>
-        </p:spPr>
-        <p:txBody>
-          <a:bodyPr/>
-          <a:lstStyle/>
-          <a:p>
-            <a:r>
-              <a:rPr lang="zh-TW" altLang="en-US" dirty="0" smtClean="0"/>
-              <a:t>達運 </a:t>
-            </a:r>
-            <a:r>
-              <a:rPr lang="en-US" altLang="zh-TW" dirty="0" smtClean="0"/>
-              <a:t>–</a:t>
-            </a:r>
-            <a:r>
-              <a:rPr lang="zh-TW" altLang="en-US" dirty="0" smtClean="0"/>
-              <a:t> 出貨</a:t>
-            </a:r>
-            <a:endParaRPr lang="zh-TW" altLang="en-US" dirty="0"/>
-          </a:p>
-        </p:txBody>
-      </p:sp>
-      <p:cxnSp>
-        <p:nvCxnSpPr>
-          <p:cNvPr id="11" name="直線單箭頭接點 10"/>
-          <p:cNvCxnSpPr/>
-          <p:nvPr/>
-        </p:nvCxnSpPr>
-        <p:spPr>
-          <a:xfrm flipV="1">
-            <a:off x="6896831" y="2130552"/>
-            <a:ext cx="761062" cy="9144"/>
-          </a:xfrm>
-          <a:prstGeom prst="straightConnector1">
-            <a:avLst/>
-          </a:prstGeom>
-          <a:ln>
-            <a:solidFill>
-              <a:srgbClr val="FF0000"/>
-            </a:solidFill>
-            <a:tailEnd type="triangle"/>
-          </a:ln>
-        </p:spPr>
-        <p:style>
-          <a:lnRef idx="1">
-            <a:schemeClr val="accent1"/>
-          </a:lnRef>
-          <a:fillRef idx="0">
-            <a:schemeClr val="accent1"/>
-          </a:fillRef>
-          <a:effectRef idx="0">
-            <a:schemeClr val="accent1"/>
-          </a:effectRef>
-          <a:fontRef idx="minor">
-            <a:schemeClr val="tx1"/>
-          </a:fontRef>
-        </p:style>
-      </p:cxnSp>
-      <p:cxnSp>
-        <p:nvCxnSpPr>
-          <p:cNvPr id="13" name="直線單箭頭接點 12"/>
-          <p:cNvCxnSpPr/>
-          <p:nvPr/>
-        </p:nvCxnSpPr>
-        <p:spPr>
-          <a:xfrm>
-            <a:off x="6896831" y="3236976"/>
-            <a:ext cx="848137" cy="1051560"/>
-          </a:xfrm>
-          <a:prstGeom prst="straightConnector1">
-            <a:avLst/>
-          </a:prstGeom>
-          <a:ln>
-            <a:solidFill>
-              <a:srgbClr val="FF0000"/>
-            </a:solidFill>
-            <a:tailEnd type="triangle"/>
-          </a:ln>
-        </p:spPr>
-        <p:style>
-          <a:lnRef idx="1">
-            <a:schemeClr val="accent1"/>
-          </a:lnRef>
-          <a:fillRef idx="0">
-            <a:schemeClr val="accent1"/>
-          </a:fillRef>
-          <a:effectRef idx="0">
-            <a:schemeClr val="accent1"/>
-          </a:effectRef>
-          <a:fontRef idx="minor">
-            <a:schemeClr val="tx1"/>
-          </a:fontRef>
-        </p:style>
-      </p:cxnSp>
-      <p:sp>
-        <p:nvSpPr>
-          <p:cNvPr id="14" name="文字方塊 13"/>
-          <p:cNvSpPr txBox="1"/>
-          <p:nvPr/>
-        </p:nvSpPr>
-        <p:spPr>
-          <a:xfrm>
-            <a:off x="8165592" y="5733288"/>
-            <a:ext cx="3602736" cy="369332"/>
-          </a:xfrm>
-          <a:prstGeom prst="rect">
-            <a:avLst/>
-          </a:prstGeom>
-          <a:noFill/>
-        </p:spPr>
-        <p:txBody>
-          <a:bodyPr wrap="square" rtlCol="0">
-            <a:spAutoFit/>
-          </a:bodyPr>
-          <a:lstStyle/>
-          <a:p>
-            <a:r>
-              <a:rPr lang="zh-TW" altLang="en-US" dirty="0" smtClean="0"/>
-              <a:t>產生</a:t>
-            </a:r>
-            <a:r>
-              <a:rPr lang="en-US" altLang="zh-TW" dirty="0" smtClean="0"/>
-              <a:t>.</a:t>
-            </a:r>
-            <a:r>
-              <a:rPr lang="en-US" altLang="zh-TW" dirty="0" err="1" smtClean="0"/>
-              <a:t>png</a:t>
-            </a:r>
-            <a:r>
-              <a:rPr lang="zh-TW" altLang="en-US" dirty="0" smtClean="0"/>
-              <a:t>檔 以及得知 棧板條碼</a:t>
-            </a:r>
-            <a:endParaRPr lang="zh-TW" altLang="en-US" dirty="0"/>
-          </a:p>
-        </p:txBody>
-      </p:sp>
     </p:spTree>
     <p:extLst>
       <p:ext uri="{BB962C8B-B14F-4D97-AF65-F5344CB8AC3E}">
-        <p14:creationId xmlns:p14="http://schemas.microsoft.com/office/powerpoint/2010/main" val="984780520"/>
+        <p14:creationId xmlns:p14="http://schemas.microsoft.com/office/powerpoint/2010/main" val="3528428118"/>
       </p:ext>
     </p:extLst>
   </p:cSld>

--- a/ACI庫存操作.pptx
+++ b/ACI庫存操作.pptx
@@ -34,6 +34,8 @@
     <p:sldId id="286" r:id="rId28"/>
     <p:sldId id="278" r:id="rId29"/>
     <p:sldId id="285" r:id="rId30"/>
+    <p:sldId id="290" r:id="rId31"/>
+    <p:sldId id="289" r:id="rId32"/>
   </p:sldIdLst>
   <p:sldSz cx="12192000" cy="6858000"/>
   <p:notesSz cx="6858000" cy="9144000"/>
@@ -271,7 +273,7 @@
           <a:p>
             <a:fld id="{0BF83F52-7D59-45B5-B017-ABEB8042948F}" type="datetimeFigureOut">
               <a:rPr lang="zh-TW" altLang="en-US" smtClean="0"/>
-              <a:t>2025/4/11</a:t>
+              <a:t>2025/4/17</a:t>
             </a:fld>
             <a:endParaRPr lang="zh-TW" altLang="en-US"/>
           </a:p>
@@ -448,7 +450,7 @@
           <a:p>
             <a:fld id="{0BF83F52-7D59-45B5-B017-ABEB8042948F}" type="datetimeFigureOut">
               <a:rPr lang="zh-TW" altLang="en-US" smtClean="0"/>
-              <a:t>2025/4/11</a:t>
+              <a:t>2025/4/17</a:t>
             </a:fld>
             <a:endParaRPr lang="zh-TW" altLang="en-US"/>
           </a:p>
@@ -628,7 +630,7 @@
           <a:p>
             <a:fld id="{0BF83F52-7D59-45B5-B017-ABEB8042948F}" type="datetimeFigureOut">
               <a:rPr lang="zh-TW" altLang="en-US" smtClean="0"/>
-              <a:t>2025/4/11</a:t>
+              <a:t>2025/4/17</a:t>
             </a:fld>
             <a:endParaRPr lang="zh-TW" altLang="en-US"/>
           </a:p>
@@ -798,7 +800,7 @@
           <a:p>
             <a:fld id="{0BF83F52-7D59-45B5-B017-ABEB8042948F}" type="datetimeFigureOut">
               <a:rPr lang="zh-TW" altLang="en-US" smtClean="0"/>
-              <a:t>2025/4/11</a:t>
+              <a:t>2025/4/17</a:t>
             </a:fld>
             <a:endParaRPr lang="zh-TW" altLang="en-US"/>
           </a:p>
@@ -1051,7 +1053,7 @@
           <a:p>
             <a:fld id="{0BF83F52-7D59-45B5-B017-ABEB8042948F}" type="datetimeFigureOut">
               <a:rPr lang="zh-TW" altLang="en-US" smtClean="0"/>
-              <a:t>2025/4/11</a:t>
+              <a:t>2025/4/17</a:t>
             </a:fld>
             <a:endParaRPr lang="zh-TW" altLang="en-US"/>
           </a:p>
@@ -1290,7 +1292,7 @@
           <a:p>
             <a:fld id="{0BF83F52-7D59-45B5-B017-ABEB8042948F}" type="datetimeFigureOut">
               <a:rPr lang="zh-TW" altLang="en-US" smtClean="0"/>
-              <a:t>2025/4/11</a:t>
+              <a:t>2025/4/17</a:t>
             </a:fld>
             <a:endParaRPr lang="zh-TW" altLang="en-US"/>
           </a:p>
@@ -1664,7 +1666,7 @@
           <a:p>
             <a:fld id="{0BF83F52-7D59-45B5-B017-ABEB8042948F}" type="datetimeFigureOut">
               <a:rPr lang="zh-TW" altLang="en-US" smtClean="0"/>
-              <a:t>2025/4/11</a:t>
+              <a:t>2025/4/17</a:t>
             </a:fld>
             <a:endParaRPr lang="zh-TW" altLang="en-US"/>
           </a:p>
@@ -1789,7 +1791,7 @@
           <a:p>
             <a:fld id="{0BF83F52-7D59-45B5-B017-ABEB8042948F}" type="datetimeFigureOut">
               <a:rPr lang="zh-TW" altLang="en-US" smtClean="0"/>
-              <a:t>2025/4/11</a:t>
+              <a:t>2025/4/17</a:t>
             </a:fld>
             <a:endParaRPr lang="zh-TW" altLang="en-US"/>
           </a:p>
@@ -1891,7 +1893,7 @@
           <a:p>
             <a:fld id="{0BF83F52-7D59-45B5-B017-ABEB8042948F}" type="datetimeFigureOut">
               <a:rPr lang="zh-TW" altLang="en-US" smtClean="0"/>
-              <a:t>2025/4/11</a:t>
+              <a:t>2025/4/17</a:t>
             </a:fld>
             <a:endParaRPr lang="zh-TW" altLang="en-US"/>
           </a:p>
@@ -2175,7 +2177,7 @@
           <a:p>
             <a:fld id="{0BF83F52-7D59-45B5-B017-ABEB8042948F}" type="datetimeFigureOut">
               <a:rPr lang="zh-TW" altLang="en-US" smtClean="0"/>
-              <a:t>2025/4/11</a:t>
+              <a:t>2025/4/17</a:t>
             </a:fld>
             <a:endParaRPr lang="zh-TW" altLang="en-US"/>
           </a:p>
@@ -2435,7 +2437,7 @@
           <a:p>
             <a:fld id="{0BF83F52-7D59-45B5-B017-ABEB8042948F}" type="datetimeFigureOut">
               <a:rPr lang="zh-TW" altLang="en-US" smtClean="0"/>
-              <a:t>2025/4/11</a:t>
+              <a:t>2025/4/17</a:t>
             </a:fld>
             <a:endParaRPr lang="zh-TW" altLang="en-US"/>
           </a:p>
@@ -2655,7 +2657,7 @@
           <a:p>
             <a:fld id="{0BF83F52-7D59-45B5-B017-ABEB8042948F}" type="datetimeFigureOut">
               <a:rPr lang="zh-TW" altLang="en-US" smtClean="0"/>
-              <a:t>2025/4/11</a:t>
+              <a:t>2025/4/17</a:t>
             </a:fld>
             <a:endParaRPr lang="zh-TW" altLang="en-US"/>
           </a:p>
@@ -3153,8 +3155,8 @@
         </p:nvSpPr>
         <p:spPr>
           <a:xfrm>
-            <a:off x="838200" y="1825625"/>
-            <a:ext cx="10515600" cy="4351338"/>
+            <a:off x="838200" y="1825624"/>
+            <a:ext cx="10515600" cy="4876927"/>
           </a:xfrm>
           <a:prstGeom prst="rect">
             <a:avLst/>
@@ -3584,6 +3586,29 @@
             <a:endParaRPr lang="en-US" altLang="zh-TW" dirty="0" smtClean="0"/>
           </a:p>
           <a:p>
+            <a:r>
+              <a:rPr lang="en-US" altLang="zh-TW" dirty="0" smtClean="0"/>
+              <a:t>ACI-</a:t>
+            </a:r>
+            <a:r>
+              <a:rPr lang="zh-TW" altLang="en-US" dirty="0" smtClean="0"/>
+              <a:t>測試收貨</a:t>
+            </a:r>
+            <a:r>
+              <a:rPr lang="en-US" altLang="zh-TW" dirty="0" smtClean="0"/>
+              <a:t>(</a:t>
+            </a:r>
+            <a:r>
+              <a:rPr lang="zh-TW" altLang="en-US" dirty="0" smtClean="0"/>
+              <a:t>僅提供測試</a:t>
+            </a:r>
+            <a:r>
+              <a:rPr lang="en-US" altLang="zh-TW" dirty="0" smtClean="0"/>
+              <a:t>..)</a:t>
+            </a:r>
+            <a:endParaRPr lang="en-US" altLang="zh-TW" dirty="0" smtClean="0"/>
+          </a:p>
+          <a:p>
             <a:endParaRPr lang="en-US" altLang="zh-TW" dirty="0" smtClean="0"/>
           </a:p>
           <a:p>
@@ -7183,11 +7208,7 @@
             </a:r>
             <a:r>
               <a:rPr lang="zh-TW" altLang="en-US" dirty="0" smtClean="0"/>
-              <a:t>點</a:t>
-            </a:r>
-            <a:r>
-              <a:rPr lang="zh-TW" altLang="en-US" dirty="0" smtClean="0"/>
-              <a:t>擊</a:t>
+              <a:t>點擊</a:t>
             </a:r>
             <a:r>
               <a:rPr lang="en-US" altLang="zh-TW" dirty="0" smtClean="0"/>
@@ -7237,7 +7258,6 @@
               <a:rPr lang="en-US" altLang="zh-TW" dirty="0" smtClean="0"/>
               <a:t>Received date</a:t>
             </a:r>
-            <a:endParaRPr lang="en-US" altLang="zh-TW" dirty="0" smtClean="0"/>
           </a:p>
           <a:p>
             <a:pPr lvl="1"/>
@@ -7305,15 +7325,7 @@
             </a:r>
             <a:r>
               <a:rPr lang="zh-TW" altLang="en-US" dirty="0" smtClean="0"/>
-              <a:t>內</a:t>
-            </a:r>
-            <a:r>
-              <a:rPr lang="zh-TW" altLang="en-US" dirty="0" smtClean="0"/>
-              <a:t>的對應欄位</a:t>
-            </a:r>
-            <a:r>
-              <a:rPr lang="zh-TW" altLang="en-US" dirty="0" smtClean="0"/>
-              <a:t>會全部填上上面填入的資料</a:t>
+              <a:t>內的對應欄位會全部填上上面填入的資料</a:t>
             </a:r>
             <a:endParaRPr lang="en-US" altLang="zh-TW" dirty="0" smtClean="0"/>
           </a:p>
@@ -7978,6 +7990,323 @@
       </p:par>
     </p:tnLst>
   </p:timing>
+</p:sld>
+</file>
+
+<file path=ppt/slides/slide30.xml><?xml version="1.0" encoding="utf-8"?>
+<p:sld xmlns:a="http://schemas.openxmlformats.org/drawingml/2006/main" xmlns:r="http://schemas.openxmlformats.org/officeDocument/2006/relationships" xmlns:p="http://schemas.openxmlformats.org/presentationml/2006/main">
+  <p:cSld>
+    <p:spTree>
+      <p:nvGrpSpPr>
+        <p:cNvPr id="1" name=""/>
+        <p:cNvGrpSpPr/>
+        <p:nvPr/>
+      </p:nvGrpSpPr>
+      <p:grpSpPr>
+        <a:xfrm>
+          <a:off x="0" y="0"/>
+          <a:ext cx="0" cy="0"/>
+          <a:chOff x="0" y="0"/>
+          <a:chExt cx="0" cy="0"/>
+        </a:xfrm>
+      </p:grpSpPr>
+      <p:sp>
+        <p:nvSpPr>
+          <p:cNvPr id="2" name="標題 1"/>
+          <p:cNvSpPr>
+            <a:spLocks noGrp="1"/>
+          </p:cNvSpPr>
+          <p:nvPr>
+            <p:ph type="title"/>
+          </p:nvPr>
+        </p:nvSpPr>
+        <p:spPr/>
+        <p:txBody>
+          <a:bodyPr/>
+          <a:lstStyle/>
+          <a:p>
+            <a:r>
+              <a:rPr lang="en-US" altLang="zh-TW" dirty="0"/>
+              <a:t>ACI-</a:t>
+            </a:r>
+            <a:r>
+              <a:rPr lang="zh-TW" altLang="en-US" dirty="0"/>
+              <a:t>測試收貨</a:t>
+            </a:r>
+          </a:p>
+        </p:txBody>
+      </p:sp>
+      <p:sp>
+        <p:nvSpPr>
+          <p:cNvPr id="3" name="內容版面配置區 2"/>
+          <p:cNvSpPr>
+            <a:spLocks noGrp="1"/>
+          </p:cNvSpPr>
+          <p:nvPr>
+            <p:ph idx="1"/>
+          </p:nvPr>
+        </p:nvSpPr>
+        <p:spPr/>
+        <p:txBody>
+          <a:bodyPr/>
+          <a:lstStyle/>
+          <a:p>
+            <a:r>
+              <a:rPr lang="zh-TW" altLang="en-US" dirty="0" smtClean="0"/>
+              <a:t>隨機產生與達運出貨相同的測試資料</a:t>
+            </a:r>
+            <a:r>
+              <a:rPr lang="zh-TW" altLang="en-US" dirty="0"/>
+              <a:t> </a:t>
+            </a:r>
+            <a:r>
+              <a:rPr lang="en-US" altLang="zh-TW" dirty="0" smtClean="0"/>
+              <a:t>, </a:t>
+            </a:r>
+            <a:r>
+              <a:rPr lang="zh-TW" altLang="en-US" dirty="0" smtClean="0"/>
+              <a:t>棧板資料 提供測試</a:t>
+            </a:r>
+            <a:endParaRPr lang="en-US" altLang="zh-TW" dirty="0" smtClean="0"/>
+          </a:p>
+          <a:p>
+            <a:pPr marL="0" indent="0">
+              <a:buNone/>
+            </a:pPr>
+            <a:endParaRPr lang="zh-TW" altLang="en-US" dirty="0"/>
+          </a:p>
+        </p:txBody>
+      </p:sp>
+    </p:spTree>
+    <p:extLst>
+      <p:ext uri="{BB962C8B-B14F-4D97-AF65-F5344CB8AC3E}">
+        <p14:creationId xmlns:p14="http://schemas.microsoft.com/office/powerpoint/2010/main" val="1867750351"/>
+      </p:ext>
+    </p:extLst>
+  </p:cSld>
+  <p:clrMapOvr>
+    <a:masterClrMapping/>
+  </p:clrMapOvr>
+</p:sld>
+</file>
+
+<file path=ppt/slides/slide31.xml><?xml version="1.0" encoding="utf-8"?>
+<p:sld xmlns:a="http://schemas.openxmlformats.org/drawingml/2006/main" xmlns:r="http://schemas.openxmlformats.org/officeDocument/2006/relationships" xmlns:p="http://schemas.openxmlformats.org/presentationml/2006/main">
+  <p:cSld>
+    <p:spTree>
+      <p:nvGrpSpPr>
+        <p:cNvPr id="1" name=""/>
+        <p:cNvGrpSpPr/>
+        <p:nvPr/>
+      </p:nvGrpSpPr>
+      <p:grpSpPr>
+        <a:xfrm>
+          <a:off x="0" y="0"/>
+          <a:ext cx="0" cy="0"/>
+          <a:chOff x="0" y="0"/>
+          <a:chExt cx="0" cy="0"/>
+        </a:xfrm>
+      </p:grpSpPr>
+      <p:sp>
+        <p:nvSpPr>
+          <p:cNvPr id="2" name="標題 1"/>
+          <p:cNvSpPr>
+            <a:spLocks noGrp="1"/>
+          </p:cNvSpPr>
+          <p:nvPr>
+            <p:ph type="title"/>
+          </p:nvPr>
+        </p:nvSpPr>
+        <p:spPr/>
+        <p:txBody>
+          <a:bodyPr/>
+          <a:lstStyle/>
+          <a:p>
+            <a:r>
+              <a:rPr lang="en-US" altLang="zh-TW" dirty="0"/>
+              <a:t>ACI-</a:t>
+            </a:r>
+            <a:r>
+              <a:rPr lang="zh-TW" altLang="en-US" dirty="0"/>
+              <a:t>測試收貨</a:t>
+            </a:r>
+          </a:p>
+        </p:txBody>
+      </p:sp>
+      <p:pic>
+        <p:nvPicPr>
+          <p:cNvPr id="6" name="圖片 5"/>
+          <p:cNvPicPr>
+            <a:picLocks noChangeAspect="1"/>
+          </p:cNvPicPr>
+          <p:nvPr/>
+        </p:nvPicPr>
+        <p:blipFill>
+          <a:blip r:embed="rId2"/>
+          <a:stretch>
+            <a:fillRect/>
+          </a:stretch>
+        </p:blipFill>
+        <p:spPr>
+          <a:xfrm>
+            <a:off x="0" y="1545336"/>
+            <a:ext cx="3866572" cy="3093257"/>
+          </a:xfrm>
+          <a:prstGeom prst="rect">
+            <a:avLst/>
+          </a:prstGeom>
+        </p:spPr>
+      </p:pic>
+      <p:pic>
+        <p:nvPicPr>
+          <p:cNvPr id="7" name="圖片 6"/>
+          <p:cNvPicPr>
+            <a:picLocks noChangeAspect="1"/>
+          </p:cNvPicPr>
+          <p:nvPr/>
+        </p:nvPicPr>
+        <p:blipFill>
+          <a:blip r:embed="rId3"/>
+          <a:stretch>
+            <a:fillRect/>
+          </a:stretch>
+        </p:blipFill>
+        <p:spPr>
+          <a:xfrm>
+            <a:off x="4166278" y="1027906"/>
+            <a:ext cx="3990375" cy="5604129"/>
+          </a:xfrm>
+          <a:prstGeom prst="rect">
+            <a:avLst/>
+          </a:prstGeom>
+        </p:spPr>
+      </p:pic>
+      <p:cxnSp>
+        <p:nvCxnSpPr>
+          <p:cNvPr id="10" name="直線單箭頭接點 9"/>
+          <p:cNvCxnSpPr/>
+          <p:nvPr/>
+        </p:nvCxnSpPr>
+        <p:spPr>
+          <a:xfrm>
+            <a:off x="2831092" y="3008376"/>
+            <a:ext cx="1298448" cy="9144"/>
+          </a:xfrm>
+          <a:prstGeom prst="straightConnector1">
+            <a:avLst/>
+          </a:prstGeom>
+          <a:ln>
+            <a:tailEnd type="triangle"/>
+          </a:ln>
+        </p:spPr>
+        <p:style>
+          <a:lnRef idx="1">
+            <a:schemeClr val="accent2"/>
+          </a:lnRef>
+          <a:fillRef idx="0">
+            <a:schemeClr val="accent2"/>
+          </a:fillRef>
+          <a:effectRef idx="0">
+            <a:schemeClr val="accent2"/>
+          </a:effectRef>
+          <a:fontRef idx="minor">
+            <a:schemeClr val="tx1"/>
+          </a:fontRef>
+        </p:style>
+      </p:cxnSp>
+      <p:pic>
+        <p:nvPicPr>
+          <p:cNvPr id="12" name="圖片 11"/>
+          <p:cNvPicPr>
+            <a:picLocks noChangeAspect="1"/>
+          </p:cNvPicPr>
+          <p:nvPr/>
+        </p:nvPicPr>
+        <p:blipFill>
+          <a:blip r:embed="rId4"/>
+          <a:stretch>
+            <a:fillRect/>
+          </a:stretch>
+        </p:blipFill>
+        <p:spPr>
+          <a:xfrm>
+            <a:off x="8424080" y="1082770"/>
+            <a:ext cx="3229426" cy="1629002"/>
+          </a:xfrm>
+          <a:prstGeom prst="rect">
+            <a:avLst/>
+          </a:prstGeom>
+        </p:spPr>
+      </p:pic>
+      <p:cxnSp>
+        <p:nvCxnSpPr>
+          <p:cNvPr id="14" name="直線單箭頭接點 13"/>
+          <p:cNvCxnSpPr>
+            <a:endCxn id="12" idx="1"/>
+          </p:cNvCxnSpPr>
+          <p:nvPr/>
+        </p:nvCxnSpPr>
+        <p:spPr>
+          <a:xfrm flipV="1">
+            <a:off x="7836408" y="1897271"/>
+            <a:ext cx="587672" cy="86977"/>
+          </a:xfrm>
+          <a:prstGeom prst="straightConnector1">
+            <a:avLst/>
+          </a:prstGeom>
+          <a:ln>
+            <a:tailEnd type="triangle"/>
+          </a:ln>
+        </p:spPr>
+        <p:style>
+          <a:lnRef idx="1">
+            <a:schemeClr val="accent2"/>
+          </a:lnRef>
+          <a:fillRef idx="0">
+            <a:schemeClr val="accent2"/>
+          </a:fillRef>
+          <a:effectRef idx="0">
+            <a:schemeClr val="accent2"/>
+          </a:effectRef>
+          <a:fontRef idx="minor">
+            <a:schemeClr val="tx1"/>
+          </a:fontRef>
+        </p:style>
+      </p:cxnSp>
+      <p:pic>
+        <p:nvPicPr>
+          <p:cNvPr id="15" name="圖片 14"/>
+          <p:cNvPicPr>
+            <a:picLocks noChangeAspect="1"/>
+          </p:cNvPicPr>
+          <p:nvPr/>
+        </p:nvPicPr>
+        <p:blipFill>
+          <a:blip r:embed="rId5"/>
+          <a:stretch>
+            <a:fillRect/>
+          </a:stretch>
+        </p:blipFill>
+        <p:spPr>
+          <a:xfrm>
+            <a:off x="8424080" y="3429417"/>
+            <a:ext cx="4020705" cy="1218395"/>
+          </a:xfrm>
+          <a:prstGeom prst="rect">
+            <a:avLst/>
+          </a:prstGeom>
+        </p:spPr>
+      </p:pic>
+    </p:spTree>
+    <p:extLst>
+      <p:ext uri="{BB962C8B-B14F-4D97-AF65-F5344CB8AC3E}">
+        <p14:creationId xmlns:p14="http://schemas.microsoft.com/office/powerpoint/2010/main" val="1055717728"/>
+      </p:ext>
+    </p:extLst>
+  </p:cSld>
+  <p:clrMapOvr>
+    <a:masterClrMapping/>
+  </p:clrMapOvr>
 </p:sld>
 </file>
 

--- a/ACI庫存操作.pptx
+++ b/ACI庫存操作.pptx
@@ -3587,23 +3587,33 @@
           </a:p>
           <a:p>
             <a:r>
-              <a:rPr lang="en-US" altLang="zh-TW" dirty="0" smtClean="0"/>
+              <a:rPr lang="en-US" altLang="zh-TW" dirty="0" smtClean="0">
+                <a:hlinkClick r:id="rId12" action="ppaction://hlinksldjump"/>
+              </a:rPr>
               <a:t>ACI-</a:t>
             </a:r>
             <a:r>
-              <a:rPr lang="zh-TW" altLang="en-US" dirty="0" smtClean="0"/>
+              <a:rPr lang="zh-TW" altLang="en-US" dirty="0" smtClean="0">
+                <a:hlinkClick r:id="rId12" action="ppaction://hlinksldjump"/>
+              </a:rPr>
               <a:t>測試收貨</a:t>
             </a:r>
             <a:r>
-              <a:rPr lang="en-US" altLang="zh-TW" dirty="0" smtClean="0"/>
+              <a:rPr lang="en-US" altLang="zh-TW" dirty="0" smtClean="0">
+                <a:hlinkClick r:id="rId12" action="ppaction://hlinksldjump"/>
+              </a:rPr>
               <a:t>(</a:t>
             </a:r>
             <a:r>
-              <a:rPr lang="zh-TW" altLang="en-US" dirty="0" smtClean="0"/>
+              <a:rPr lang="zh-TW" altLang="en-US" dirty="0" smtClean="0">
+                <a:hlinkClick r:id="rId12" action="ppaction://hlinksldjump"/>
+              </a:rPr>
               <a:t>僅提供測試</a:t>
             </a:r>
             <a:r>
-              <a:rPr lang="en-US" altLang="zh-TW" dirty="0" smtClean="0"/>
+              <a:rPr lang="en-US" altLang="zh-TW" dirty="0" smtClean="0">
+                <a:hlinkClick r:id="rId12" action="ppaction://hlinksldjump"/>
+              </a:rPr>
               <a:t>..)</a:t>
             </a:r>
             <a:endParaRPr lang="en-US" altLang="zh-TW" dirty="0" smtClean="0"/>
